--- a/Hauptseminar HPC.pptx
+++ b/Hauptseminar HPC.pptx
@@ -17,8 +17,8 @@
     <p:sldId id="257" r:id="rId5"/>
     <p:sldId id="259" r:id="rId6"/>
     <p:sldId id="258" r:id="rId7"/>
-    <p:sldId id="260" r:id="rId8"/>
-    <p:sldId id="261" r:id="rId9"/>
+    <p:sldId id="261" r:id="rId8"/>
+    <p:sldId id="260" r:id="rId9"/>
     <p:sldId id="262" r:id="rId10"/>
     <p:sldId id="263" r:id="rId11"/>
     <p:sldId id="264" r:id="rId12"/>
@@ -282,7 +282,7 @@
               <a:pPr>
                 <a:defRPr/>
               </a:pPr>
-              <a:t>20.01.2018</a:t>
+              <a:t>03.02.2018</a:t>
             </a:fld>
             <a:endParaRPr lang="en-US"/>
           </a:p>
@@ -466,7 +466,7 @@
               <a:pPr>
                 <a:defRPr/>
               </a:pPr>
-              <a:t>20.01.2018</a:t>
+              <a:t>03.02.2018</a:t>
             </a:fld>
             <a:endParaRPr lang="en-US"/>
           </a:p>
@@ -773,6 +773,436 @@
     </a:lvl9pPr>
   </p:notesStyle>
 </p:notesMaster>
+</file>
+
+<file path=ppt/notesSlides/notesSlide1.xml><?xml version="1.0" encoding="utf-8"?>
+<p:notes xmlns:a="http://schemas.openxmlformats.org/drawingml/2006/main" xmlns:r="http://schemas.openxmlformats.org/officeDocument/2006/relationships" xmlns:p="http://schemas.openxmlformats.org/presentationml/2006/main">
+  <p:cSld>
+    <p:spTree>
+      <p:nvGrpSpPr>
+        <p:cNvPr id="1" name=""/>
+        <p:cNvGrpSpPr/>
+        <p:nvPr/>
+      </p:nvGrpSpPr>
+      <p:grpSpPr>
+        <a:xfrm>
+          <a:off x="0" y="0"/>
+          <a:ext cx="0" cy="0"/>
+          <a:chOff x="0" y="0"/>
+          <a:chExt cx="0" cy="0"/>
+        </a:xfrm>
+      </p:grpSpPr>
+      <p:sp>
+        <p:nvSpPr>
+          <p:cNvPr id="2" name="Folienbildplatzhalter 1"/>
+          <p:cNvSpPr>
+            <a:spLocks noGrp="1" noRot="1" noChangeAspect="1"/>
+          </p:cNvSpPr>
+          <p:nvPr>
+            <p:ph type="sldImg"/>
+          </p:nvPr>
+        </p:nvSpPr>
+        <p:spPr/>
+      </p:sp>
+      <p:sp>
+        <p:nvSpPr>
+          <p:cNvPr id="3" name="Notizenplatzhalter 2"/>
+          <p:cNvSpPr>
+            <a:spLocks noGrp="1"/>
+          </p:cNvSpPr>
+          <p:nvPr>
+            <p:ph type="body" idx="1"/>
+          </p:nvPr>
+        </p:nvSpPr>
+        <p:spPr/>
+        <p:txBody>
+          <a:bodyPr/>
+          <a:lstStyle/>
+          <a:p>
+            <a:endParaRPr lang="de-DE" dirty="0"/>
+          </a:p>
+          <a:p>
+            <a:r>
+              <a:rPr lang="de-DE" dirty="0"/>
+              <a:t>HPX:, ausgesprochen für High Performance </a:t>
+            </a:r>
+            <a:r>
+              <a:rPr lang="de-DE" dirty="0" err="1"/>
+              <a:t>ParalleX</a:t>
+            </a:r>
+            <a:endParaRPr lang="de-DE" dirty="0"/>
+          </a:p>
+          <a:p>
+            <a:endParaRPr lang="de-DE" dirty="0"/>
+          </a:p>
+          <a:p>
+            <a:r>
+              <a:rPr lang="de-DE" dirty="0"/>
+              <a:t>Stellar: Systems Technology, Emergent </a:t>
+            </a:r>
+            <a:r>
+              <a:rPr lang="de-DE" dirty="0" err="1"/>
+              <a:t>Parallelism</a:t>
+            </a:r>
+            <a:r>
+              <a:rPr lang="de-DE" dirty="0"/>
+              <a:t>, and </a:t>
+            </a:r>
+            <a:r>
+              <a:rPr lang="de-DE" dirty="0" err="1"/>
+              <a:t>Algorithm</a:t>
+            </a:r>
+            <a:r>
+              <a:rPr lang="de-DE" dirty="0"/>
+              <a:t> Research. -&gt; Internationale Forschungsgruppe mit dem Ziel die Entwicklung von skalierbaren, parallelen Applikationen zu fördern. </a:t>
+            </a:r>
+          </a:p>
+          <a:p>
+            <a:endParaRPr lang="de-DE" dirty="0"/>
+          </a:p>
+          <a:p>
+            <a:r>
+              <a:rPr lang="de-DE" dirty="0" err="1"/>
+              <a:t>ParalleX</a:t>
+            </a:r>
+            <a:r>
+              <a:rPr lang="de-DE" dirty="0"/>
+              <a:t>: experimentelles </a:t>
+            </a:r>
+            <a:r>
+              <a:rPr lang="de-DE" dirty="0" err="1"/>
+              <a:t>model</a:t>
+            </a:r>
+            <a:r>
+              <a:rPr lang="de-DE" dirty="0"/>
+              <a:t> für „parallel </a:t>
+            </a:r>
+            <a:r>
+              <a:rPr lang="de-DE" dirty="0" err="1"/>
+              <a:t>execution</a:t>
+            </a:r>
+            <a:r>
+              <a:rPr lang="de-DE" dirty="0"/>
+              <a:t>“. Wozu ich gleich noch ein paar Wörter verlieren werde</a:t>
+            </a:r>
+          </a:p>
+          <a:p>
+            <a:endParaRPr lang="de-DE" dirty="0"/>
+          </a:p>
+          <a:p>
+            <a:r>
+              <a:rPr lang="de-DE" dirty="0"/>
+              <a:t>Boost Software Lizenz: d.h. Kostenfreie Kopier-, Nutzungs- und </a:t>
+            </a:r>
+            <a:r>
+              <a:rPr lang="de-DE" dirty="0" err="1"/>
+              <a:t>Modifiaktionsrechte</a:t>
+            </a:r>
+            <a:r>
+              <a:rPr lang="de-DE" dirty="0"/>
+              <a:t> u.v.m.</a:t>
+            </a:r>
+          </a:p>
+          <a:p>
+            <a:endParaRPr lang="de-DE" dirty="0"/>
+          </a:p>
+          <a:p>
+            <a:r>
+              <a:rPr lang="de-DE" dirty="0"/>
+              <a:t>C++11 konform: beispielsweise nutzt HPX anonyme Funktionen (Lambdas)</a:t>
+            </a:r>
+          </a:p>
+          <a:p>
+            <a:endParaRPr lang="de-DE" dirty="0"/>
+          </a:p>
+        </p:txBody>
+      </p:sp>
+      <p:sp>
+        <p:nvSpPr>
+          <p:cNvPr id="4" name="Foliennummernplatzhalter 3"/>
+          <p:cNvSpPr>
+            <a:spLocks noGrp="1"/>
+          </p:cNvSpPr>
+          <p:nvPr>
+            <p:ph type="sldNum" sz="quarter" idx="10"/>
+          </p:nvPr>
+        </p:nvSpPr>
+        <p:spPr/>
+        <p:txBody>
+          <a:bodyPr/>
+          <a:lstStyle/>
+          <a:p>
+            <a:pPr>
+              <a:defRPr/>
+            </a:pPr>
+            <a:fld id="{FABC2263-B249-BD41-8DE2-10DB7145066A}" type="slidenum">
+              <a:rPr lang="en-US" smtClean="0"/>
+              <a:pPr>
+                <a:defRPr/>
+              </a:pPr>
+              <a:t>4</a:t>
+            </a:fld>
+            <a:endParaRPr lang="en-US"/>
+          </a:p>
+        </p:txBody>
+      </p:sp>
+    </p:spTree>
+    <p:extLst>
+      <p:ext uri="{BB962C8B-B14F-4D97-AF65-F5344CB8AC3E}">
+        <p14:creationId xmlns:p14="http://schemas.microsoft.com/office/powerpoint/2010/main" val="1723601516"/>
+      </p:ext>
+    </p:extLst>
+  </p:cSld>
+  <p:clrMapOvr>
+    <a:masterClrMapping/>
+  </p:clrMapOvr>
+</p:notes>
+</file>
+
+<file path=ppt/notesSlides/notesSlide2.xml><?xml version="1.0" encoding="utf-8"?>
+<p:notes xmlns:a="http://schemas.openxmlformats.org/drawingml/2006/main" xmlns:r="http://schemas.openxmlformats.org/officeDocument/2006/relationships" xmlns:p="http://schemas.openxmlformats.org/presentationml/2006/main">
+  <p:cSld>
+    <p:spTree>
+      <p:nvGrpSpPr>
+        <p:cNvPr id="1" name=""/>
+        <p:cNvGrpSpPr/>
+        <p:nvPr/>
+      </p:nvGrpSpPr>
+      <p:grpSpPr>
+        <a:xfrm>
+          <a:off x="0" y="0"/>
+          <a:ext cx="0" cy="0"/>
+          <a:chOff x="0" y="0"/>
+          <a:chExt cx="0" cy="0"/>
+        </a:xfrm>
+      </p:grpSpPr>
+      <p:sp>
+        <p:nvSpPr>
+          <p:cNvPr id="2" name="Folienbildplatzhalter 1"/>
+          <p:cNvSpPr>
+            <a:spLocks noGrp="1" noRot="1" noChangeAspect="1"/>
+          </p:cNvSpPr>
+          <p:nvPr>
+            <p:ph type="sldImg"/>
+          </p:nvPr>
+        </p:nvSpPr>
+        <p:spPr/>
+      </p:sp>
+      <p:sp>
+        <p:nvSpPr>
+          <p:cNvPr id="3" name="Notizenplatzhalter 2"/>
+          <p:cNvSpPr>
+            <a:spLocks noGrp="1"/>
+          </p:cNvSpPr>
+          <p:nvPr>
+            <p:ph type="body" idx="1"/>
+          </p:nvPr>
+        </p:nvSpPr>
+        <p:spPr/>
+        <p:txBody>
+          <a:bodyPr/>
+          <a:lstStyle/>
+          <a:p>
+            <a:endParaRPr lang="de-DE" dirty="0"/>
+          </a:p>
+        </p:txBody>
+      </p:sp>
+      <p:sp>
+        <p:nvSpPr>
+          <p:cNvPr id="4" name="Foliennummernplatzhalter 3"/>
+          <p:cNvSpPr>
+            <a:spLocks noGrp="1"/>
+          </p:cNvSpPr>
+          <p:nvPr>
+            <p:ph type="sldNum" sz="quarter" idx="10"/>
+          </p:nvPr>
+        </p:nvSpPr>
+        <p:spPr/>
+        <p:txBody>
+          <a:bodyPr/>
+          <a:lstStyle/>
+          <a:p>
+            <a:pPr>
+              <a:defRPr/>
+            </a:pPr>
+            <a:fld id="{FABC2263-B249-BD41-8DE2-10DB7145066A}" type="slidenum">
+              <a:rPr lang="en-US" smtClean="0"/>
+              <a:pPr>
+                <a:defRPr/>
+              </a:pPr>
+              <a:t>5</a:t>
+            </a:fld>
+            <a:endParaRPr lang="en-US"/>
+          </a:p>
+        </p:txBody>
+      </p:sp>
+    </p:spTree>
+    <p:extLst>
+      <p:ext uri="{BB962C8B-B14F-4D97-AF65-F5344CB8AC3E}">
+        <p14:creationId xmlns:p14="http://schemas.microsoft.com/office/powerpoint/2010/main" val="2661564503"/>
+      </p:ext>
+    </p:extLst>
+  </p:cSld>
+  <p:clrMapOvr>
+    <a:masterClrMapping/>
+  </p:clrMapOvr>
+</p:notes>
+</file>
+
+<file path=ppt/notesSlides/notesSlide3.xml><?xml version="1.0" encoding="utf-8"?>
+<p:notes xmlns:a="http://schemas.openxmlformats.org/drawingml/2006/main" xmlns:r="http://schemas.openxmlformats.org/officeDocument/2006/relationships" xmlns:p="http://schemas.openxmlformats.org/presentationml/2006/main">
+  <p:cSld>
+    <p:spTree>
+      <p:nvGrpSpPr>
+        <p:cNvPr id="1" name=""/>
+        <p:cNvGrpSpPr/>
+        <p:nvPr/>
+      </p:nvGrpSpPr>
+      <p:grpSpPr>
+        <a:xfrm>
+          <a:off x="0" y="0"/>
+          <a:ext cx="0" cy="0"/>
+          <a:chOff x="0" y="0"/>
+          <a:chExt cx="0" cy="0"/>
+        </a:xfrm>
+      </p:grpSpPr>
+      <p:sp>
+        <p:nvSpPr>
+          <p:cNvPr id="2" name="Folienbildplatzhalter 1"/>
+          <p:cNvSpPr>
+            <a:spLocks noGrp="1" noRot="1" noChangeAspect="1"/>
+          </p:cNvSpPr>
+          <p:nvPr>
+            <p:ph type="sldImg"/>
+          </p:nvPr>
+        </p:nvSpPr>
+        <p:spPr/>
+      </p:sp>
+      <p:sp>
+        <p:nvSpPr>
+          <p:cNvPr id="3" name="Notizenplatzhalter 2"/>
+          <p:cNvSpPr>
+            <a:spLocks noGrp="1"/>
+          </p:cNvSpPr>
+          <p:nvPr>
+            <p:ph type="body" idx="1"/>
+          </p:nvPr>
+        </p:nvSpPr>
+        <p:spPr/>
+        <p:txBody>
+          <a:bodyPr/>
+          <a:lstStyle/>
+          <a:p>
+            <a:r>
+              <a:rPr lang="de-DE" dirty="0" err="1"/>
+              <a:t>Kokkos</a:t>
+            </a:r>
+            <a:r>
+              <a:rPr lang="de-DE" dirty="0"/>
+              <a:t> : aus dem Griechischen für „Korn“ „Granular“ : Soll Zweck (</a:t>
+            </a:r>
+            <a:r>
+              <a:rPr lang="de-DE" dirty="0" err="1"/>
+              <a:t>Inkapsulierung</a:t>
+            </a:r>
+            <a:r>
+              <a:rPr lang="de-DE" dirty="0"/>
+              <a:t>  von Körnern von Daten und parallelisier baren Operationen. </a:t>
+            </a:r>
+          </a:p>
+          <a:p>
+            <a:endParaRPr lang="de-DE" dirty="0"/>
+          </a:p>
+          <a:p>
+            <a:r>
+              <a:rPr lang="de-DE" dirty="0"/>
+              <a:t>Programmiermodell: … über unterschiedliche Architekturen hinweg</a:t>
+            </a:r>
+          </a:p>
+          <a:p>
+            <a:endParaRPr lang="de-DE" dirty="0"/>
+          </a:p>
+          <a:p>
+            <a:r>
+              <a:rPr lang="de-DE" dirty="0"/>
+              <a:t>Performance Portabilität definieren die Entwickler von </a:t>
+            </a:r>
+            <a:r>
+              <a:rPr lang="de-DE" dirty="0" err="1"/>
+              <a:t>Kokkos</a:t>
+            </a:r>
+            <a:r>
+              <a:rPr lang="de-DE" dirty="0"/>
+              <a:t> als Code, welcher für verschiedene Architekturen kompiliert werden kann und fast keine bzw. keine Performance Unterschiede zu architekturspezifischen Code hat.</a:t>
+            </a:r>
+          </a:p>
+          <a:p>
+            <a:endParaRPr lang="de-DE" dirty="0"/>
+          </a:p>
+          <a:p>
+            <a:r>
+              <a:rPr lang="de-DE" dirty="0"/>
+              <a:t>Unterstützt werden dabei …. Mit NUMA (Non-uniform </a:t>
+            </a:r>
+            <a:r>
+              <a:rPr lang="de-DE" dirty="0" err="1"/>
+              <a:t>memory</a:t>
+            </a:r>
+            <a:r>
+              <a:rPr lang="de-DE" dirty="0"/>
+              <a:t> </a:t>
+            </a:r>
+            <a:r>
+              <a:rPr lang="de-DE" dirty="0" err="1"/>
+              <a:t>access</a:t>
+            </a:r>
+            <a:r>
+              <a:rPr lang="de-DE" dirty="0"/>
+              <a:t>)</a:t>
+            </a:r>
+          </a:p>
+        </p:txBody>
+      </p:sp>
+      <p:sp>
+        <p:nvSpPr>
+          <p:cNvPr id="4" name="Foliennummernplatzhalter 3"/>
+          <p:cNvSpPr>
+            <a:spLocks noGrp="1"/>
+          </p:cNvSpPr>
+          <p:nvPr>
+            <p:ph type="sldNum" sz="quarter" idx="10"/>
+          </p:nvPr>
+        </p:nvSpPr>
+        <p:spPr/>
+        <p:txBody>
+          <a:bodyPr/>
+          <a:lstStyle/>
+          <a:p>
+            <a:pPr>
+              <a:defRPr/>
+            </a:pPr>
+            <a:fld id="{FABC2263-B249-BD41-8DE2-10DB7145066A}" type="slidenum">
+              <a:rPr lang="en-US" smtClean="0"/>
+              <a:pPr>
+                <a:defRPr/>
+              </a:pPr>
+              <a:t>6</a:t>
+            </a:fld>
+            <a:endParaRPr lang="en-US"/>
+          </a:p>
+        </p:txBody>
+      </p:sp>
+    </p:spTree>
+    <p:extLst>
+      <p:ext uri="{BB962C8B-B14F-4D97-AF65-F5344CB8AC3E}">
+        <p14:creationId xmlns:p14="http://schemas.microsoft.com/office/powerpoint/2010/main" val="326107936"/>
+      </p:ext>
+    </p:extLst>
+  </p:cSld>
+  <p:clrMapOvr>
+    <a:masterClrMapping/>
+  </p:clrMapOvr>
+</p:notes>
 </file>
 
 <file path=ppt/slideLayouts/slideLayout1.xml><?xml version="1.0" encoding="utf-8"?>
@@ -8725,7 +9155,16 @@
           <a:bodyPr/>
           <a:lstStyle/>
           <a:p>
-            <a:endParaRPr lang="de-DE"/>
+            <a:r>
+              <a:rPr lang="de-DE" dirty="0"/>
+              <a:t>https://stellar-group.github.io/hpx/docs/html/hpx/people.html</a:t>
+            </a:r>
+          </a:p>
+          <a:p>
+            <a:r>
+              <a:rPr lang="de-DE" dirty="0"/>
+              <a:t>https://de.wikipedia.org/wiki/Boost_(C%2B%2B-Bibliothek)#Lizenzbedingungen</a:t>
+            </a:r>
           </a:p>
         </p:txBody>
       </p:sp>
@@ -8982,29 +9421,8 @@
             </a:pPr>
             <a:r>
               <a:rPr lang="de-DE" dirty="0"/>
-              <a:t>General </a:t>
-            </a:r>
-            <a:r>
-              <a:rPr lang="de-DE" dirty="0" err="1"/>
-              <a:t>purpose</a:t>
-            </a:r>
-            <a:r>
-              <a:rPr lang="de-DE" dirty="0"/>
-              <a:t> C++ </a:t>
-            </a:r>
-            <a:r>
-              <a:rPr lang="de-DE" dirty="0" err="1"/>
-              <a:t>runtime</a:t>
-            </a:r>
-            <a:r>
-              <a:rPr lang="de-DE" dirty="0"/>
-              <a:t> </a:t>
-            </a:r>
-            <a:r>
-              <a:rPr lang="de-DE" dirty="0" err="1"/>
-              <a:t>system</a:t>
-            </a:r>
-            <a:endParaRPr lang="de-DE" dirty="0"/>
+              <a:t>von STELLAR entwickelt</a:t>
+            </a:r>
           </a:p>
           <a:p>
             <a:pPr>
@@ -9013,11 +9431,27 @@
             </a:pPr>
             <a:r>
               <a:rPr lang="de-DE" dirty="0"/>
-              <a:t>Open-</a:t>
+              <a:t>General </a:t>
             </a:r>
             <a:r>
               <a:rPr lang="de-DE" dirty="0" err="1"/>
-              <a:t>source</a:t>
+              <a:t>purpose</a:t>
+            </a:r>
+            <a:r>
+              <a:rPr lang="de-DE" dirty="0"/>
+              <a:t> C++ </a:t>
+            </a:r>
+            <a:r>
+              <a:rPr lang="de-DE" dirty="0" err="1"/>
+              <a:t>runtime</a:t>
+            </a:r>
+            <a:r>
+              <a:rPr lang="de-DE" dirty="0"/>
+              <a:t> </a:t>
+            </a:r>
+            <a:r>
+              <a:rPr lang="de-DE" dirty="0" err="1"/>
+              <a:t>system</a:t>
             </a:r>
             <a:endParaRPr lang="de-DE" dirty="0"/>
           </a:p>
@@ -9027,8 +9461,20 @@
               <a:buChar char="•"/>
             </a:pPr>
             <a:r>
+              <a:rPr lang="de-DE" i="1" dirty="0" err="1"/>
+              <a:t>ParalleX</a:t>
+            </a:r>
+            <a:r>
               <a:rPr lang="de-DE" dirty="0"/>
-              <a:t>C++11 konform</a:t>
+              <a:t> </a:t>
+            </a:r>
+            <a:r>
+              <a:rPr lang="de-DE" dirty="0" err="1"/>
+              <a:t>Execution</a:t>
+            </a:r>
+            <a:r>
+              <a:rPr lang="de-DE" dirty="0"/>
+              <a:t> Model</a:t>
             </a:r>
           </a:p>
           <a:p>
@@ -9038,6 +9484,34 @@
             </a:pPr>
             <a:r>
               <a:rPr lang="de-DE" dirty="0"/>
+              <a:t>Open-</a:t>
+            </a:r>
+            <a:r>
+              <a:rPr lang="de-DE" dirty="0" err="1"/>
+              <a:t>source</a:t>
+            </a:r>
+            <a:r>
+              <a:rPr lang="de-DE" dirty="0"/>
+              <a:t> unter der Boost Software Lizenz</a:t>
+            </a:r>
+          </a:p>
+          <a:p>
+            <a:pPr>
+              <a:buFont typeface="Arial" panose="020B0604020202020204" pitchFamily="34" charset="0"/>
+              <a:buChar char="•"/>
+            </a:pPr>
+            <a:r>
+              <a:rPr lang="de-DE" dirty="0"/>
+              <a:t>C++11 konform</a:t>
+            </a:r>
+          </a:p>
+          <a:p>
+            <a:pPr>
+              <a:buFont typeface="Arial" panose="020B0604020202020204" pitchFamily="34" charset="0"/>
+              <a:buChar char="•"/>
+            </a:pPr>
+            <a:r>
+              <a:rPr lang="de-DE" dirty="0"/>
               <a:t>Entwickelt für 	</a:t>
             </a:r>
           </a:p>
@@ -9068,7 +9542,7 @@
             </a:pPr>
             <a:r>
               <a:rPr lang="de-DE" dirty="0"/>
-              <a:t>Max</a:t>
+              <a:t>Mac</a:t>
             </a:r>
           </a:p>
           <a:p>
@@ -9203,7 +9677,7 @@
           <p:cNvPr id="2" name="Titel 1">
             <a:extLst>
               <a:ext uri="{FF2B5EF4-FFF2-40B4-BE49-F238E27FC236}">
-                <a16:creationId xmlns:a16="http://schemas.microsoft.com/office/drawing/2014/main" id="{7DDC45AA-D1A9-4877-9136-DC8664FDA3BE}"/>
+                <a16:creationId xmlns:a16="http://schemas.microsoft.com/office/drawing/2014/main" id="{4D6F3F92-0402-4A27-A20C-4240DB91582B}"/>
               </a:ext>
             </a:extLst>
           </p:cNvPr>
@@ -9231,7 +9705,7 @@
           <p:cNvPr id="3" name="Inhaltsplatzhalter 2">
             <a:extLst>
               <a:ext uri="{FF2B5EF4-FFF2-40B4-BE49-F238E27FC236}">
-                <a16:creationId xmlns:a16="http://schemas.microsoft.com/office/drawing/2014/main" id="{BD2E8696-7F05-409A-94EB-A585A6EEE552}"/>
+                <a16:creationId xmlns:a16="http://schemas.microsoft.com/office/drawing/2014/main" id="{D396AB70-9D91-4CDA-8AA5-D2786ECD2F22}"/>
               </a:ext>
             </a:extLst>
           </p:cNvPr>
@@ -9247,10 +9721,7 @@
           <a:bodyPr/>
           <a:lstStyle/>
           <a:p>
-            <a:r>
-              <a:rPr lang="de-DE" dirty="0"/>
-              <a:t>Bild HPX</a:t>
-            </a:r>
+            <a:endParaRPr lang="de-DE" dirty="0"/>
           </a:p>
         </p:txBody>
       </p:sp>
@@ -9259,7 +9730,7 @@
           <p:cNvPr id="4" name="Fußzeilenplatzhalter 3">
             <a:extLst>
               <a:ext uri="{FF2B5EF4-FFF2-40B4-BE49-F238E27FC236}">
-                <a16:creationId xmlns:a16="http://schemas.microsoft.com/office/drawing/2014/main" id="{BD2FC854-ECA9-4928-89CD-A0BA8E671638}"/>
+                <a16:creationId xmlns:a16="http://schemas.microsoft.com/office/drawing/2014/main" id="{66A94DCE-9F4C-4649-B8AB-5C31AA8C650C}"/>
               </a:ext>
             </a:extLst>
           </p:cNvPr>
@@ -9288,7 +9759,7 @@
           <p:cNvPr id="5" name="Textfeld 4">
             <a:extLst>
               <a:ext uri="{FF2B5EF4-FFF2-40B4-BE49-F238E27FC236}">
-                <a16:creationId xmlns:a16="http://schemas.microsoft.com/office/drawing/2014/main" id="{B2FA2DFE-6DEF-4DCD-A6BC-24AFEE84E9F1}"/>
+                <a16:creationId xmlns:a16="http://schemas.microsoft.com/office/drawing/2014/main" id="{512ACA0F-B9D0-44B2-B163-CDE186BCE168}"/>
               </a:ext>
             </a:extLst>
           </p:cNvPr>
@@ -9319,10 +9790,1013 @@
           </a:p>
         </p:txBody>
       </p:sp>
+      <p:grpSp>
+        <p:nvGrpSpPr>
+          <p:cNvPr id="10" name="Gruppieren 9">
+            <a:extLst>
+              <a:ext uri="{FF2B5EF4-FFF2-40B4-BE49-F238E27FC236}">
+                <a16:creationId xmlns:a16="http://schemas.microsoft.com/office/drawing/2014/main" id="{116B00A5-78F4-4E97-9A18-CC6FEEEAA083}"/>
+              </a:ext>
+            </a:extLst>
+          </p:cNvPr>
+          <p:cNvGrpSpPr/>
+          <p:nvPr/>
+        </p:nvGrpSpPr>
+        <p:grpSpPr>
+          <a:xfrm>
+            <a:off x="998935" y="1336429"/>
+            <a:ext cx="6618087" cy="3785308"/>
+            <a:chOff x="998935" y="1342512"/>
+            <a:chExt cx="6618087" cy="3785308"/>
+          </a:xfrm>
+          <a:gradFill flip="none" rotWithShape="1">
+            <a:gsLst>
+              <a:gs pos="0">
+                <a:srgbClr val="62A0DB">
+                  <a:shade val="30000"/>
+                  <a:satMod val="115000"/>
+                </a:srgbClr>
+              </a:gs>
+              <a:gs pos="50000">
+                <a:srgbClr val="62A0DB">
+                  <a:shade val="67500"/>
+                  <a:satMod val="115000"/>
+                </a:srgbClr>
+              </a:gs>
+              <a:gs pos="100000">
+                <a:srgbClr val="62A0DB">
+                  <a:shade val="100000"/>
+                  <a:satMod val="115000"/>
+                </a:srgbClr>
+              </a:gs>
+            </a:gsLst>
+            <a:path path="circle">
+              <a:fillToRect l="100000" b="100000"/>
+            </a:path>
+            <a:tileRect t="-100000" r="-100000"/>
+          </a:gradFill>
+        </p:grpSpPr>
+        <p:sp>
+          <p:nvSpPr>
+            <p:cNvPr id="11" name="Freihandform: Form 10">
+              <a:extLst>
+                <a:ext uri="{FF2B5EF4-FFF2-40B4-BE49-F238E27FC236}">
+                  <a16:creationId xmlns:a16="http://schemas.microsoft.com/office/drawing/2014/main" id="{DBAC0801-5270-43EE-9EB4-956AA925AB9C}"/>
+                </a:ext>
+              </a:extLst>
+            </p:cNvPr>
+            <p:cNvSpPr/>
+            <p:nvPr/>
+          </p:nvSpPr>
+          <p:spPr>
+            <a:xfrm>
+              <a:off x="998935" y="1398983"/>
+              <a:ext cx="2030015" cy="1218009"/>
+            </a:xfrm>
+            <a:custGeom>
+              <a:avLst/>
+              <a:gdLst>
+                <a:gd name="connsiteX0" fmla="*/ 0 w 2030015"/>
+                <a:gd name="connsiteY0" fmla="*/ 0 h 1218009"/>
+                <a:gd name="connsiteX1" fmla="*/ 2030015 w 2030015"/>
+                <a:gd name="connsiteY1" fmla="*/ 0 h 1218009"/>
+                <a:gd name="connsiteX2" fmla="*/ 2030015 w 2030015"/>
+                <a:gd name="connsiteY2" fmla="*/ 1218009 h 1218009"/>
+                <a:gd name="connsiteX3" fmla="*/ 0 w 2030015"/>
+                <a:gd name="connsiteY3" fmla="*/ 1218009 h 1218009"/>
+                <a:gd name="connsiteX4" fmla="*/ 0 w 2030015"/>
+                <a:gd name="connsiteY4" fmla="*/ 0 h 1218009"/>
+              </a:gdLst>
+              <a:ahLst/>
+              <a:cxnLst>
+                <a:cxn ang="0">
+                  <a:pos x="connsiteX0" y="connsiteY0"/>
+                </a:cxn>
+                <a:cxn ang="0">
+                  <a:pos x="connsiteX1" y="connsiteY1"/>
+                </a:cxn>
+                <a:cxn ang="0">
+                  <a:pos x="connsiteX2" y="connsiteY2"/>
+                </a:cxn>
+                <a:cxn ang="0">
+                  <a:pos x="connsiteX3" y="connsiteY3"/>
+                </a:cxn>
+                <a:cxn ang="0">
+                  <a:pos x="connsiteX4" y="connsiteY4"/>
+                </a:cxn>
+              </a:cxnLst>
+              <a:rect l="l" t="t" r="r" b="b"/>
+              <a:pathLst>
+                <a:path w="2030015" h="1218009">
+                  <a:moveTo>
+                    <a:pt x="0" y="0"/>
+                  </a:moveTo>
+                  <a:lnTo>
+                    <a:pt x="2030015" y="0"/>
+                  </a:lnTo>
+                  <a:lnTo>
+                    <a:pt x="2030015" y="1218009"/>
+                  </a:lnTo>
+                  <a:lnTo>
+                    <a:pt x="0" y="1218009"/>
+                  </a:lnTo>
+                  <a:lnTo>
+                    <a:pt x="0" y="0"/>
+                  </a:lnTo>
+                  <a:close/>
+                </a:path>
+              </a:pathLst>
+            </a:custGeom>
+            <a:grpFill/>
+            <a:ln>
+              <a:solidFill>
+                <a:srgbClr val="001C4A"/>
+              </a:solidFill>
+            </a:ln>
+          </p:spPr>
+          <p:style>
+            <a:lnRef idx="2">
+              <a:schemeClr val="lt1">
+                <a:hueOff val="0"/>
+                <a:satOff val="0"/>
+                <a:lumOff val="0"/>
+                <a:alphaOff val="0"/>
+              </a:schemeClr>
+            </a:lnRef>
+            <a:fillRef idx="1">
+              <a:schemeClr val="accent1">
+                <a:hueOff val="0"/>
+                <a:satOff val="0"/>
+                <a:lumOff val="0"/>
+                <a:alphaOff val="0"/>
+              </a:schemeClr>
+            </a:fillRef>
+            <a:effectRef idx="0">
+              <a:schemeClr val="accent1">
+                <a:hueOff val="0"/>
+                <a:satOff val="0"/>
+                <a:lumOff val="0"/>
+                <a:alphaOff val="0"/>
+              </a:schemeClr>
+            </a:effectRef>
+            <a:fontRef idx="minor">
+              <a:schemeClr val="lt1"/>
+            </a:fontRef>
+          </p:style>
+          <p:txBody>
+            <a:bodyPr spcFirstLastPara="0" vert="horz" wrap="square" lIns="209550" tIns="209550" rIns="209550" bIns="209550" numCol="1" spcCol="1270" anchor="ctr" anchorCtr="0">
+              <a:noAutofit/>
+            </a:bodyPr>
+            <a:lstStyle/>
+            <a:p>
+              <a:pPr marL="0" lvl="0" indent="0" algn="ctr" defTabSz="2444750">
+                <a:lnSpc>
+                  <a:spcPct val="90000"/>
+                </a:lnSpc>
+                <a:spcBef>
+                  <a:spcPct val="0"/>
+                </a:spcBef>
+                <a:spcAft>
+                  <a:spcPct val="35000"/>
+                </a:spcAft>
+                <a:buNone/>
+              </a:pPr>
+              <a:r>
+                <a:rPr lang="de-DE" sz="2400" kern="1200" dirty="0"/>
+                <a:t>LCOs</a:t>
+              </a:r>
+            </a:p>
+          </p:txBody>
+        </p:sp>
+        <p:sp>
+          <p:nvSpPr>
+            <p:cNvPr id="12" name="Freihandform: Form 11">
+              <a:extLst>
+                <a:ext uri="{FF2B5EF4-FFF2-40B4-BE49-F238E27FC236}">
+                  <a16:creationId xmlns:a16="http://schemas.microsoft.com/office/drawing/2014/main" id="{3EAFD16B-76BC-4D3D-839E-898E4AF8AFFD}"/>
+                </a:ext>
+              </a:extLst>
+            </p:cNvPr>
+            <p:cNvSpPr/>
+            <p:nvPr/>
+          </p:nvSpPr>
+          <p:spPr>
+            <a:xfrm>
+              <a:off x="5587007" y="1342512"/>
+              <a:ext cx="2030015" cy="1271304"/>
+            </a:xfrm>
+            <a:custGeom>
+              <a:avLst/>
+              <a:gdLst>
+                <a:gd name="connsiteX0" fmla="*/ 0 w 2030015"/>
+                <a:gd name="connsiteY0" fmla="*/ 0 h 1218009"/>
+                <a:gd name="connsiteX1" fmla="*/ 2030015 w 2030015"/>
+                <a:gd name="connsiteY1" fmla="*/ 0 h 1218009"/>
+                <a:gd name="connsiteX2" fmla="*/ 2030015 w 2030015"/>
+                <a:gd name="connsiteY2" fmla="*/ 1218009 h 1218009"/>
+                <a:gd name="connsiteX3" fmla="*/ 0 w 2030015"/>
+                <a:gd name="connsiteY3" fmla="*/ 1218009 h 1218009"/>
+                <a:gd name="connsiteX4" fmla="*/ 0 w 2030015"/>
+                <a:gd name="connsiteY4" fmla="*/ 0 h 1218009"/>
+              </a:gdLst>
+              <a:ahLst/>
+              <a:cxnLst>
+                <a:cxn ang="0">
+                  <a:pos x="connsiteX0" y="connsiteY0"/>
+                </a:cxn>
+                <a:cxn ang="0">
+                  <a:pos x="connsiteX1" y="connsiteY1"/>
+                </a:cxn>
+                <a:cxn ang="0">
+                  <a:pos x="connsiteX2" y="connsiteY2"/>
+                </a:cxn>
+                <a:cxn ang="0">
+                  <a:pos x="connsiteX3" y="connsiteY3"/>
+                </a:cxn>
+                <a:cxn ang="0">
+                  <a:pos x="connsiteX4" y="connsiteY4"/>
+                </a:cxn>
+              </a:cxnLst>
+              <a:rect l="l" t="t" r="r" b="b"/>
+              <a:pathLst>
+                <a:path w="2030015" h="1218009">
+                  <a:moveTo>
+                    <a:pt x="0" y="0"/>
+                  </a:moveTo>
+                  <a:lnTo>
+                    <a:pt x="2030015" y="0"/>
+                  </a:lnTo>
+                  <a:lnTo>
+                    <a:pt x="2030015" y="1218009"/>
+                  </a:lnTo>
+                  <a:lnTo>
+                    <a:pt x="0" y="1218009"/>
+                  </a:lnTo>
+                  <a:lnTo>
+                    <a:pt x="0" y="0"/>
+                  </a:lnTo>
+                  <a:close/>
+                </a:path>
+              </a:pathLst>
+            </a:custGeom>
+            <a:grpFill/>
+            <a:ln>
+              <a:solidFill>
+                <a:srgbClr val="001C4A"/>
+              </a:solidFill>
+            </a:ln>
+          </p:spPr>
+          <p:style>
+            <a:lnRef idx="2">
+              <a:schemeClr val="lt1">
+                <a:hueOff val="0"/>
+                <a:satOff val="0"/>
+                <a:lumOff val="0"/>
+                <a:alphaOff val="0"/>
+              </a:schemeClr>
+            </a:lnRef>
+            <a:fillRef idx="1">
+              <a:schemeClr val="accent1">
+                <a:hueOff val="0"/>
+                <a:satOff val="0"/>
+                <a:lumOff val="0"/>
+                <a:alphaOff val="0"/>
+              </a:schemeClr>
+            </a:fillRef>
+            <a:effectRef idx="0">
+              <a:schemeClr val="accent1">
+                <a:hueOff val="0"/>
+                <a:satOff val="0"/>
+                <a:lumOff val="0"/>
+                <a:alphaOff val="0"/>
+              </a:schemeClr>
+            </a:effectRef>
+            <a:fontRef idx="minor">
+              <a:schemeClr val="lt1"/>
+            </a:fontRef>
+          </p:style>
+          <p:txBody>
+            <a:bodyPr spcFirstLastPara="0" vert="horz" wrap="square" lIns="209550" tIns="209550" rIns="209550" bIns="209550" numCol="1" spcCol="1270" anchor="ctr" anchorCtr="0">
+              <a:noAutofit/>
+            </a:bodyPr>
+            <a:lstStyle/>
+            <a:p>
+              <a:pPr marL="0" lvl="0" indent="0" algn="ctr" defTabSz="2444750">
+                <a:lnSpc>
+                  <a:spcPct val="90000"/>
+                </a:lnSpc>
+                <a:spcBef>
+                  <a:spcPct val="0"/>
+                </a:spcBef>
+                <a:spcAft>
+                  <a:spcPct val="35000"/>
+                </a:spcAft>
+                <a:buNone/>
+              </a:pPr>
+              <a:r>
+                <a:rPr lang="de-DE" sz="2400" kern="1200" dirty="0"/>
+                <a:t>Threading Subsystem</a:t>
+              </a:r>
+            </a:p>
+          </p:txBody>
+        </p:sp>
+        <p:sp>
+          <p:nvSpPr>
+            <p:cNvPr id="13" name="Freihandform: Form 12">
+              <a:extLst>
+                <a:ext uri="{FF2B5EF4-FFF2-40B4-BE49-F238E27FC236}">
+                  <a16:creationId xmlns:a16="http://schemas.microsoft.com/office/drawing/2014/main" id="{6EA17FDA-6C66-41D9-8BFF-E8FEA39D02BF}"/>
+                </a:ext>
+              </a:extLst>
+            </p:cNvPr>
+            <p:cNvSpPr/>
+            <p:nvPr/>
+          </p:nvSpPr>
+          <p:spPr>
+            <a:xfrm>
+              <a:off x="998935" y="3903728"/>
+              <a:ext cx="2030015" cy="1218009"/>
+            </a:xfrm>
+            <a:custGeom>
+              <a:avLst/>
+              <a:gdLst>
+                <a:gd name="connsiteX0" fmla="*/ 0 w 2030015"/>
+                <a:gd name="connsiteY0" fmla="*/ 0 h 1218009"/>
+                <a:gd name="connsiteX1" fmla="*/ 2030015 w 2030015"/>
+                <a:gd name="connsiteY1" fmla="*/ 0 h 1218009"/>
+                <a:gd name="connsiteX2" fmla="*/ 2030015 w 2030015"/>
+                <a:gd name="connsiteY2" fmla="*/ 1218009 h 1218009"/>
+                <a:gd name="connsiteX3" fmla="*/ 0 w 2030015"/>
+                <a:gd name="connsiteY3" fmla="*/ 1218009 h 1218009"/>
+                <a:gd name="connsiteX4" fmla="*/ 0 w 2030015"/>
+                <a:gd name="connsiteY4" fmla="*/ 0 h 1218009"/>
+              </a:gdLst>
+              <a:ahLst/>
+              <a:cxnLst>
+                <a:cxn ang="0">
+                  <a:pos x="connsiteX0" y="connsiteY0"/>
+                </a:cxn>
+                <a:cxn ang="0">
+                  <a:pos x="connsiteX1" y="connsiteY1"/>
+                </a:cxn>
+                <a:cxn ang="0">
+                  <a:pos x="connsiteX2" y="connsiteY2"/>
+                </a:cxn>
+                <a:cxn ang="0">
+                  <a:pos x="connsiteX3" y="connsiteY3"/>
+                </a:cxn>
+                <a:cxn ang="0">
+                  <a:pos x="connsiteX4" y="connsiteY4"/>
+                </a:cxn>
+              </a:cxnLst>
+              <a:rect l="l" t="t" r="r" b="b"/>
+              <a:pathLst>
+                <a:path w="2030015" h="1218009">
+                  <a:moveTo>
+                    <a:pt x="0" y="0"/>
+                  </a:moveTo>
+                  <a:lnTo>
+                    <a:pt x="2030015" y="0"/>
+                  </a:lnTo>
+                  <a:lnTo>
+                    <a:pt x="2030015" y="1218009"/>
+                  </a:lnTo>
+                  <a:lnTo>
+                    <a:pt x="0" y="1218009"/>
+                  </a:lnTo>
+                  <a:lnTo>
+                    <a:pt x="0" y="0"/>
+                  </a:lnTo>
+                  <a:close/>
+                </a:path>
+              </a:pathLst>
+            </a:custGeom>
+            <a:grpFill/>
+            <a:ln>
+              <a:solidFill>
+                <a:srgbClr val="001C4A"/>
+              </a:solidFill>
+            </a:ln>
+          </p:spPr>
+          <p:style>
+            <a:lnRef idx="2">
+              <a:schemeClr val="lt1">
+                <a:hueOff val="0"/>
+                <a:satOff val="0"/>
+                <a:lumOff val="0"/>
+                <a:alphaOff val="0"/>
+              </a:schemeClr>
+            </a:lnRef>
+            <a:fillRef idx="1">
+              <a:schemeClr val="accent1">
+                <a:hueOff val="0"/>
+                <a:satOff val="0"/>
+                <a:lumOff val="0"/>
+                <a:alphaOff val="0"/>
+              </a:schemeClr>
+            </a:fillRef>
+            <a:effectRef idx="0">
+              <a:schemeClr val="accent1">
+                <a:hueOff val="0"/>
+                <a:satOff val="0"/>
+                <a:lumOff val="0"/>
+                <a:alphaOff val="0"/>
+              </a:schemeClr>
+            </a:effectRef>
+            <a:fontRef idx="minor">
+              <a:schemeClr val="lt1"/>
+            </a:fontRef>
+          </p:style>
+          <p:txBody>
+            <a:bodyPr spcFirstLastPara="0" vert="horz" wrap="square" lIns="209550" tIns="209550" rIns="209550" bIns="209550" numCol="1" spcCol="1270" anchor="ctr" anchorCtr="0">
+              <a:noAutofit/>
+            </a:bodyPr>
+            <a:lstStyle/>
+            <a:p>
+              <a:pPr marL="0" lvl="0" indent="0" algn="ctr" defTabSz="2444750">
+                <a:lnSpc>
+                  <a:spcPct val="90000"/>
+                </a:lnSpc>
+                <a:spcBef>
+                  <a:spcPct val="0"/>
+                </a:spcBef>
+                <a:spcAft>
+                  <a:spcPct val="35000"/>
+                </a:spcAft>
+                <a:buNone/>
+              </a:pPr>
+              <a:r>
+                <a:rPr lang="de-DE" sz="2400" kern="1200" dirty="0" err="1"/>
+                <a:t>Parcel</a:t>
+              </a:r>
+              <a:r>
+                <a:rPr lang="de-DE" sz="2400" kern="1200" dirty="0"/>
+                <a:t> Subsystem</a:t>
+              </a:r>
+            </a:p>
+          </p:txBody>
+        </p:sp>
+        <p:sp>
+          <p:nvSpPr>
+            <p:cNvPr id="14" name="Freihandform: Form 13">
+              <a:extLst>
+                <a:ext uri="{FF2B5EF4-FFF2-40B4-BE49-F238E27FC236}">
+                  <a16:creationId xmlns:a16="http://schemas.microsoft.com/office/drawing/2014/main" id="{5EBE0A96-4164-4071-BE84-A25F4DD71C25}"/>
+                </a:ext>
+              </a:extLst>
+            </p:cNvPr>
+            <p:cNvSpPr/>
+            <p:nvPr/>
+          </p:nvSpPr>
+          <p:spPr>
+            <a:xfrm>
+              <a:off x="5587007" y="3909811"/>
+              <a:ext cx="2030015" cy="1218009"/>
+            </a:xfrm>
+            <a:custGeom>
+              <a:avLst/>
+              <a:gdLst>
+                <a:gd name="connsiteX0" fmla="*/ 0 w 2030015"/>
+                <a:gd name="connsiteY0" fmla="*/ 0 h 1218009"/>
+                <a:gd name="connsiteX1" fmla="*/ 2030015 w 2030015"/>
+                <a:gd name="connsiteY1" fmla="*/ 0 h 1218009"/>
+                <a:gd name="connsiteX2" fmla="*/ 2030015 w 2030015"/>
+                <a:gd name="connsiteY2" fmla="*/ 1218009 h 1218009"/>
+                <a:gd name="connsiteX3" fmla="*/ 0 w 2030015"/>
+                <a:gd name="connsiteY3" fmla="*/ 1218009 h 1218009"/>
+                <a:gd name="connsiteX4" fmla="*/ 0 w 2030015"/>
+                <a:gd name="connsiteY4" fmla="*/ 0 h 1218009"/>
+              </a:gdLst>
+              <a:ahLst/>
+              <a:cxnLst>
+                <a:cxn ang="0">
+                  <a:pos x="connsiteX0" y="connsiteY0"/>
+                </a:cxn>
+                <a:cxn ang="0">
+                  <a:pos x="connsiteX1" y="connsiteY1"/>
+                </a:cxn>
+                <a:cxn ang="0">
+                  <a:pos x="connsiteX2" y="connsiteY2"/>
+                </a:cxn>
+                <a:cxn ang="0">
+                  <a:pos x="connsiteX3" y="connsiteY3"/>
+                </a:cxn>
+                <a:cxn ang="0">
+                  <a:pos x="connsiteX4" y="connsiteY4"/>
+                </a:cxn>
+              </a:cxnLst>
+              <a:rect l="l" t="t" r="r" b="b"/>
+              <a:pathLst>
+                <a:path w="2030015" h="1218009">
+                  <a:moveTo>
+                    <a:pt x="0" y="0"/>
+                  </a:moveTo>
+                  <a:lnTo>
+                    <a:pt x="2030015" y="0"/>
+                  </a:lnTo>
+                  <a:lnTo>
+                    <a:pt x="2030015" y="1218009"/>
+                  </a:lnTo>
+                  <a:lnTo>
+                    <a:pt x="0" y="1218009"/>
+                  </a:lnTo>
+                  <a:lnTo>
+                    <a:pt x="0" y="0"/>
+                  </a:lnTo>
+                  <a:close/>
+                </a:path>
+              </a:pathLst>
+            </a:custGeom>
+            <a:grpFill/>
+            <a:ln>
+              <a:solidFill>
+                <a:srgbClr val="001C4A"/>
+              </a:solidFill>
+            </a:ln>
+          </p:spPr>
+          <p:style>
+            <a:lnRef idx="2">
+              <a:schemeClr val="lt1">
+                <a:hueOff val="0"/>
+                <a:satOff val="0"/>
+                <a:lumOff val="0"/>
+                <a:alphaOff val="0"/>
+              </a:schemeClr>
+            </a:lnRef>
+            <a:fillRef idx="1">
+              <a:schemeClr val="accent1">
+                <a:hueOff val="0"/>
+                <a:satOff val="0"/>
+                <a:lumOff val="0"/>
+                <a:alphaOff val="0"/>
+              </a:schemeClr>
+            </a:fillRef>
+            <a:effectRef idx="0">
+              <a:schemeClr val="accent1">
+                <a:hueOff val="0"/>
+                <a:satOff val="0"/>
+                <a:lumOff val="0"/>
+                <a:alphaOff val="0"/>
+              </a:schemeClr>
+            </a:effectRef>
+            <a:fontRef idx="minor">
+              <a:schemeClr val="lt1"/>
+            </a:fontRef>
+          </p:style>
+          <p:txBody>
+            <a:bodyPr spcFirstLastPara="0" vert="horz" wrap="square" lIns="209550" tIns="209550" rIns="209550" bIns="209550" numCol="1" spcCol="1270" anchor="ctr" anchorCtr="0">
+              <a:noAutofit/>
+            </a:bodyPr>
+            <a:lstStyle/>
+            <a:p>
+              <a:pPr marL="0" lvl="0" indent="0" algn="ctr" defTabSz="2444750">
+                <a:lnSpc>
+                  <a:spcPct val="90000"/>
+                </a:lnSpc>
+                <a:spcBef>
+                  <a:spcPct val="0"/>
+                </a:spcBef>
+                <a:spcAft>
+                  <a:spcPct val="35000"/>
+                </a:spcAft>
+                <a:buNone/>
+              </a:pPr>
+              <a:r>
+                <a:rPr lang="de-DE" sz="2400" kern="1200" dirty="0"/>
+                <a:t>AGAS</a:t>
+              </a:r>
+            </a:p>
+          </p:txBody>
+        </p:sp>
+        <p:sp>
+          <p:nvSpPr>
+            <p:cNvPr id="15" name="Freihandform: Form 14">
+              <a:extLst>
+                <a:ext uri="{FF2B5EF4-FFF2-40B4-BE49-F238E27FC236}">
+                  <a16:creationId xmlns:a16="http://schemas.microsoft.com/office/drawing/2014/main" id="{8A5E42C0-6ACC-4681-8624-E56699F79CC9}"/>
+                </a:ext>
+              </a:extLst>
+            </p:cNvPr>
+            <p:cNvSpPr/>
+            <p:nvPr/>
+          </p:nvSpPr>
+          <p:spPr>
+            <a:xfrm>
+              <a:off x="3292971" y="2685719"/>
+              <a:ext cx="2030015" cy="1218009"/>
+            </a:xfrm>
+            <a:custGeom>
+              <a:avLst/>
+              <a:gdLst>
+                <a:gd name="connsiteX0" fmla="*/ 0 w 2030015"/>
+                <a:gd name="connsiteY0" fmla="*/ 0 h 1218009"/>
+                <a:gd name="connsiteX1" fmla="*/ 2030015 w 2030015"/>
+                <a:gd name="connsiteY1" fmla="*/ 0 h 1218009"/>
+                <a:gd name="connsiteX2" fmla="*/ 2030015 w 2030015"/>
+                <a:gd name="connsiteY2" fmla="*/ 1218009 h 1218009"/>
+                <a:gd name="connsiteX3" fmla="*/ 0 w 2030015"/>
+                <a:gd name="connsiteY3" fmla="*/ 1218009 h 1218009"/>
+                <a:gd name="connsiteX4" fmla="*/ 0 w 2030015"/>
+                <a:gd name="connsiteY4" fmla="*/ 0 h 1218009"/>
+              </a:gdLst>
+              <a:ahLst/>
+              <a:cxnLst>
+                <a:cxn ang="0">
+                  <a:pos x="connsiteX0" y="connsiteY0"/>
+                </a:cxn>
+                <a:cxn ang="0">
+                  <a:pos x="connsiteX1" y="connsiteY1"/>
+                </a:cxn>
+                <a:cxn ang="0">
+                  <a:pos x="connsiteX2" y="connsiteY2"/>
+                </a:cxn>
+                <a:cxn ang="0">
+                  <a:pos x="connsiteX3" y="connsiteY3"/>
+                </a:cxn>
+                <a:cxn ang="0">
+                  <a:pos x="connsiteX4" y="connsiteY4"/>
+                </a:cxn>
+              </a:cxnLst>
+              <a:rect l="l" t="t" r="r" b="b"/>
+              <a:pathLst>
+                <a:path w="2030015" h="1218009">
+                  <a:moveTo>
+                    <a:pt x="0" y="0"/>
+                  </a:moveTo>
+                  <a:lnTo>
+                    <a:pt x="2030015" y="0"/>
+                  </a:lnTo>
+                  <a:lnTo>
+                    <a:pt x="2030015" y="1218009"/>
+                  </a:lnTo>
+                  <a:lnTo>
+                    <a:pt x="0" y="1218009"/>
+                  </a:lnTo>
+                  <a:lnTo>
+                    <a:pt x="0" y="0"/>
+                  </a:lnTo>
+                  <a:close/>
+                </a:path>
+              </a:pathLst>
+            </a:custGeom>
+            <a:grpFill/>
+            <a:ln>
+              <a:solidFill>
+                <a:srgbClr val="001C4A"/>
+              </a:solidFill>
+            </a:ln>
+          </p:spPr>
+          <p:style>
+            <a:lnRef idx="2">
+              <a:schemeClr val="lt1">
+                <a:hueOff val="0"/>
+                <a:satOff val="0"/>
+                <a:lumOff val="0"/>
+                <a:alphaOff val="0"/>
+              </a:schemeClr>
+            </a:lnRef>
+            <a:fillRef idx="1">
+              <a:schemeClr val="accent1">
+                <a:hueOff val="0"/>
+                <a:satOff val="0"/>
+                <a:lumOff val="0"/>
+                <a:alphaOff val="0"/>
+              </a:schemeClr>
+            </a:fillRef>
+            <a:effectRef idx="0">
+              <a:schemeClr val="accent1">
+                <a:hueOff val="0"/>
+                <a:satOff val="0"/>
+                <a:lumOff val="0"/>
+                <a:alphaOff val="0"/>
+              </a:schemeClr>
+            </a:effectRef>
+            <a:fontRef idx="minor">
+              <a:schemeClr val="lt1"/>
+            </a:fontRef>
+          </p:style>
+          <p:txBody>
+            <a:bodyPr spcFirstLastPara="0" vert="horz" wrap="square" lIns="209550" tIns="209550" rIns="209550" bIns="209550" numCol="1" spcCol="1270" anchor="ctr" anchorCtr="0">
+              <a:noAutofit/>
+            </a:bodyPr>
+            <a:lstStyle/>
+            <a:p>
+              <a:pPr marL="0" lvl="0" indent="0" algn="ctr" defTabSz="2444750">
+                <a:lnSpc>
+                  <a:spcPct val="90000"/>
+                </a:lnSpc>
+                <a:spcBef>
+                  <a:spcPct val="0"/>
+                </a:spcBef>
+                <a:spcAft>
+                  <a:spcPct val="35000"/>
+                </a:spcAft>
+                <a:buNone/>
+              </a:pPr>
+              <a:r>
+                <a:rPr lang="de-DE" kern="1200" dirty="0"/>
+                <a:t>Instrumentation Adaptation</a:t>
+              </a:r>
+            </a:p>
+          </p:txBody>
+        </p:sp>
+      </p:grpSp>
+      <p:cxnSp>
+        <p:nvCxnSpPr>
+          <p:cNvPr id="17" name="Gerade Verbindung mit Pfeil 16">
+            <a:extLst>
+              <a:ext uri="{FF2B5EF4-FFF2-40B4-BE49-F238E27FC236}">
+                <a16:creationId xmlns:a16="http://schemas.microsoft.com/office/drawing/2014/main" id="{29A63B2E-05AF-43DE-8B1F-12B41CAC4401}"/>
+              </a:ext>
+            </a:extLst>
+          </p:cNvPr>
+          <p:cNvCxnSpPr>
+            <a:cxnSpLocks/>
+          </p:cNvCxnSpPr>
+          <p:nvPr/>
+        </p:nvCxnSpPr>
+        <p:spPr bwMode="auto">
+          <a:xfrm>
+            <a:off x="3028949" y="1964267"/>
+            <a:ext cx="2556000" cy="0"/>
+          </a:xfrm>
+          <a:prstGeom prst="straightConnector1">
+            <a:avLst/>
+          </a:prstGeom>
+          <a:ln w="9525" cap="flat" cmpd="sng" algn="ctr">
+            <a:solidFill>
+              <a:srgbClr val="0070C0"/>
+            </a:solidFill>
+            <a:prstDash val="solid"/>
+            <a:round/>
+            <a:headEnd type="triangle" w="lg" len="lg"/>
+            <a:tailEnd type="triangle" w="lg" len="med"/>
+          </a:ln>
+        </p:spPr>
+        <p:style>
+          <a:lnRef idx="0">
+            <a:scrgbClr r="0" g="0" b="0"/>
+          </a:lnRef>
+          <a:fillRef idx="0">
+            <a:scrgbClr r="0" g="0" b="0"/>
+          </a:fillRef>
+          <a:effectRef idx="0">
+            <a:scrgbClr r="0" g="0" b="0"/>
+          </a:effectRef>
+          <a:fontRef idx="minor">
+            <a:schemeClr val="tx1"/>
+          </a:fontRef>
+        </p:style>
+      </p:cxnSp>
+      <p:cxnSp>
+        <p:nvCxnSpPr>
+          <p:cNvPr id="21" name="Gerade Verbindung mit Pfeil 20">
+            <a:extLst>
+              <a:ext uri="{FF2B5EF4-FFF2-40B4-BE49-F238E27FC236}">
+                <a16:creationId xmlns:a16="http://schemas.microsoft.com/office/drawing/2014/main" id="{23BCFDD2-41C2-4FE4-8DBA-C70329870A42}"/>
+              </a:ext>
+            </a:extLst>
+          </p:cNvPr>
+          <p:cNvCxnSpPr>
+            <a:cxnSpLocks/>
+          </p:cNvCxnSpPr>
+          <p:nvPr/>
+        </p:nvCxnSpPr>
+        <p:spPr bwMode="auto">
+          <a:xfrm>
+            <a:off x="6604000" y="2610909"/>
+            <a:ext cx="0" cy="1292819"/>
+          </a:xfrm>
+          <a:prstGeom prst="straightConnector1">
+            <a:avLst/>
+          </a:prstGeom>
+          <a:noFill/>
+          <a:ln w="9525" cap="flat" cmpd="sng" algn="ctr">
+            <a:solidFill>
+              <a:srgbClr val="0070C0"/>
+            </a:solidFill>
+            <a:prstDash val="solid"/>
+            <a:round/>
+            <a:headEnd type="triangle" w="lg" len="med"/>
+            <a:tailEnd type="triangle" w="lg" len="med"/>
+          </a:ln>
+          <a:effectLst/>
+        </p:spPr>
+      </p:cxnSp>
+      <p:cxnSp>
+        <p:nvCxnSpPr>
+          <p:cNvPr id="25" name="Gerade Verbindung mit Pfeil 24">
+            <a:extLst>
+              <a:ext uri="{FF2B5EF4-FFF2-40B4-BE49-F238E27FC236}">
+                <a16:creationId xmlns:a16="http://schemas.microsoft.com/office/drawing/2014/main" id="{BF9C2212-8FAE-494F-9AF8-0BDC00CEDEA2}"/>
+              </a:ext>
+            </a:extLst>
+          </p:cNvPr>
+          <p:cNvCxnSpPr>
+            <a:cxnSpLocks/>
+          </p:cNvCxnSpPr>
+          <p:nvPr/>
+        </p:nvCxnSpPr>
+        <p:spPr bwMode="auto">
+          <a:xfrm>
+            <a:off x="3028950" y="4487333"/>
+            <a:ext cx="2555999" cy="0"/>
+          </a:xfrm>
+          <a:prstGeom prst="straightConnector1">
+            <a:avLst/>
+          </a:prstGeom>
+          <a:noFill/>
+          <a:ln w="9525" cap="flat" cmpd="sng" algn="ctr">
+            <a:solidFill>
+              <a:srgbClr val="0070C0"/>
+            </a:solidFill>
+            <a:prstDash val="solid"/>
+            <a:round/>
+            <a:headEnd type="triangle" w="lg" len="med"/>
+            <a:tailEnd type="triangle" w="lg" len="med"/>
+          </a:ln>
+          <a:effectLst/>
+        </p:spPr>
+      </p:cxnSp>
+      <p:cxnSp>
+        <p:nvCxnSpPr>
+          <p:cNvPr id="28" name="Gerade Verbindung mit Pfeil 27">
+            <a:extLst>
+              <a:ext uri="{FF2B5EF4-FFF2-40B4-BE49-F238E27FC236}">
+                <a16:creationId xmlns:a16="http://schemas.microsoft.com/office/drawing/2014/main" id="{7058304D-4C77-4118-A154-366604437A43}"/>
+              </a:ext>
+            </a:extLst>
+          </p:cNvPr>
+          <p:cNvCxnSpPr>
+            <a:cxnSpLocks/>
+          </p:cNvCxnSpPr>
+          <p:nvPr/>
+        </p:nvCxnSpPr>
+        <p:spPr bwMode="auto">
+          <a:xfrm>
+            <a:off x="1981200" y="2607733"/>
+            <a:ext cx="0" cy="1289912"/>
+          </a:xfrm>
+          <a:prstGeom prst="straightConnector1">
+            <a:avLst/>
+          </a:prstGeom>
+          <a:noFill/>
+          <a:ln w="9525" cap="flat" cmpd="sng" algn="ctr">
+            <a:solidFill>
+              <a:srgbClr val="0070C0"/>
+            </a:solidFill>
+            <a:prstDash val="solid"/>
+            <a:round/>
+            <a:headEnd type="triangle" w="lg" len="med"/>
+            <a:tailEnd type="triangle" w="lg" len="med"/>
+          </a:ln>
+          <a:effectLst/>
+        </p:spPr>
+      </p:cxnSp>
+      <p:cxnSp>
+        <p:nvCxnSpPr>
+          <p:cNvPr id="31" name="Gerade Verbindung mit Pfeil 30">
+            <a:extLst>
+              <a:ext uri="{FF2B5EF4-FFF2-40B4-BE49-F238E27FC236}">
+                <a16:creationId xmlns:a16="http://schemas.microsoft.com/office/drawing/2014/main" id="{9F0E6580-1CA6-4AE6-A02A-0ED12DD7FB05}"/>
+              </a:ext>
+            </a:extLst>
+          </p:cNvPr>
+          <p:cNvCxnSpPr>
+            <a:cxnSpLocks/>
+          </p:cNvCxnSpPr>
+          <p:nvPr/>
+        </p:nvCxnSpPr>
+        <p:spPr bwMode="auto">
+          <a:xfrm flipH="1">
+            <a:off x="4367983" y="2160689"/>
+            <a:ext cx="1216966" cy="496815"/>
+          </a:xfrm>
+          <a:prstGeom prst="straightConnector1">
+            <a:avLst/>
+          </a:prstGeom>
+          <a:noFill/>
+          <a:ln w="9525" cap="flat" cmpd="sng" algn="ctr">
+            <a:solidFill>
+              <a:srgbClr val="0070C0"/>
+            </a:solidFill>
+            <a:prstDash val="sysDash"/>
+            <a:round/>
+            <a:headEnd type="triangle" w="lg" len="med"/>
+            <a:tailEnd type="triangle" w="lg" len="med"/>
+          </a:ln>
+          <a:effectLst/>
+        </p:spPr>
+      </p:cxnSp>
+      <p:cxnSp>
+        <p:nvCxnSpPr>
+          <p:cNvPr id="36" name="Gerade Verbindung mit Pfeil 35">
+            <a:extLst>
+              <a:ext uri="{FF2B5EF4-FFF2-40B4-BE49-F238E27FC236}">
+                <a16:creationId xmlns:a16="http://schemas.microsoft.com/office/drawing/2014/main" id="{0850EDE4-737A-4C44-9EB3-2D8BC1966971}"/>
+              </a:ext>
+            </a:extLst>
+          </p:cNvPr>
+          <p:cNvCxnSpPr>
+            <a:cxnSpLocks/>
+          </p:cNvCxnSpPr>
+          <p:nvPr/>
+        </p:nvCxnSpPr>
+        <p:spPr bwMode="auto">
+          <a:xfrm>
+            <a:off x="3028949" y="2160689"/>
+            <a:ext cx="1368044" cy="496815"/>
+          </a:xfrm>
+          <a:prstGeom prst="straightConnector1">
+            <a:avLst/>
+          </a:prstGeom>
+          <a:noFill/>
+          <a:ln w="9525" cap="flat" cmpd="sng" algn="ctr">
+            <a:solidFill>
+              <a:srgbClr val="0070C0"/>
+            </a:solidFill>
+            <a:prstDash val="sysDash"/>
+            <a:round/>
+            <a:headEnd type="triangle" w="lg" len="med"/>
+            <a:tailEnd type="triangle" w="lg" len="med"/>
+          </a:ln>
+          <a:effectLst/>
+        </p:spPr>
+      </p:cxnSp>
+      <p:cxnSp>
+        <p:nvCxnSpPr>
+          <p:cNvPr id="50" name="Gerade Verbindung mit Pfeil 49">
+            <a:extLst>
+              <a:ext uri="{FF2B5EF4-FFF2-40B4-BE49-F238E27FC236}">
+                <a16:creationId xmlns:a16="http://schemas.microsoft.com/office/drawing/2014/main" id="{C0B5DBCE-7D32-437C-B1D5-5D8B3ABCF491}"/>
+              </a:ext>
+            </a:extLst>
+          </p:cNvPr>
+          <p:cNvCxnSpPr>
+            <a:cxnSpLocks/>
+          </p:cNvCxnSpPr>
+          <p:nvPr/>
+        </p:nvCxnSpPr>
+        <p:spPr bwMode="auto">
+          <a:xfrm flipH="1">
+            <a:off x="3028949" y="3903728"/>
+            <a:ext cx="1278000" cy="425081"/>
+          </a:xfrm>
+          <a:prstGeom prst="straightConnector1">
+            <a:avLst/>
+          </a:prstGeom>
+          <a:noFill/>
+          <a:ln w="9525" cap="flat" cmpd="sng" algn="ctr">
+            <a:solidFill>
+              <a:srgbClr val="0070C0"/>
+            </a:solidFill>
+            <a:prstDash val="sysDash"/>
+            <a:round/>
+            <a:headEnd type="triangle" w="lg" len="med"/>
+            <a:tailEnd type="triangle" w="lg" len="med"/>
+          </a:ln>
+          <a:effectLst/>
+        </p:spPr>
+      </p:cxnSp>
+      <p:cxnSp>
+        <p:nvCxnSpPr>
+          <p:cNvPr id="53" name="Gerade Verbindung mit Pfeil 52">
+            <a:extLst>
+              <a:ext uri="{FF2B5EF4-FFF2-40B4-BE49-F238E27FC236}">
+                <a16:creationId xmlns:a16="http://schemas.microsoft.com/office/drawing/2014/main" id="{D4B2001C-32E3-4B3E-884A-C1065166C2F5}"/>
+              </a:ext>
+            </a:extLst>
+          </p:cNvPr>
+          <p:cNvCxnSpPr>
+            <a:cxnSpLocks/>
+          </p:cNvCxnSpPr>
+          <p:nvPr/>
+        </p:nvCxnSpPr>
+        <p:spPr bwMode="auto">
+          <a:xfrm>
+            <a:off x="4322006" y="3903728"/>
+            <a:ext cx="1262943" cy="425081"/>
+          </a:xfrm>
+          <a:prstGeom prst="straightConnector1">
+            <a:avLst/>
+          </a:prstGeom>
+          <a:noFill/>
+          <a:ln w="9525" cap="flat" cmpd="sng" algn="ctr">
+            <a:solidFill>
+              <a:srgbClr val="0070C0"/>
+            </a:solidFill>
+            <a:prstDash val="sysDash"/>
+            <a:round/>
+            <a:headEnd type="triangle" w="lg" len="med"/>
+            <a:tailEnd type="triangle" w="lg" len="med"/>
+          </a:ln>
+          <a:effectLst/>
+        </p:spPr>
+      </p:cxnSp>
     </p:spTree>
     <p:extLst>
       <p:ext uri="{BB962C8B-B14F-4D97-AF65-F5344CB8AC3E}">
-        <p14:creationId xmlns:p14="http://schemas.microsoft.com/office/powerpoint/2010/main" val="2676600112"/>
+        <p14:creationId xmlns:p14="http://schemas.microsoft.com/office/powerpoint/2010/main" val="2936961176"/>
       </p:ext>
     </p:extLst>
   </p:cSld>
@@ -9354,7 +10828,7 @@
           <p:cNvPr id="2" name="Titel 1">
             <a:extLst>
               <a:ext uri="{FF2B5EF4-FFF2-40B4-BE49-F238E27FC236}">
-                <a16:creationId xmlns:a16="http://schemas.microsoft.com/office/drawing/2014/main" id="{4D6F3F92-0402-4A27-A20C-4240DB91582B}"/>
+                <a16:creationId xmlns:a16="http://schemas.microsoft.com/office/drawing/2014/main" id="{7DDC45AA-D1A9-4877-9136-DC8664FDA3BE}"/>
               </a:ext>
             </a:extLst>
           </p:cNvPr>
@@ -9387,7 +10861,7 @@
           <p:cNvPr id="3" name="Inhaltsplatzhalter 2">
             <a:extLst>
               <a:ext uri="{FF2B5EF4-FFF2-40B4-BE49-F238E27FC236}">
-                <a16:creationId xmlns:a16="http://schemas.microsoft.com/office/drawing/2014/main" id="{D396AB70-9D91-4CDA-8AA5-D2786ECD2F22}"/>
+                <a16:creationId xmlns:a16="http://schemas.microsoft.com/office/drawing/2014/main" id="{BD2E8696-7F05-409A-94EB-A585A6EEE552}"/>
               </a:ext>
             </a:extLst>
           </p:cNvPr>
@@ -9407,10 +10881,131 @@
               <a:rPr lang="de-DE" dirty="0" err="1"/>
               <a:t>Kokkos</a:t>
             </a:r>
+            <a:endParaRPr lang="de-DE" dirty="0"/>
+          </a:p>
+          <a:p>
+            <a:pPr>
+              <a:buFont typeface="Arial" panose="020B0604020202020204" pitchFamily="34" charset="0"/>
+              <a:buChar char="•"/>
+            </a:pPr>
             <a:r>
               <a:rPr lang="de-DE" dirty="0"/>
-              <a:t>:</a:t>
-            </a:r>
+              <a:t>Programmiermodel für Performance Portable Applikationen</a:t>
+            </a:r>
+          </a:p>
+          <a:p>
+            <a:pPr>
+              <a:buFont typeface="Arial" panose="020B0604020202020204" pitchFamily="34" charset="0"/>
+              <a:buChar char="•"/>
+            </a:pPr>
+            <a:r>
+              <a:rPr lang="de-DE" dirty="0"/>
+              <a:t>Zentrale Abstraktionen:</a:t>
+            </a:r>
+          </a:p>
+          <a:p>
+            <a:pPr lvl="2">
+              <a:buFont typeface="Arial" panose="020B0604020202020204" pitchFamily="34" charset="0"/>
+              <a:buChar char="•"/>
+            </a:pPr>
+            <a:r>
+              <a:rPr lang="de-DE" dirty="0" err="1"/>
+              <a:t>Execution</a:t>
+            </a:r>
+            <a:r>
+              <a:rPr lang="de-DE" dirty="0"/>
+              <a:t> Spaces</a:t>
+            </a:r>
+          </a:p>
+          <a:p>
+            <a:pPr lvl="2">
+              <a:buFont typeface="Arial" panose="020B0604020202020204" pitchFamily="34" charset="0"/>
+              <a:buChar char="•"/>
+            </a:pPr>
+            <a:r>
+              <a:rPr lang="de-DE" dirty="0" err="1"/>
+              <a:t>Execution</a:t>
+            </a:r>
+            <a:r>
+              <a:rPr lang="de-DE" dirty="0"/>
+              <a:t> Patterns</a:t>
+            </a:r>
+          </a:p>
+          <a:p>
+            <a:pPr lvl="2">
+              <a:buFont typeface="Arial" panose="020B0604020202020204" pitchFamily="34" charset="0"/>
+              <a:buChar char="•"/>
+            </a:pPr>
+            <a:r>
+              <a:rPr lang="de-DE" dirty="0" err="1"/>
+              <a:t>Execution</a:t>
+            </a:r>
+            <a:r>
+              <a:rPr lang="de-DE" dirty="0"/>
+              <a:t> </a:t>
+            </a:r>
+            <a:r>
+              <a:rPr lang="de-DE" dirty="0" err="1"/>
+              <a:t>Policies</a:t>
+            </a:r>
+            <a:endParaRPr lang="de-DE" dirty="0"/>
+          </a:p>
+          <a:p>
+            <a:pPr lvl="2">
+              <a:buFont typeface="Arial" panose="020B0604020202020204" pitchFamily="34" charset="0"/>
+              <a:buChar char="•"/>
+            </a:pPr>
+            <a:r>
+              <a:rPr lang="de-DE" dirty="0"/>
+              <a:t>Memory Spaces</a:t>
+            </a:r>
+          </a:p>
+          <a:p>
+            <a:pPr lvl="2">
+              <a:buFont typeface="Arial" panose="020B0604020202020204" pitchFamily="34" charset="0"/>
+              <a:buChar char="•"/>
+            </a:pPr>
+            <a:r>
+              <a:rPr lang="de-DE" dirty="0"/>
+              <a:t>Memory Layout</a:t>
+            </a:r>
+          </a:p>
+          <a:p>
+            <a:pPr lvl="2">
+              <a:buFont typeface="Arial" panose="020B0604020202020204" pitchFamily="34" charset="0"/>
+              <a:buChar char="•"/>
+            </a:pPr>
+            <a:r>
+              <a:rPr lang="de-DE" dirty="0"/>
+              <a:t>Memory </a:t>
+            </a:r>
+            <a:r>
+              <a:rPr lang="de-DE" dirty="0" err="1"/>
+              <a:t>Traits</a:t>
+            </a:r>
+            <a:endParaRPr lang="de-DE" dirty="0"/>
+          </a:p>
+          <a:p>
+            <a:pPr>
+              <a:buFont typeface="Arial" panose="020B0604020202020204" pitchFamily="34" charset="0"/>
+              <a:buChar char="•"/>
+            </a:pPr>
+            <a:r>
+              <a:rPr lang="de-DE" dirty="0"/>
+              <a:t>Multicore-Architekturen mit NUMA, </a:t>
+            </a:r>
+            <a:r>
+              <a:rPr lang="de-DE" dirty="0" err="1"/>
+              <a:t>Nvidia</a:t>
+            </a:r>
+            <a:r>
+              <a:rPr lang="de-DE" dirty="0"/>
+              <a:t> GPU und Intel Phi</a:t>
+            </a:r>
+          </a:p>
+          <a:p>
+            <a:pPr marL="0" indent="0"/>
+            <a:endParaRPr lang="de-DE" dirty="0"/>
           </a:p>
         </p:txBody>
       </p:sp>
@@ -9419,7 +11014,7 @@
           <p:cNvPr id="4" name="Fußzeilenplatzhalter 3">
             <a:extLst>
               <a:ext uri="{FF2B5EF4-FFF2-40B4-BE49-F238E27FC236}">
-                <a16:creationId xmlns:a16="http://schemas.microsoft.com/office/drawing/2014/main" id="{66A94DCE-9F4C-4649-B8AB-5C31AA8C650C}"/>
+                <a16:creationId xmlns:a16="http://schemas.microsoft.com/office/drawing/2014/main" id="{BD2FC854-ECA9-4928-89CD-A0BA8E671638}"/>
               </a:ext>
             </a:extLst>
           </p:cNvPr>
@@ -9448,7 +11043,7 @@
           <p:cNvPr id="5" name="Textfeld 4">
             <a:extLst>
               <a:ext uri="{FF2B5EF4-FFF2-40B4-BE49-F238E27FC236}">
-                <a16:creationId xmlns:a16="http://schemas.microsoft.com/office/drawing/2014/main" id="{512ACA0F-B9D0-44B2-B163-CDE186BCE168}"/>
+                <a16:creationId xmlns:a16="http://schemas.microsoft.com/office/drawing/2014/main" id="{B2FA2DFE-6DEF-4DCD-A6BC-24AFEE84E9F1}"/>
               </a:ext>
             </a:extLst>
           </p:cNvPr>
@@ -9482,7 +11077,7 @@
     </p:spTree>
     <p:extLst>
       <p:ext uri="{BB962C8B-B14F-4D97-AF65-F5344CB8AC3E}">
-        <p14:creationId xmlns:p14="http://schemas.microsoft.com/office/powerpoint/2010/main" val="2936961176"/>
+        <p14:creationId xmlns:p14="http://schemas.microsoft.com/office/powerpoint/2010/main" val="2676600112"/>
       </p:ext>
     </p:extLst>
   </p:cSld>

--- a/Hauptseminar HPC.pptx
+++ b/Hauptseminar HPC.pptx
@@ -7,10 +7,10 @@
     <p:sldMasterId id="2147483677" r:id="rId3"/>
   </p:sldMasterIdLst>
   <p:notesMasterIdLst>
-    <p:notesMasterId r:id="rId28"/>
+    <p:notesMasterId r:id="rId27"/>
   </p:notesMasterIdLst>
   <p:handoutMasterIdLst>
-    <p:handoutMasterId r:id="rId29"/>
+    <p:handoutMasterId r:id="rId28"/>
   </p:handoutMasterIdLst>
   <p:sldIdLst>
     <p:sldId id="256" r:id="rId4"/>
@@ -20,23 +20,22 @@
     <p:sldId id="261" r:id="rId8"/>
     <p:sldId id="260" r:id="rId9"/>
     <p:sldId id="262" r:id="rId10"/>
-    <p:sldId id="263" r:id="rId11"/>
-    <p:sldId id="264" r:id="rId12"/>
-    <p:sldId id="265" r:id="rId13"/>
-    <p:sldId id="266" r:id="rId14"/>
-    <p:sldId id="267" r:id="rId15"/>
-    <p:sldId id="268" r:id="rId16"/>
-    <p:sldId id="269" r:id="rId17"/>
-    <p:sldId id="270" r:id="rId18"/>
-    <p:sldId id="271" r:id="rId19"/>
-    <p:sldId id="272" r:id="rId20"/>
-    <p:sldId id="273" r:id="rId21"/>
-    <p:sldId id="274" r:id="rId22"/>
-    <p:sldId id="275" r:id="rId23"/>
-    <p:sldId id="276" r:id="rId24"/>
-    <p:sldId id="277" r:id="rId25"/>
-    <p:sldId id="278" r:id="rId26"/>
-    <p:sldId id="279" r:id="rId27"/>
+    <p:sldId id="281" r:id="rId11"/>
+    <p:sldId id="263" r:id="rId12"/>
+    <p:sldId id="280" r:id="rId13"/>
+    <p:sldId id="264" r:id="rId14"/>
+    <p:sldId id="265" r:id="rId15"/>
+    <p:sldId id="282" r:id="rId16"/>
+    <p:sldId id="266" r:id="rId17"/>
+    <p:sldId id="269" r:id="rId18"/>
+    <p:sldId id="272" r:id="rId19"/>
+    <p:sldId id="273" r:id="rId20"/>
+    <p:sldId id="274" r:id="rId21"/>
+    <p:sldId id="275" r:id="rId22"/>
+    <p:sldId id="276" r:id="rId23"/>
+    <p:sldId id="277" r:id="rId24"/>
+    <p:sldId id="278" r:id="rId25"/>
+    <p:sldId id="279" r:id="rId26"/>
   </p:sldIdLst>
   <p:sldSz cx="9144000" cy="6858000" type="screen4x3"/>
   <p:notesSz cx="6858000" cy="9144000"/>
@@ -282,7 +281,7 @@
               <a:pPr>
                 <a:defRPr/>
               </a:pPr>
-              <a:t>03.02.2018</a:t>
+              <a:t>06.02.2018</a:t>
             </a:fld>
             <a:endParaRPr lang="en-US"/>
           </a:p>
@@ -466,7 +465,7 @@
               <a:pPr>
                 <a:defRPr/>
               </a:pPr>
-              <a:t>03.02.2018</a:t>
+              <a:t>06.02.2018</a:t>
             </a:fld>
             <a:endParaRPr lang="en-US"/>
           </a:p>
@@ -883,7 +882,7 @@
             </a:r>
             <a:r>
               <a:rPr lang="de-DE" dirty="0"/>
-              <a:t>“. Wozu ich gleich noch ein paar Wörter verlieren werde</a:t>
+              <a:t>“. </a:t>
             </a:r>
           </a:p>
           <a:p>
@@ -1003,7 +1002,259 @@
           <a:bodyPr/>
           <a:lstStyle/>
           <a:p>
+            <a:r>
+              <a:rPr lang="de-DE" dirty="0" err="1"/>
+              <a:t>Local</a:t>
+            </a:r>
+            <a:r>
+              <a:rPr lang="de-DE" dirty="0"/>
+              <a:t> Control Objects: Zuständig für die Kontrollierung von Parallelisierung und Synchronisation in HPX Applikationen, sowie der Verschleierung von Latenzen. Jedes Objekt das einen HPX-Thread erzeugt oder reaktiviert liefert die eben genannten Funktionalitäten. </a:t>
+            </a:r>
+          </a:p>
+          <a:p>
+            <a:r>
+              <a:rPr lang="de-DE" dirty="0"/>
+              <a:t>LCO liefern Unterstützung für Ereignisgesteuertes HPX-Threading, Schutz von gemeinsam genutzten Ressourcen und das Management der </a:t>
+            </a:r>
+            <a:r>
+              <a:rPr lang="de-DE" dirty="0" err="1"/>
+              <a:t>Ausführungsflows</a:t>
+            </a:r>
+            <a:r>
+              <a:rPr lang="de-DE" dirty="0"/>
+              <a:t>. Futures sind zum Beispiel ein solches LCO. Futures sind dabei Proxys für Resultate die noch nicht bekannt sind weil sie z.B. noch nicht berechnet wurden</a:t>
+            </a:r>
+          </a:p>
+          <a:p>
             <a:endParaRPr lang="de-DE" dirty="0"/>
+          </a:p>
+          <a:p>
+            <a:r>
+              <a:rPr lang="de-DE" dirty="0" err="1"/>
+              <a:t>Parcel</a:t>
+            </a:r>
+            <a:r>
+              <a:rPr lang="de-DE" dirty="0"/>
+              <a:t> Subsystem: Zuständig für die Netzwerkkommunikation, implementiert eine Form von „</a:t>
+            </a:r>
+            <a:r>
+              <a:rPr lang="de-DE" dirty="0" err="1"/>
+              <a:t>active</a:t>
+            </a:r>
+            <a:r>
+              <a:rPr lang="de-DE" dirty="0"/>
+              <a:t> </a:t>
+            </a:r>
+            <a:r>
+              <a:rPr lang="de-DE" dirty="0" err="1"/>
+              <a:t>messages</a:t>
+            </a:r>
+            <a:r>
+              <a:rPr lang="de-DE" dirty="0"/>
+              <a:t>“ die sogenannten „</a:t>
+            </a:r>
+            <a:r>
+              <a:rPr lang="de-DE" dirty="0" err="1"/>
+              <a:t>Parcels</a:t>
+            </a:r>
+            <a:r>
+              <a:rPr lang="de-DE" dirty="0"/>
+              <a:t>“. </a:t>
+            </a:r>
+            <a:r>
+              <a:rPr lang="de-DE" dirty="0" err="1"/>
+              <a:t>Parcels</a:t>
+            </a:r>
+            <a:r>
+              <a:rPr lang="de-DE" dirty="0"/>
+              <a:t>, die asynchron übertragen werden, enthalten eine (globale) </a:t>
+            </a:r>
+            <a:r>
+              <a:rPr lang="de-DE" dirty="0" err="1"/>
+              <a:t>Addresse</a:t>
+            </a:r>
+            <a:r>
+              <a:rPr lang="de-DE" dirty="0"/>
+              <a:t> eines Objektes (Das Ziel) eine Referenz zu einer Methode des Objektes inklusive den zugehörigen Parametern. HPX nennt Entitäten, beispielsweise ein </a:t>
+            </a:r>
+            <a:r>
+              <a:rPr lang="de-DE" dirty="0" err="1"/>
+              <a:t>compute</a:t>
+            </a:r>
+            <a:r>
+              <a:rPr lang="de-DE" dirty="0"/>
+              <a:t> </a:t>
+            </a:r>
+            <a:r>
+              <a:rPr lang="de-DE" dirty="0" err="1"/>
+              <a:t>node</a:t>
+            </a:r>
+            <a:r>
+              <a:rPr lang="de-DE" dirty="0"/>
+              <a:t>, die </a:t>
+            </a:r>
+            <a:r>
+              <a:rPr lang="de-DE" dirty="0" err="1"/>
+              <a:t>Parcels</a:t>
+            </a:r>
+            <a:r>
+              <a:rPr lang="de-DE" dirty="0"/>
+              <a:t> kommunizieren </a:t>
+            </a:r>
+            <a:r>
+              <a:rPr lang="de-DE" dirty="0" err="1"/>
+              <a:t>Localities</a:t>
+            </a:r>
+            <a:r>
+              <a:rPr lang="de-DE" dirty="0"/>
+              <a:t>.</a:t>
+            </a:r>
+          </a:p>
+          <a:p>
+            <a:endParaRPr lang="de-DE" dirty="0"/>
+          </a:p>
+          <a:p>
+            <a:endParaRPr lang="de-DE" dirty="0"/>
+          </a:p>
+          <a:p>
+            <a:r>
+              <a:rPr lang="de-DE" dirty="0" err="1"/>
+              <a:t>Active</a:t>
+            </a:r>
+            <a:r>
+              <a:rPr lang="de-DE" dirty="0"/>
+              <a:t> Global </a:t>
+            </a:r>
+            <a:r>
+              <a:rPr lang="de-DE" dirty="0" err="1"/>
+              <a:t>Address</a:t>
+            </a:r>
+            <a:r>
+              <a:rPr lang="de-DE" dirty="0"/>
+              <a:t> Space: implementiert einen global </a:t>
+            </a:r>
+            <a:r>
+              <a:rPr lang="de-DE" dirty="0" err="1"/>
+              <a:t>Addressraum</a:t>
+            </a:r>
+            <a:r>
+              <a:rPr lang="de-DE" dirty="0"/>
+              <a:t>, welcher alle </a:t>
+            </a:r>
+            <a:r>
+              <a:rPr lang="de-DE" dirty="0" err="1"/>
+              <a:t>Localities</a:t>
+            </a:r>
+            <a:r>
+              <a:rPr lang="de-DE" dirty="0"/>
+              <a:t> umspannt. Das Ziel von </a:t>
+            </a:r>
+            <a:r>
+              <a:rPr lang="de-DE" dirty="0" err="1"/>
+              <a:t>Parcels</a:t>
+            </a:r>
+            <a:r>
+              <a:rPr lang="de-DE" dirty="0"/>
+              <a:t> sind mit einem Global Identifier(GID) durch AGAS versehen</a:t>
+            </a:r>
+          </a:p>
+          <a:p>
+            <a:endParaRPr lang="de-DE" dirty="0"/>
+          </a:p>
+          <a:p>
+            <a:r>
+              <a:rPr lang="de-DE" dirty="0"/>
+              <a:t>Threading Subsystem: Wenn ein </a:t>
+            </a:r>
+            <a:r>
+              <a:rPr lang="de-DE" dirty="0" err="1"/>
+              <a:t>Parcel</a:t>
+            </a:r>
+            <a:r>
+              <a:rPr lang="de-DE" dirty="0"/>
+              <a:t> an einer </a:t>
+            </a:r>
+            <a:r>
+              <a:rPr lang="de-DE" dirty="0" err="1"/>
+              <a:t>Locality</a:t>
+            </a:r>
+            <a:r>
+              <a:rPr lang="de-DE" dirty="0"/>
+              <a:t> ankommt, wird es in einen HPX Thread umgewandelt, welcher dann vom Threading Subsystem </a:t>
+            </a:r>
+            <a:r>
+              <a:rPr lang="de-DE" dirty="0" err="1"/>
+              <a:t>geschedulet</a:t>
+            </a:r>
+            <a:r>
+              <a:rPr lang="de-DE" dirty="0"/>
+              <a:t>, ausgeführt und </a:t>
+            </a:r>
+            <a:r>
+              <a:rPr lang="de-DE" dirty="0" err="1"/>
+              <a:t>recycled</a:t>
+            </a:r>
+            <a:r>
+              <a:rPr lang="de-DE" dirty="0"/>
+              <a:t> wird. In diesem werden HPX Threads zu Kernel Threads (Betriebssystem Threads) gemappt. Typischerweise 1 BS Thread pro verfügbaren Core. </a:t>
+            </a:r>
+            <a:r>
+              <a:rPr lang="de-DE" dirty="0" err="1"/>
+              <a:t>Context</a:t>
+            </a:r>
+            <a:r>
+              <a:rPr lang="de-DE" dirty="0"/>
+              <a:t> </a:t>
+            </a:r>
+            <a:r>
+              <a:rPr lang="de-DE" dirty="0" err="1"/>
+              <a:t>Switching</a:t>
+            </a:r>
+            <a:r>
+              <a:rPr lang="de-DE" dirty="0"/>
+              <a:t> zwischen HPX Threads benötigen dabei keinen System </a:t>
+            </a:r>
+            <a:r>
+              <a:rPr lang="de-DE" dirty="0" err="1"/>
+              <a:t>call</a:t>
+            </a:r>
+            <a:r>
+              <a:rPr lang="de-DE" dirty="0"/>
+              <a:t> was natürlich den Overhead beim Ausführen und Anhalten reduziert.</a:t>
+            </a:r>
+          </a:p>
+          <a:p>
+            <a:endParaRPr lang="de-DE" dirty="0"/>
+          </a:p>
+          <a:p>
+            <a:r>
+              <a:rPr lang="de-DE" dirty="0"/>
+              <a:t>HPX implementiert zudem auch noch ein Performance Counter Framework für die Instrumentierung der Umgebung, in der die HPX Applikation arbeitet. Die Daten, die dadurch erfasst werden, erlauben im Hintergrund laufenden heuristischen Algorithmen bessere Entscheidungen hinsichtlich dem Ressourcen </a:t>
+            </a:r>
+            <a:r>
+              <a:rPr lang="de-DE" dirty="0" err="1"/>
+              <a:t>Managment</a:t>
+            </a:r>
+            <a:r>
+              <a:rPr lang="de-DE" dirty="0"/>
+              <a:t> zu treffen. Zusätzlich lässt sich dieses Framework natürlich zum </a:t>
+            </a:r>
+            <a:r>
+              <a:rPr lang="de-DE" dirty="0" err="1"/>
+              <a:t>Debbuging</a:t>
+            </a:r>
+            <a:r>
+              <a:rPr lang="de-DE" dirty="0"/>
+              <a:t> und zur </a:t>
+            </a:r>
+            <a:r>
+              <a:rPr lang="de-DE" dirty="0" err="1"/>
+              <a:t>Luafzeitanalyse</a:t>
+            </a:r>
+            <a:r>
+              <a:rPr lang="de-DE" dirty="0"/>
+              <a:t> nutzen.</a:t>
+            </a:r>
           </a:p>
         </p:txBody>
       </p:sp>
@@ -1123,6 +1374,23 @@
             <a:endParaRPr lang="de-DE" dirty="0"/>
           </a:p>
           <a:p>
+            <a:pPr marL="0" marR="0" lvl="0" indent="0" algn="l" defTabSz="457200" rtl="0" eaLnBrk="1" fontAlgn="base" latinLnBrk="0" hangingPunct="1">
+              <a:lnSpc>
+                <a:spcPct val="100000"/>
+              </a:lnSpc>
+              <a:spcBef>
+                <a:spcPct val="30000"/>
+              </a:spcBef>
+              <a:spcAft>
+                <a:spcPct val="0"/>
+              </a:spcAft>
+              <a:buClrTx/>
+              <a:buSzTx/>
+              <a:buFontTx/>
+              <a:buNone/>
+              <a:tabLst/>
+              <a:defRPr/>
+            </a:pPr>
             <a:r>
               <a:rPr lang="de-DE" dirty="0"/>
               <a:t>Performance Portabilität definieren die Entwickler von </a:t>
@@ -1137,9 +1405,123 @@
             </a:r>
           </a:p>
           <a:p>
+            <a:pPr marL="0" marR="0" lvl="0" indent="0" algn="l" defTabSz="457200" rtl="0" eaLnBrk="1" fontAlgn="base" latinLnBrk="0" hangingPunct="1">
+              <a:lnSpc>
+                <a:spcPct val="100000"/>
+              </a:lnSpc>
+              <a:spcBef>
+                <a:spcPct val="30000"/>
+              </a:spcBef>
+              <a:spcAft>
+                <a:spcPct val="0"/>
+              </a:spcAft>
+              <a:buClrTx/>
+              <a:buSzTx/>
+              <a:buFontTx/>
+              <a:buNone/>
+              <a:tabLst/>
+              <a:defRPr/>
+            </a:pPr>
             <a:endParaRPr lang="de-DE" dirty="0"/>
           </a:p>
           <a:p>
+            <a:pPr marL="0" marR="0" lvl="0" indent="0" algn="l" defTabSz="457200" rtl="0" eaLnBrk="1" fontAlgn="base" latinLnBrk="0" hangingPunct="1">
+              <a:lnSpc>
+                <a:spcPct val="100000"/>
+              </a:lnSpc>
+              <a:spcBef>
+                <a:spcPct val="30000"/>
+              </a:spcBef>
+              <a:spcAft>
+                <a:spcPct val="0"/>
+              </a:spcAft>
+              <a:buClrTx/>
+              <a:buSzTx/>
+              <a:buFontTx/>
+              <a:buNone/>
+              <a:tabLst/>
+              <a:defRPr/>
+            </a:pPr>
+            <a:r>
+              <a:rPr lang="de-DE" dirty="0" err="1"/>
+              <a:t>Kokkos</a:t>
+            </a:r>
+            <a:r>
+              <a:rPr lang="de-DE" dirty="0"/>
+              <a:t> ist eine C++ Bibliothek, keine neue Sprache/Spracherweiterung</a:t>
+            </a:r>
+          </a:p>
+          <a:p>
+            <a:pPr marL="0" marR="0" lvl="0" indent="0" algn="l" defTabSz="457200" rtl="0" eaLnBrk="1" fontAlgn="base" latinLnBrk="0" hangingPunct="1">
+              <a:lnSpc>
+                <a:spcPct val="100000"/>
+              </a:lnSpc>
+              <a:spcBef>
+                <a:spcPct val="30000"/>
+              </a:spcBef>
+              <a:spcAft>
+                <a:spcPct val="0"/>
+              </a:spcAft>
+              <a:buClrTx/>
+              <a:buSzTx/>
+              <a:buFontTx/>
+              <a:buNone/>
+              <a:tabLst/>
+              <a:defRPr/>
+            </a:pPr>
+            <a:endParaRPr lang="de-DE" dirty="0"/>
+          </a:p>
+          <a:p>
+            <a:r>
+              <a:rPr lang="de-DE" dirty="0"/>
+              <a:t>Ziel: </a:t>
+            </a:r>
+            <a:r>
+              <a:rPr lang="de-DE" dirty="0" err="1"/>
+              <a:t>Minimeurng</a:t>
+            </a:r>
+            <a:r>
+              <a:rPr lang="de-DE" dirty="0"/>
+              <a:t> von </a:t>
+            </a:r>
+            <a:r>
+              <a:rPr lang="de-DE" dirty="0" err="1"/>
+              <a:t>arch</a:t>
+            </a:r>
+            <a:r>
+              <a:rPr lang="de-DE" dirty="0"/>
+              <a:t>. Spez. </a:t>
+            </a:r>
+            <a:r>
+              <a:rPr lang="de-DE" dirty="0" err="1"/>
+              <a:t>Impl</a:t>
+            </a:r>
+            <a:r>
+              <a:rPr lang="de-DE" dirty="0"/>
+              <a:t>. Details, die der Nutzer wissen muss</a:t>
+            </a:r>
+          </a:p>
+          <a:p>
+            <a:endParaRPr lang="de-DE" dirty="0"/>
+          </a:p>
+          <a:p>
+            <a:pPr marL="0" marR="0" lvl="0" indent="0" algn="l" defTabSz="457200" rtl="0" eaLnBrk="1" fontAlgn="base" latinLnBrk="0" hangingPunct="1">
+              <a:lnSpc>
+                <a:spcPct val="100000"/>
+              </a:lnSpc>
+              <a:spcBef>
+                <a:spcPct val="30000"/>
+              </a:spcBef>
+              <a:spcAft>
+                <a:spcPct val="0"/>
+              </a:spcAft>
+              <a:buClrTx/>
+              <a:buSzTx/>
+              <a:buFontTx/>
+              <a:buNone/>
+              <a:tabLst/>
+              <a:defRPr/>
+            </a:pPr>
             <a:r>
               <a:rPr lang="de-DE" dirty="0"/>
               <a:t>Unterstützt werden dabei …. Mit NUMA (Non-uniform </a:t>
@@ -1160,6 +1542,285 @@
               <a:rPr lang="de-DE" dirty="0"/>
               <a:t>)</a:t>
             </a:r>
+          </a:p>
+          <a:p>
+            <a:pPr marL="0" marR="0" lvl="0" indent="0" algn="l" defTabSz="457200" rtl="0" eaLnBrk="1" fontAlgn="base" latinLnBrk="0" hangingPunct="1">
+              <a:lnSpc>
+                <a:spcPct val="100000"/>
+              </a:lnSpc>
+              <a:spcBef>
+                <a:spcPct val="30000"/>
+              </a:spcBef>
+              <a:spcAft>
+                <a:spcPct val="0"/>
+              </a:spcAft>
+              <a:buClrTx/>
+              <a:buSzTx/>
+              <a:buFontTx/>
+              <a:buNone/>
+              <a:tabLst/>
+              <a:defRPr/>
+            </a:pPr>
+            <a:endParaRPr lang="de-DE" dirty="0"/>
+          </a:p>
+          <a:p>
+            <a:pPr marL="0" marR="0" lvl="0" indent="0" algn="l" defTabSz="457200" rtl="0" eaLnBrk="1" fontAlgn="base" latinLnBrk="0" hangingPunct="1">
+              <a:lnSpc>
+                <a:spcPct val="100000"/>
+              </a:lnSpc>
+              <a:spcBef>
+                <a:spcPct val="30000"/>
+              </a:spcBef>
+              <a:spcAft>
+                <a:spcPct val="0"/>
+              </a:spcAft>
+              <a:buClrTx/>
+              <a:buSzTx/>
+              <a:buFontTx/>
+              <a:buNone/>
+              <a:tabLst/>
+              <a:defRPr/>
+            </a:pPr>
+            <a:r>
+              <a:rPr lang="de-DE" dirty="0" err="1"/>
+              <a:t>Execution</a:t>
+            </a:r>
+            <a:r>
+              <a:rPr lang="de-DE" dirty="0"/>
+              <a:t> Spaces: Wo wird der Code ausgeführt (Zur Zeit GPU/CPU)</a:t>
+            </a:r>
+          </a:p>
+          <a:p>
+            <a:pPr marL="0" marR="0" lvl="0" indent="0" algn="l" defTabSz="457200" rtl="0" eaLnBrk="1" fontAlgn="base" latinLnBrk="0" hangingPunct="1">
+              <a:lnSpc>
+                <a:spcPct val="100000"/>
+              </a:lnSpc>
+              <a:spcBef>
+                <a:spcPct val="30000"/>
+              </a:spcBef>
+              <a:spcAft>
+                <a:spcPct val="0"/>
+              </a:spcAft>
+              <a:buClrTx/>
+              <a:buSzTx/>
+              <a:buFontTx/>
+              <a:buNone/>
+              <a:tabLst/>
+              <a:defRPr/>
+            </a:pPr>
+            <a:r>
+              <a:rPr lang="de-DE" dirty="0" err="1"/>
+              <a:t>Execution</a:t>
+            </a:r>
+            <a:r>
+              <a:rPr lang="de-DE" dirty="0"/>
+              <a:t> Patterns: Fundamentale parallele Algorithmen wie : </a:t>
+            </a:r>
+            <a:r>
+              <a:rPr lang="de-DE" dirty="0" err="1"/>
+              <a:t>parallel_for</a:t>
+            </a:r>
+            <a:r>
+              <a:rPr lang="de-DE" dirty="0"/>
+              <a:t> / </a:t>
+            </a:r>
+            <a:r>
+              <a:rPr lang="de-DE" dirty="0" err="1"/>
+              <a:t>reduce</a:t>
+            </a:r>
+            <a:r>
+              <a:rPr lang="de-DE" dirty="0"/>
+              <a:t> /</a:t>
+            </a:r>
+            <a:r>
+              <a:rPr lang="de-DE" dirty="0" err="1"/>
+              <a:t>scan</a:t>
+            </a:r>
+            <a:r>
+              <a:rPr lang="de-DE" dirty="0"/>
+              <a:t>, welche in den Implementierungsbeispielen zu sehen seien werden.</a:t>
+            </a:r>
+          </a:p>
+          <a:p>
+            <a:pPr marL="0" marR="0" lvl="0" indent="0" algn="l" defTabSz="457200" rtl="0" eaLnBrk="1" fontAlgn="base" latinLnBrk="0" hangingPunct="1">
+              <a:lnSpc>
+                <a:spcPct val="100000"/>
+              </a:lnSpc>
+              <a:spcBef>
+                <a:spcPct val="30000"/>
+              </a:spcBef>
+              <a:spcAft>
+                <a:spcPct val="0"/>
+              </a:spcAft>
+              <a:buClrTx/>
+              <a:buSzTx/>
+              <a:buFontTx/>
+              <a:buNone/>
+              <a:tabLst/>
+              <a:defRPr/>
+            </a:pPr>
+            <a:r>
+              <a:rPr lang="de-DE" dirty="0" err="1"/>
+              <a:t>Execution</a:t>
+            </a:r>
+            <a:r>
+              <a:rPr lang="de-DE" dirty="0"/>
+              <a:t> </a:t>
+            </a:r>
+            <a:r>
+              <a:rPr lang="de-DE" dirty="0" err="1"/>
+              <a:t>Policies</a:t>
+            </a:r>
+            <a:r>
+              <a:rPr lang="de-DE" dirty="0"/>
+              <a:t>: sagt aus, Zusammen mit dem </a:t>
+            </a:r>
+            <a:r>
+              <a:rPr lang="de-DE" dirty="0" err="1"/>
+              <a:t>Execution</a:t>
+            </a:r>
+            <a:r>
+              <a:rPr lang="de-DE" dirty="0"/>
+              <a:t> Patterns, WIE eine Funktion ausgeführt wird beispielsweise durch eine Range Policy( eine Operation einmal auf jedes Element im Bereich. Keine Aussagen über Reihenfolge der Ausführung oder Abhängigkeiten)</a:t>
+            </a:r>
+          </a:p>
+          <a:p>
+            <a:pPr marL="0" marR="0" lvl="0" indent="0" algn="l" defTabSz="457200" rtl="0" eaLnBrk="1" fontAlgn="base" latinLnBrk="0" hangingPunct="1">
+              <a:lnSpc>
+                <a:spcPct val="100000"/>
+              </a:lnSpc>
+              <a:spcBef>
+                <a:spcPct val="30000"/>
+              </a:spcBef>
+              <a:spcAft>
+                <a:spcPct val="0"/>
+              </a:spcAft>
+              <a:buClrTx/>
+              <a:buSzTx/>
+              <a:buFontTx/>
+              <a:buNone/>
+              <a:tabLst/>
+              <a:defRPr/>
+            </a:pPr>
+            <a:r>
+              <a:rPr lang="de-DE" dirty="0"/>
+              <a:t>Memory Spaces: Ort wo die Daten sich befinden (Spezifiziert den physischen Ort sowie die Zugriffscharakteristika)</a:t>
+            </a:r>
+          </a:p>
+          <a:p>
+            <a:pPr marL="0" marR="0" lvl="0" indent="0" algn="l" defTabSz="457200" rtl="0" eaLnBrk="1" fontAlgn="base" latinLnBrk="0" hangingPunct="1">
+              <a:lnSpc>
+                <a:spcPct val="100000"/>
+              </a:lnSpc>
+              <a:spcBef>
+                <a:spcPct val="30000"/>
+              </a:spcBef>
+              <a:spcAft>
+                <a:spcPct val="0"/>
+              </a:spcAft>
+              <a:buClrTx/>
+              <a:buSzTx/>
+              <a:buFontTx/>
+              <a:buNone/>
+              <a:tabLst/>
+              <a:defRPr/>
+            </a:pPr>
+            <a:r>
+              <a:rPr lang="de-DE" dirty="0"/>
+              <a:t>Memory Layout: ist für das Mapping von logischen (</a:t>
+            </a:r>
+            <a:r>
+              <a:rPr lang="de-DE" dirty="0" err="1"/>
+              <a:t>arithemtischen</a:t>
+            </a:r>
+            <a:r>
+              <a:rPr lang="de-DE" dirty="0"/>
+              <a:t>) Indizes zu </a:t>
+            </a:r>
+            <a:r>
+              <a:rPr lang="de-DE" dirty="0" err="1"/>
+              <a:t>Address</a:t>
+            </a:r>
+            <a:r>
+              <a:rPr lang="de-DE" dirty="0"/>
+              <a:t> Offsets für Datenallokation zuständig</a:t>
+            </a:r>
+          </a:p>
+          <a:p>
+            <a:pPr marL="0" marR="0" lvl="0" indent="0" algn="l" defTabSz="457200" rtl="0" eaLnBrk="1" fontAlgn="base" latinLnBrk="0" hangingPunct="1">
+              <a:lnSpc>
+                <a:spcPct val="100000"/>
+              </a:lnSpc>
+              <a:spcBef>
+                <a:spcPct val="30000"/>
+              </a:spcBef>
+              <a:spcAft>
+                <a:spcPct val="0"/>
+              </a:spcAft>
+              <a:buClrTx/>
+              <a:buSzTx/>
+              <a:buFontTx/>
+              <a:buNone/>
+              <a:tabLst/>
+              <a:defRPr/>
+            </a:pPr>
+            <a:endParaRPr lang="de-DE" dirty="0"/>
+          </a:p>
+          <a:p>
+            <a:pPr marL="0" marR="0" lvl="0" indent="0" algn="l" defTabSz="457200" rtl="0" eaLnBrk="1" fontAlgn="base" latinLnBrk="0" hangingPunct="1">
+              <a:lnSpc>
+                <a:spcPct val="100000"/>
+              </a:lnSpc>
+              <a:spcBef>
+                <a:spcPct val="30000"/>
+              </a:spcBef>
+              <a:spcAft>
+                <a:spcPct val="0"/>
+              </a:spcAft>
+              <a:buClrTx/>
+              <a:buSzTx/>
+              <a:buFontTx/>
+              <a:buNone/>
+              <a:tabLst/>
+              <a:defRPr/>
+            </a:pPr>
+            <a:r>
+              <a:rPr lang="de-DE" dirty="0"/>
+              <a:t>Memory </a:t>
+            </a:r>
+            <a:r>
+              <a:rPr lang="de-DE" dirty="0" err="1"/>
+              <a:t>Traits</a:t>
+            </a:r>
+            <a:r>
+              <a:rPr lang="de-DE" dirty="0"/>
+              <a:t>: </a:t>
+            </a:r>
+            <a:r>
+              <a:rPr lang="de-DE" dirty="0" err="1"/>
+              <a:t>spezifiziert,wie</a:t>
+            </a:r>
+            <a:r>
+              <a:rPr lang="de-DE" dirty="0"/>
+              <a:t> auf eine Datenstruktur in einem Algorithmus zugegriffen wird. (Random Access. </a:t>
+            </a:r>
+            <a:r>
+              <a:rPr lang="de-DE" dirty="0" err="1"/>
+              <a:t>Atomic</a:t>
+            </a:r>
+            <a:r>
+              <a:rPr lang="de-DE" dirty="0"/>
+              <a:t> Access)</a:t>
+            </a:r>
+          </a:p>
+          <a:p>
+            <a:endParaRPr lang="de-DE" dirty="0"/>
+          </a:p>
+          <a:p>
+            <a:endParaRPr lang="de-DE" dirty="0"/>
+          </a:p>
+          <a:p>
+            <a:endParaRPr lang="de-DE" dirty="0"/>
           </a:p>
         </p:txBody>
       </p:sp>
@@ -1196,6 +1857,398 @@
     <p:extLst>
       <p:ext uri="{BB962C8B-B14F-4D97-AF65-F5344CB8AC3E}">
         <p14:creationId xmlns:p14="http://schemas.microsoft.com/office/powerpoint/2010/main" val="326107936"/>
+      </p:ext>
+    </p:extLst>
+  </p:cSld>
+  <p:clrMapOvr>
+    <a:masterClrMapping/>
+  </p:clrMapOvr>
+</p:notes>
+</file>
+
+<file path=ppt/notesSlides/notesSlide4.xml><?xml version="1.0" encoding="utf-8"?>
+<p:notes xmlns:a="http://schemas.openxmlformats.org/drawingml/2006/main" xmlns:r="http://schemas.openxmlformats.org/officeDocument/2006/relationships" xmlns:p="http://schemas.openxmlformats.org/presentationml/2006/main">
+  <p:cSld>
+    <p:spTree>
+      <p:nvGrpSpPr>
+        <p:cNvPr id="1" name=""/>
+        <p:cNvGrpSpPr/>
+        <p:nvPr/>
+      </p:nvGrpSpPr>
+      <p:grpSpPr>
+        <a:xfrm>
+          <a:off x="0" y="0"/>
+          <a:ext cx="0" cy="0"/>
+          <a:chOff x="0" y="0"/>
+          <a:chExt cx="0" cy="0"/>
+        </a:xfrm>
+      </p:grpSpPr>
+      <p:sp>
+        <p:nvSpPr>
+          <p:cNvPr id="2" name="Folienbildplatzhalter 1"/>
+          <p:cNvSpPr>
+            <a:spLocks noGrp="1" noRot="1" noChangeAspect="1"/>
+          </p:cNvSpPr>
+          <p:nvPr>
+            <p:ph type="sldImg"/>
+          </p:nvPr>
+        </p:nvSpPr>
+        <p:spPr/>
+      </p:sp>
+      <p:sp>
+        <p:nvSpPr>
+          <p:cNvPr id="3" name="Notizenplatzhalter 2"/>
+          <p:cNvSpPr>
+            <a:spLocks noGrp="1"/>
+          </p:cNvSpPr>
+          <p:nvPr>
+            <p:ph type="body" idx="1"/>
+          </p:nvPr>
+        </p:nvSpPr>
+        <p:spPr/>
+        <p:txBody>
+          <a:bodyPr/>
+          <a:lstStyle/>
+          <a:p>
+            <a:pPr marL="0" marR="0" lvl="0" indent="0" algn="l" defTabSz="457200" rtl="0" eaLnBrk="1" fontAlgn="base" latinLnBrk="0" hangingPunct="1">
+              <a:lnSpc>
+                <a:spcPct val="100000"/>
+              </a:lnSpc>
+              <a:spcBef>
+                <a:spcPct val="30000"/>
+              </a:spcBef>
+              <a:spcAft>
+                <a:spcPct val="0"/>
+              </a:spcAft>
+              <a:buClrTx/>
+              <a:buSzTx/>
+              <a:buFontTx/>
+              <a:buNone/>
+              <a:tabLst/>
+              <a:defRPr/>
+            </a:pPr>
+            <a:r>
+              <a:rPr lang="de-DE" dirty="0"/>
+              <a:t>-die WLG ist eine partielle, </a:t>
+            </a:r>
+            <a:r>
+              <a:rPr lang="de-DE" dirty="0" err="1"/>
+              <a:t>parab</a:t>
+            </a:r>
+            <a:r>
+              <a:rPr lang="de-DE" dirty="0"/>
+              <a:t>. </a:t>
+            </a:r>
+            <a:r>
+              <a:rPr lang="de-DE" dirty="0" err="1"/>
+              <a:t>differentialgleichung</a:t>
+            </a:r>
+            <a:endParaRPr lang="de-DE" dirty="0"/>
+          </a:p>
+          <a:p>
+            <a:pPr marL="0" marR="0" lvl="0" indent="0" algn="l" defTabSz="457200" rtl="0" eaLnBrk="1" fontAlgn="base" latinLnBrk="0" hangingPunct="1">
+              <a:lnSpc>
+                <a:spcPct val="100000"/>
+              </a:lnSpc>
+              <a:spcBef>
+                <a:spcPct val="30000"/>
+              </a:spcBef>
+              <a:spcAft>
+                <a:spcPct val="0"/>
+              </a:spcAft>
+              <a:buClrTx/>
+              <a:buSzTx/>
+              <a:buFontTx/>
+              <a:buNone/>
+              <a:tabLst/>
+              <a:defRPr/>
+            </a:pPr>
+            <a:r>
+              <a:rPr lang="de-DE" dirty="0"/>
+              <a:t>-beschreibt Zusammenhang zwischen zeitlichen und räumlichen Änderung der Temperatur an einem Ort in einem Körper und eignet sich damit zur Berechnung instationärer Temperaturfelder.</a:t>
+            </a:r>
+          </a:p>
+          <a:p>
+            <a:pPr marL="0" marR="0" lvl="0" indent="0" algn="l" defTabSz="457200" rtl="0" eaLnBrk="1" fontAlgn="base" latinLnBrk="0" hangingPunct="1">
+              <a:lnSpc>
+                <a:spcPct val="100000"/>
+              </a:lnSpc>
+              <a:spcBef>
+                <a:spcPct val="30000"/>
+              </a:spcBef>
+              <a:spcAft>
+                <a:spcPct val="0"/>
+              </a:spcAft>
+              <a:buClrTx/>
+              <a:buSzTx/>
+              <a:buFontTx/>
+              <a:buNone/>
+              <a:tabLst/>
+              <a:defRPr/>
+            </a:pPr>
+            <a:r>
+              <a:rPr lang="de-DE" dirty="0"/>
+              <a:t>-Die entsprechende Formel </a:t>
+            </a:r>
+          </a:p>
+          <a:p>
+            <a:pPr marL="0" marR="0" lvl="0" indent="0" algn="l" defTabSz="457200" rtl="0" eaLnBrk="1" fontAlgn="base" latinLnBrk="0" hangingPunct="1">
+              <a:lnSpc>
+                <a:spcPct val="100000"/>
+              </a:lnSpc>
+              <a:spcBef>
+                <a:spcPct val="30000"/>
+              </a:spcBef>
+              <a:spcAft>
+                <a:spcPct val="0"/>
+              </a:spcAft>
+              <a:buClrTx/>
+              <a:buSzTx/>
+              <a:buFontTx/>
+              <a:buNone/>
+              <a:tabLst/>
+              <a:defRPr/>
+            </a:pPr>
+            <a:r>
+              <a:rPr lang="de-DE" dirty="0"/>
+              <a:t>-D=</a:t>
+            </a:r>
+            <a:r>
+              <a:rPr lang="de-DE" dirty="0" err="1"/>
+              <a:t>Diffussionskoeffizient</a:t>
+            </a:r>
+            <a:endParaRPr lang="de-DE" dirty="0"/>
+          </a:p>
+          <a:p>
+            <a:pPr marL="0" marR="0" lvl="0" indent="0" algn="l" defTabSz="457200" rtl="0" eaLnBrk="1" fontAlgn="base" latinLnBrk="0" hangingPunct="1">
+              <a:lnSpc>
+                <a:spcPct val="100000"/>
+              </a:lnSpc>
+              <a:spcBef>
+                <a:spcPct val="30000"/>
+              </a:spcBef>
+              <a:spcAft>
+                <a:spcPct val="0"/>
+              </a:spcAft>
+              <a:buClrTx/>
+              <a:buSzTx/>
+              <a:buFontTx/>
+              <a:buNone/>
+              <a:tabLst/>
+              <a:defRPr/>
+            </a:pPr>
+            <a:r>
+              <a:rPr lang="de-DE" dirty="0"/>
+              <a:t>-t= Zeitschritt</a:t>
+            </a:r>
+          </a:p>
+          <a:p>
+            <a:pPr marL="0" marR="0" lvl="0" indent="0" algn="l" defTabSz="457200" rtl="0" eaLnBrk="1" fontAlgn="base" latinLnBrk="0" hangingPunct="1">
+              <a:lnSpc>
+                <a:spcPct val="100000"/>
+              </a:lnSpc>
+              <a:spcBef>
+                <a:spcPct val="30000"/>
+              </a:spcBef>
+              <a:spcAft>
+                <a:spcPct val="0"/>
+              </a:spcAft>
+              <a:buClrTx/>
+              <a:buSzTx/>
+              <a:buFontTx/>
+              <a:buNone/>
+              <a:tabLst/>
+              <a:defRPr/>
+            </a:pPr>
+            <a:endParaRPr lang="de-DE" dirty="0"/>
+          </a:p>
+          <a:p>
+            <a:endParaRPr lang="de-DE" dirty="0"/>
+          </a:p>
+        </p:txBody>
+      </p:sp>
+      <p:sp>
+        <p:nvSpPr>
+          <p:cNvPr id="4" name="Foliennummernplatzhalter 3"/>
+          <p:cNvSpPr>
+            <a:spLocks noGrp="1"/>
+          </p:cNvSpPr>
+          <p:nvPr>
+            <p:ph type="sldNum" sz="quarter" idx="10"/>
+          </p:nvPr>
+        </p:nvSpPr>
+        <p:spPr/>
+        <p:txBody>
+          <a:bodyPr/>
+          <a:lstStyle/>
+          <a:p>
+            <a:pPr>
+              <a:defRPr/>
+            </a:pPr>
+            <a:fld id="{FABC2263-B249-BD41-8DE2-10DB7145066A}" type="slidenum">
+              <a:rPr lang="en-US" smtClean="0"/>
+              <a:pPr>
+                <a:defRPr/>
+              </a:pPr>
+              <a:t>8</a:t>
+            </a:fld>
+            <a:endParaRPr lang="en-US"/>
+          </a:p>
+        </p:txBody>
+      </p:sp>
+    </p:spTree>
+    <p:extLst>
+      <p:ext uri="{BB962C8B-B14F-4D97-AF65-F5344CB8AC3E}">
+        <p14:creationId xmlns:p14="http://schemas.microsoft.com/office/powerpoint/2010/main" val="1185513574"/>
+      </p:ext>
+    </p:extLst>
+  </p:cSld>
+  <p:clrMapOvr>
+    <a:masterClrMapping/>
+  </p:clrMapOvr>
+</p:notes>
+</file>
+
+<file path=ppt/notesSlides/notesSlide5.xml><?xml version="1.0" encoding="utf-8"?>
+<p:notes xmlns:a="http://schemas.openxmlformats.org/drawingml/2006/main" xmlns:r="http://schemas.openxmlformats.org/officeDocument/2006/relationships" xmlns:p="http://schemas.openxmlformats.org/presentationml/2006/main">
+  <p:cSld>
+    <p:spTree>
+      <p:nvGrpSpPr>
+        <p:cNvPr id="1" name=""/>
+        <p:cNvGrpSpPr/>
+        <p:nvPr/>
+      </p:nvGrpSpPr>
+      <p:grpSpPr>
+        <a:xfrm>
+          <a:off x="0" y="0"/>
+          <a:ext cx="0" cy="0"/>
+          <a:chOff x="0" y="0"/>
+          <a:chExt cx="0" cy="0"/>
+        </a:xfrm>
+      </p:grpSpPr>
+      <p:sp>
+        <p:nvSpPr>
+          <p:cNvPr id="2" name="Folienbildplatzhalter 1"/>
+          <p:cNvSpPr>
+            <a:spLocks noGrp="1" noRot="1" noChangeAspect="1"/>
+          </p:cNvSpPr>
+          <p:nvPr>
+            <p:ph type="sldImg"/>
+          </p:nvPr>
+        </p:nvSpPr>
+        <p:spPr/>
+      </p:sp>
+      <p:sp>
+        <p:nvSpPr>
+          <p:cNvPr id="3" name="Notizenplatzhalter 2"/>
+          <p:cNvSpPr>
+            <a:spLocks noGrp="1"/>
+          </p:cNvSpPr>
+          <p:nvPr>
+            <p:ph type="body" idx="1"/>
+          </p:nvPr>
+        </p:nvSpPr>
+        <p:spPr/>
+        <p:txBody>
+          <a:bodyPr/>
+          <a:lstStyle/>
+          <a:p>
+            <a:pPr marL="0" marR="0" lvl="0" indent="0" algn="l" defTabSz="457200" rtl="0" eaLnBrk="1" fontAlgn="base" latinLnBrk="0" hangingPunct="1">
+              <a:lnSpc>
+                <a:spcPct val="100000"/>
+              </a:lnSpc>
+              <a:spcBef>
+                <a:spcPct val="30000"/>
+              </a:spcBef>
+              <a:spcAft>
+                <a:spcPct val="0"/>
+              </a:spcAft>
+              <a:buClrTx/>
+              <a:buSzTx/>
+              <a:buFontTx/>
+              <a:buNone/>
+              <a:tabLst/>
+              <a:defRPr/>
+            </a:pPr>
+            <a:r>
+              <a:rPr lang="de-DE" dirty="0"/>
+              <a:t>-die WLG ist eine partielle, </a:t>
+            </a:r>
+            <a:r>
+              <a:rPr lang="de-DE" dirty="0" err="1"/>
+              <a:t>parab</a:t>
+            </a:r>
+            <a:r>
+              <a:rPr lang="de-DE" dirty="0"/>
+              <a:t>. </a:t>
+            </a:r>
+            <a:r>
+              <a:rPr lang="de-DE" dirty="0" err="1"/>
+              <a:t>differentialgleichung</a:t>
+            </a:r>
+            <a:endParaRPr lang="de-DE" dirty="0"/>
+          </a:p>
+          <a:p>
+            <a:pPr marL="0" marR="0" lvl="0" indent="0" algn="l" defTabSz="457200" rtl="0" eaLnBrk="1" fontAlgn="base" latinLnBrk="0" hangingPunct="1">
+              <a:lnSpc>
+                <a:spcPct val="100000"/>
+              </a:lnSpc>
+              <a:spcBef>
+                <a:spcPct val="30000"/>
+              </a:spcBef>
+              <a:spcAft>
+                <a:spcPct val="0"/>
+              </a:spcAft>
+              <a:buClrTx/>
+              <a:buSzTx/>
+              <a:buFontTx/>
+              <a:buNone/>
+              <a:tabLst/>
+              <a:defRPr/>
+            </a:pPr>
+            <a:r>
+              <a:rPr lang="de-DE" dirty="0"/>
+              <a:t>-beschreibt Zusammenhang zwischen zeitlichen und räumlichen Änderung der Temperatur an einem Ort in einem Körper und eignet sich damit zur Berechnung instationärer Temperaturfelder.</a:t>
+            </a:r>
+          </a:p>
+          <a:p>
+            <a:endParaRPr lang="de-DE" dirty="0"/>
+          </a:p>
+        </p:txBody>
+      </p:sp>
+      <p:sp>
+        <p:nvSpPr>
+          <p:cNvPr id="4" name="Foliennummernplatzhalter 3"/>
+          <p:cNvSpPr>
+            <a:spLocks noGrp="1"/>
+          </p:cNvSpPr>
+          <p:nvPr>
+            <p:ph type="sldNum" sz="quarter" idx="10"/>
+          </p:nvPr>
+        </p:nvSpPr>
+        <p:spPr/>
+        <p:txBody>
+          <a:bodyPr/>
+          <a:lstStyle/>
+          <a:p>
+            <a:pPr>
+              <a:defRPr/>
+            </a:pPr>
+            <a:fld id="{FABC2263-B249-BD41-8DE2-10DB7145066A}" type="slidenum">
+              <a:rPr lang="en-US" smtClean="0"/>
+              <a:pPr>
+                <a:defRPr/>
+              </a:pPr>
+              <a:t>9</a:t>
+            </a:fld>
+            <a:endParaRPr lang="en-US"/>
+          </a:p>
+        </p:txBody>
+      </p:sp>
+    </p:spTree>
+    <p:extLst>
+      <p:ext uri="{BB962C8B-B14F-4D97-AF65-F5344CB8AC3E}">
+        <p14:creationId xmlns:p14="http://schemas.microsoft.com/office/powerpoint/2010/main" val="1199509707"/>
       </p:ext>
     </p:extLst>
   </p:cSld>
@@ -6935,6 +7988,269 @@
           <p:cNvPr id="2" name="Titel 1">
             <a:extLst>
               <a:ext uri="{FF2B5EF4-FFF2-40B4-BE49-F238E27FC236}">
+                <a16:creationId xmlns:a16="http://schemas.microsoft.com/office/drawing/2014/main" id="{7973ADB4-7B60-4BA0-92F1-4A1D43355EFC}"/>
+              </a:ext>
+            </a:extLst>
+          </p:cNvPr>
+          <p:cNvSpPr>
+            <a:spLocks noGrp="1"/>
+          </p:cNvSpPr>
+          <p:nvPr>
+            <p:ph type="title"/>
+          </p:nvPr>
+        </p:nvSpPr>
+        <p:spPr/>
+        <p:txBody>
+          <a:bodyPr/>
+          <a:lstStyle/>
+          <a:p>
+            <a:r>
+              <a:rPr lang="de-DE" dirty="0"/>
+              <a:t>Anwendungsbeispiel Wärmeleitgleichung</a:t>
+            </a:r>
+          </a:p>
+        </p:txBody>
+      </p:sp>
+      <p:sp>
+        <p:nvSpPr>
+          <p:cNvPr id="3" name="Inhaltsplatzhalter 2">
+            <a:extLst>
+              <a:ext uri="{FF2B5EF4-FFF2-40B4-BE49-F238E27FC236}">
+                <a16:creationId xmlns:a16="http://schemas.microsoft.com/office/drawing/2014/main" id="{8837375F-C335-4E31-B852-9A9B1CC54A2A}"/>
+              </a:ext>
+            </a:extLst>
+          </p:cNvPr>
+          <p:cNvSpPr>
+            <a:spLocks noGrp="1"/>
+          </p:cNvSpPr>
+          <p:nvPr>
+            <p:ph idx="1"/>
+          </p:nvPr>
+        </p:nvSpPr>
+        <p:spPr/>
+        <p:txBody>
+          <a:bodyPr/>
+          <a:lstStyle/>
+          <a:p>
+            <a:r>
+              <a:rPr lang="de-DE" dirty="0"/>
+              <a:t>Allg. Erklärung</a:t>
+            </a:r>
+          </a:p>
+          <a:p>
+            <a:r>
+              <a:rPr lang="de-DE" dirty="0"/>
+              <a:t>Formel darstellen (Jacobi)</a:t>
+            </a:r>
+          </a:p>
+          <a:p>
+            <a:r>
+              <a:rPr lang="de-DE" dirty="0"/>
+              <a:t>Bilder mit möglichen </a:t>
+            </a:r>
+            <a:r>
+              <a:rPr lang="de-DE" dirty="0" err="1"/>
+              <a:t>stancil‘s</a:t>
+            </a:r>
+            <a:endParaRPr lang="de-DE" dirty="0"/>
+          </a:p>
+        </p:txBody>
+      </p:sp>
+      <p:sp>
+        <p:nvSpPr>
+          <p:cNvPr id="4" name="Fußzeilenplatzhalter 3">
+            <a:extLst>
+              <a:ext uri="{FF2B5EF4-FFF2-40B4-BE49-F238E27FC236}">
+                <a16:creationId xmlns:a16="http://schemas.microsoft.com/office/drawing/2014/main" id="{2FD9181A-A864-419E-A314-8488B8E3E4F4}"/>
+              </a:ext>
+            </a:extLst>
+          </p:cNvPr>
+          <p:cNvSpPr>
+            <a:spLocks noGrp="1"/>
+          </p:cNvSpPr>
+          <p:nvPr>
+            <p:ph type="ftr" sz="quarter" idx="3"/>
+          </p:nvPr>
+        </p:nvSpPr>
+        <p:spPr/>
+        <p:txBody>
+          <a:bodyPr/>
+          <a:lstStyle/>
+          <a:p>
+            <a:r>
+              <a:rPr lang="de-DE"/>
+              <a:t>Andrey Ruzhanskiy</a:t>
+            </a:r>
+            <a:endParaRPr lang="de-DE" dirty="0"/>
+          </a:p>
+        </p:txBody>
+      </p:sp>
+      <p:sp>
+        <p:nvSpPr>
+          <p:cNvPr id="5" name="Textfeld 4">
+            <a:extLst>
+              <a:ext uri="{FF2B5EF4-FFF2-40B4-BE49-F238E27FC236}">
+                <a16:creationId xmlns:a16="http://schemas.microsoft.com/office/drawing/2014/main" id="{7ABF9066-F194-408F-9795-E4094D0EB3BE}"/>
+              </a:ext>
+            </a:extLst>
+          </p:cNvPr>
+          <p:cNvSpPr txBox="1"/>
+          <p:nvPr/>
+        </p:nvSpPr>
+        <p:spPr>
+          <a:xfrm>
+            <a:off x="8014570" y="106918"/>
+            <a:ext cx="672230" cy="369332"/>
+          </a:xfrm>
+          <a:prstGeom prst="rect">
+            <a:avLst/>
+          </a:prstGeom>
+          <a:noFill/>
+        </p:spPr>
+        <p:txBody>
+          <a:bodyPr wrap="square" rtlCol="0">
+            <a:spAutoFit/>
+          </a:bodyPr>
+          <a:lstStyle/>
+          <a:p>
+            <a:fld id="{E3C450BF-EACB-4BDE-AF0B-8B5969BCDFAB}" type="slidenum">
+              <a:rPr lang="de-DE" smtClean="0"/>
+              <a:t>10</a:t>
+            </a:fld>
+            <a:endParaRPr lang="de-DE" dirty="0"/>
+          </a:p>
+        </p:txBody>
+      </p:sp>
+    </p:spTree>
+    <p:extLst>
+      <p:ext uri="{BB962C8B-B14F-4D97-AF65-F5344CB8AC3E}">
+        <p14:creationId xmlns:p14="http://schemas.microsoft.com/office/powerpoint/2010/main" val="608357269"/>
+      </p:ext>
+    </p:extLst>
+  </p:cSld>
+  <p:clrMapOvr>
+    <a:masterClrMapping/>
+  </p:clrMapOvr>
+</p:sld>
+</file>
+
+<file path=ppt/slides/slide11.xml><?xml version="1.0" encoding="utf-8"?>
+<p:sld xmlns:a="http://schemas.openxmlformats.org/drawingml/2006/main" xmlns:r="http://schemas.openxmlformats.org/officeDocument/2006/relationships" xmlns:p="http://schemas.openxmlformats.org/presentationml/2006/main">
+  <p:cSld>
+    <p:spTree>
+      <p:nvGrpSpPr>
+        <p:cNvPr id="1" name=""/>
+        <p:cNvGrpSpPr/>
+        <p:nvPr/>
+      </p:nvGrpSpPr>
+      <p:grpSpPr>
+        <a:xfrm>
+          <a:off x="0" y="0"/>
+          <a:ext cx="0" cy="0"/>
+          <a:chOff x="0" y="0"/>
+          <a:chExt cx="0" cy="0"/>
+        </a:xfrm>
+      </p:grpSpPr>
+      <p:sp>
+        <p:nvSpPr>
+          <p:cNvPr id="2" name="Fußzeilenplatzhalter 1">
+            <a:extLst>
+              <a:ext uri="{FF2B5EF4-FFF2-40B4-BE49-F238E27FC236}">
+                <a16:creationId xmlns:a16="http://schemas.microsoft.com/office/drawing/2014/main" id="{9159C207-6902-4ACF-9B6D-090ECBD09960}"/>
+              </a:ext>
+            </a:extLst>
+          </p:cNvPr>
+          <p:cNvSpPr>
+            <a:spLocks noGrp="1"/>
+          </p:cNvSpPr>
+          <p:nvPr>
+            <p:ph type="ftr" sz="quarter" idx="3"/>
+          </p:nvPr>
+        </p:nvSpPr>
+        <p:spPr/>
+        <p:txBody>
+          <a:bodyPr/>
+          <a:lstStyle/>
+          <a:p>
+            <a:r>
+              <a:rPr lang="de-DE"/>
+              <a:t>Andrey Ruzhanskiy</a:t>
+            </a:r>
+            <a:endParaRPr lang="de-DE" dirty="0"/>
+          </a:p>
+        </p:txBody>
+      </p:sp>
+      <p:sp>
+        <p:nvSpPr>
+          <p:cNvPr id="3" name="Textplatzhalter 2">
+            <a:extLst>
+              <a:ext uri="{FF2B5EF4-FFF2-40B4-BE49-F238E27FC236}">
+                <a16:creationId xmlns:a16="http://schemas.microsoft.com/office/drawing/2014/main" id="{BCB299B6-8D63-49C1-AC1F-067AAD5BEDC4}"/>
+              </a:ext>
+            </a:extLst>
+          </p:cNvPr>
+          <p:cNvSpPr>
+            <a:spLocks noGrp="1"/>
+          </p:cNvSpPr>
+          <p:nvPr>
+            <p:ph type="body" sz="quarter" idx="10"/>
+          </p:nvPr>
+        </p:nvSpPr>
+        <p:spPr/>
+        <p:txBody>
+          <a:bodyPr/>
+          <a:lstStyle/>
+          <a:p>
+            <a:r>
+              <a:rPr lang="de-DE" dirty="0"/>
+              <a:t>Implementierung mit HPX &amp; </a:t>
+            </a:r>
+            <a:r>
+              <a:rPr lang="de-DE" dirty="0" err="1"/>
+              <a:t>Kokkos</a:t>
+            </a:r>
+            <a:endParaRPr lang="de-DE" dirty="0"/>
+          </a:p>
+          <a:p>
+            <a:endParaRPr lang="de-DE" dirty="0"/>
+          </a:p>
+        </p:txBody>
+      </p:sp>
+    </p:spTree>
+    <p:extLst>
+      <p:ext uri="{BB962C8B-B14F-4D97-AF65-F5344CB8AC3E}">
+        <p14:creationId xmlns:p14="http://schemas.microsoft.com/office/powerpoint/2010/main" val="2212007349"/>
+      </p:ext>
+    </p:extLst>
+  </p:cSld>
+  <p:clrMapOvr>
+    <a:masterClrMapping/>
+  </p:clrMapOvr>
+</p:sld>
+</file>
+
+<file path=ppt/slides/slide12.xml><?xml version="1.0" encoding="utf-8"?>
+<p:sld xmlns:a="http://schemas.openxmlformats.org/drawingml/2006/main" xmlns:r="http://schemas.openxmlformats.org/officeDocument/2006/relationships" xmlns:p="http://schemas.openxmlformats.org/presentationml/2006/main">
+  <p:cSld>
+    <p:spTree>
+      <p:nvGrpSpPr>
+        <p:cNvPr id="1" name=""/>
+        <p:cNvGrpSpPr/>
+        <p:nvPr/>
+      </p:nvGrpSpPr>
+      <p:grpSpPr>
+        <a:xfrm>
+          <a:off x="0" y="0"/>
+          <a:ext cx="0" cy="0"/>
+          <a:chOff x="0" y="0"/>
+          <a:chExt cx="0" cy="0"/>
+        </a:xfrm>
+      </p:grpSpPr>
+      <p:sp>
+        <p:nvSpPr>
+          <p:cNvPr id="2" name="Titel 1">
+            <a:extLst>
+              <a:ext uri="{FF2B5EF4-FFF2-40B4-BE49-F238E27FC236}">
                 <a16:creationId xmlns:a16="http://schemas.microsoft.com/office/drawing/2014/main" id="{D72E0FA4-27DE-48FB-83DF-74BF39F1A492}"/>
               </a:ext>
             </a:extLst>
@@ -6958,51 +8274,35 @@
           </a:p>
         </p:txBody>
       </p:sp>
-      <p:sp>
-        <p:nvSpPr>
-          <p:cNvPr id="3" name="Inhaltsplatzhalter 2">
+      <p:pic>
+        <p:nvPicPr>
+          <p:cNvPr id="10" name="Inhaltsplatzhalter 9">
             <a:extLst>
               <a:ext uri="{FF2B5EF4-FFF2-40B4-BE49-F238E27FC236}">
-                <a16:creationId xmlns:a16="http://schemas.microsoft.com/office/drawing/2014/main" id="{22FF864F-34A7-4353-B037-904E70637A93}"/>
+                <a16:creationId xmlns:a16="http://schemas.microsoft.com/office/drawing/2014/main" id="{7A5549B0-75F7-43A0-8BFB-AE40E3538142}"/>
               </a:ext>
             </a:extLst>
           </p:cNvPr>
-          <p:cNvSpPr>
-            <a:spLocks noGrp="1"/>
-          </p:cNvSpPr>
+          <p:cNvPicPr>
+            <a:picLocks noGrp="1" noChangeAspect="1"/>
+          </p:cNvPicPr>
           <p:nvPr>
             <p:ph idx="1"/>
           </p:nvPr>
-        </p:nvSpPr>
-        <p:spPr/>
-        <p:txBody>
-          <a:bodyPr/>
-          <a:lstStyle/>
-          <a:p>
-            <a:r>
-              <a:rPr lang="de-DE" dirty="0"/>
-              <a:t>Jacobi-Verfahren genutzt</a:t>
-            </a:r>
-          </a:p>
-          <a:p>
-            <a:r>
-              <a:rPr lang="de-DE" dirty="0"/>
-              <a:t>Datenstruktur </a:t>
-            </a:r>
-            <a:r>
-              <a:rPr lang="de-DE" dirty="0" err="1"/>
-              <a:t>vektoren</a:t>
-            </a:r>
-            <a:endParaRPr lang="de-DE" dirty="0"/>
-          </a:p>
-          <a:p>
-            <a:r>
-              <a:rPr lang="de-DE" dirty="0"/>
-              <a:t>Bild</a:t>
-            </a:r>
-          </a:p>
-        </p:txBody>
-      </p:sp>
+        </p:nvPicPr>
+        <p:blipFill>
+          <a:blip r:embed="rId2"/>
+          <a:stretch>
+            <a:fillRect/>
+          </a:stretch>
+        </p:blipFill>
+        <p:spPr>
+          <a:xfrm>
+            <a:off x="323850" y="765175"/>
+            <a:ext cx="7690720" cy="5256213"/>
+          </a:xfrm>
+        </p:spPr>
+      </p:pic>
       <p:sp>
         <p:nvSpPr>
           <p:cNvPr id="4" name="Fußzeilenplatzhalter 3">
@@ -7062,7 +8362,7 @@
           <a:p>
             <a:fld id="{E3C450BF-EACB-4BDE-AF0B-8B5969BCDFAB}" type="slidenum">
               <a:rPr lang="de-DE" smtClean="0"/>
-              <a:t>10</a:t>
+              <a:t>12</a:t>
             </a:fld>
             <a:endParaRPr lang="de-DE" dirty="0"/>
           </a:p>
@@ -7081,7 +8381,159 @@
 </p:sld>
 </file>
 
-<file path=ppt/slides/slide11.xml><?xml version="1.0" encoding="utf-8"?>
+<file path=ppt/slides/slide13.xml><?xml version="1.0" encoding="utf-8"?>
+<p:sld xmlns:a="http://schemas.openxmlformats.org/drawingml/2006/main" xmlns:r="http://schemas.openxmlformats.org/officeDocument/2006/relationships" xmlns:p="http://schemas.openxmlformats.org/presentationml/2006/main">
+  <p:cSld>
+    <p:spTree>
+      <p:nvGrpSpPr>
+        <p:cNvPr id="1" name=""/>
+        <p:cNvGrpSpPr/>
+        <p:nvPr/>
+      </p:nvGrpSpPr>
+      <p:grpSpPr>
+        <a:xfrm>
+          <a:off x="0" y="0"/>
+          <a:ext cx="0" cy="0"/>
+          <a:chOff x="0" y="0"/>
+          <a:chExt cx="0" cy="0"/>
+        </a:xfrm>
+      </p:grpSpPr>
+      <p:sp>
+        <p:nvSpPr>
+          <p:cNvPr id="2" name="Titel 1">
+            <a:extLst>
+              <a:ext uri="{FF2B5EF4-FFF2-40B4-BE49-F238E27FC236}">
+                <a16:creationId xmlns:a16="http://schemas.microsoft.com/office/drawing/2014/main" id="{D72E0FA4-27DE-48FB-83DF-74BF39F1A492}"/>
+              </a:ext>
+            </a:extLst>
+          </p:cNvPr>
+          <p:cNvSpPr>
+            <a:spLocks noGrp="1"/>
+          </p:cNvSpPr>
+          <p:nvPr>
+            <p:ph type="title"/>
+          </p:nvPr>
+        </p:nvSpPr>
+        <p:spPr/>
+        <p:txBody>
+          <a:bodyPr/>
+          <a:lstStyle/>
+          <a:p>
+            <a:r>
+              <a:rPr lang="de-DE" dirty="0"/>
+              <a:t>Implementierung: Serieller Ansatz</a:t>
+            </a:r>
+          </a:p>
+        </p:txBody>
+      </p:sp>
+      <p:pic>
+        <p:nvPicPr>
+          <p:cNvPr id="8" name="Inhaltsplatzhalter 7">
+            <a:extLst>
+              <a:ext uri="{FF2B5EF4-FFF2-40B4-BE49-F238E27FC236}">
+                <a16:creationId xmlns:a16="http://schemas.microsoft.com/office/drawing/2014/main" id="{730E3A38-929E-4E74-88EC-EFA00A07AB49}"/>
+              </a:ext>
+            </a:extLst>
+          </p:cNvPr>
+          <p:cNvPicPr>
+            <a:picLocks noGrp="1" noChangeAspect="1"/>
+          </p:cNvPicPr>
+          <p:nvPr>
+            <p:ph idx="1"/>
+          </p:nvPr>
+        </p:nvPicPr>
+        <p:blipFill>
+          <a:blip r:embed="rId2"/>
+          <a:stretch>
+            <a:fillRect/>
+          </a:stretch>
+        </p:blipFill>
+        <p:spPr>
+          <a:xfrm>
+            <a:off x="323851" y="744266"/>
+            <a:ext cx="7690720" cy="1842684"/>
+          </a:xfrm>
+        </p:spPr>
+      </p:pic>
+      <p:sp>
+        <p:nvSpPr>
+          <p:cNvPr id="4" name="Fußzeilenplatzhalter 3">
+            <a:extLst>
+              <a:ext uri="{FF2B5EF4-FFF2-40B4-BE49-F238E27FC236}">
+                <a16:creationId xmlns:a16="http://schemas.microsoft.com/office/drawing/2014/main" id="{9754C9D5-4381-4852-A77D-F9913DA22CE3}"/>
+              </a:ext>
+            </a:extLst>
+          </p:cNvPr>
+          <p:cNvSpPr>
+            <a:spLocks noGrp="1"/>
+          </p:cNvSpPr>
+          <p:nvPr>
+            <p:ph type="ftr" sz="quarter" idx="3"/>
+          </p:nvPr>
+        </p:nvSpPr>
+        <p:spPr/>
+        <p:txBody>
+          <a:bodyPr/>
+          <a:lstStyle/>
+          <a:p>
+            <a:r>
+              <a:rPr lang="de-DE"/>
+              <a:t>Andrey Ruzhanskiy</a:t>
+            </a:r>
+            <a:endParaRPr lang="de-DE" dirty="0"/>
+          </a:p>
+        </p:txBody>
+      </p:sp>
+      <p:sp>
+        <p:nvSpPr>
+          <p:cNvPr id="5" name="Textfeld 4">
+            <a:extLst>
+              <a:ext uri="{FF2B5EF4-FFF2-40B4-BE49-F238E27FC236}">
+                <a16:creationId xmlns:a16="http://schemas.microsoft.com/office/drawing/2014/main" id="{63698DD0-D925-40A3-B3D0-0DFAD4410A7D}"/>
+              </a:ext>
+            </a:extLst>
+          </p:cNvPr>
+          <p:cNvSpPr txBox="1"/>
+          <p:nvPr/>
+        </p:nvSpPr>
+        <p:spPr>
+          <a:xfrm>
+            <a:off x="8014570" y="106918"/>
+            <a:ext cx="672230" cy="369332"/>
+          </a:xfrm>
+          <a:prstGeom prst="rect">
+            <a:avLst/>
+          </a:prstGeom>
+          <a:noFill/>
+        </p:spPr>
+        <p:txBody>
+          <a:bodyPr wrap="square" rtlCol="0">
+            <a:spAutoFit/>
+          </a:bodyPr>
+          <a:lstStyle/>
+          <a:p>
+            <a:fld id="{E3C450BF-EACB-4BDE-AF0B-8B5969BCDFAB}" type="slidenum">
+              <a:rPr lang="de-DE" smtClean="0"/>
+              <a:t>13</a:t>
+            </a:fld>
+            <a:endParaRPr lang="de-DE" dirty="0"/>
+          </a:p>
+        </p:txBody>
+      </p:sp>
+    </p:spTree>
+    <p:extLst>
+      <p:ext uri="{BB962C8B-B14F-4D97-AF65-F5344CB8AC3E}">
+        <p14:creationId xmlns:p14="http://schemas.microsoft.com/office/powerpoint/2010/main" val="3324868694"/>
+      </p:ext>
+    </p:extLst>
+  </p:cSld>
+  <p:clrMapOvr>
+    <a:masterClrMapping/>
+  </p:clrMapOvr>
+</p:sld>
+</file>
+
+<file path=ppt/slides/slide14.xml><?xml version="1.0" encoding="utf-8"?>
 <p:sld xmlns:a="http://schemas.openxmlformats.org/drawingml/2006/main" xmlns:r="http://schemas.openxmlformats.org/officeDocument/2006/relationships" xmlns:p="http://schemas.openxmlformats.org/presentationml/2006/main">
   <p:cSld>
     <p:spTree>
@@ -7120,9 +8572,10 @@
           <a:lstStyle/>
           <a:p>
             <a:r>
-              <a:rPr lang="de-DE" dirty="0"/>
-              <a:t>Implementierung mit HPX</a:t>
-            </a:r>
+              <a:rPr lang="de-DE"/>
+              <a:t>Implementierung: HPX</a:t>
+            </a:r>
+            <a:endParaRPr lang="de-DE" dirty="0"/>
           </a:p>
         </p:txBody>
       </p:sp>
@@ -7151,6 +8604,33 @@
               <a:rPr lang="de-DE" dirty="0"/>
               <a:t>Zusätzliche inkludierte Bibliotheken</a:t>
             </a:r>
+          </a:p>
+          <a:p>
+            <a:r>
+              <a:rPr lang="de-DE" dirty="0" err="1"/>
+              <a:t>Hpx</a:t>
+            </a:r>
+            <a:r>
+              <a:rPr lang="de-DE" dirty="0"/>
+              <a:t>::</a:t>
+            </a:r>
+            <a:r>
+              <a:rPr lang="de-DE" dirty="0" err="1"/>
+              <a:t>init</a:t>
+            </a:r>
+            <a:r>
+              <a:rPr lang="de-DE" dirty="0"/>
+              <a:t> erklären/ alternativen zeigen</a:t>
+            </a:r>
+          </a:p>
+          <a:p>
+            <a:r>
+              <a:rPr lang="de-DE" dirty="0"/>
+              <a:t>Bild vom Parallelisierten Teil</a:t>
+            </a:r>
+          </a:p>
+          <a:p>
+            <a:endParaRPr lang="de-DE" dirty="0"/>
           </a:p>
         </p:txBody>
       </p:sp>
@@ -7213,7 +8693,7 @@
           <a:p>
             <a:fld id="{E3C450BF-EACB-4BDE-AF0B-8B5969BCDFAB}" type="slidenum">
               <a:rPr lang="de-DE" smtClean="0"/>
-              <a:t>11</a:t>
+              <a:t>14</a:t>
             </a:fld>
             <a:endParaRPr lang="de-DE" dirty="0"/>
           </a:p>
@@ -7232,338 +8712,7 @@
 </p:sld>
 </file>
 
-<file path=ppt/slides/slide12.xml><?xml version="1.0" encoding="utf-8"?>
-<p:sld xmlns:a="http://schemas.openxmlformats.org/drawingml/2006/main" xmlns:r="http://schemas.openxmlformats.org/officeDocument/2006/relationships" xmlns:p="http://schemas.openxmlformats.org/presentationml/2006/main">
-  <p:cSld>
-    <p:spTree>
-      <p:nvGrpSpPr>
-        <p:cNvPr id="1" name=""/>
-        <p:cNvGrpSpPr/>
-        <p:nvPr/>
-      </p:nvGrpSpPr>
-      <p:grpSpPr>
-        <a:xfrm>
-          <a:off x="0" y="0"/>
-          <a:ext cx="0" cy="0"/>
-          <a:chOff x="0" y="0"/>
-          <a:chExt cx="0" cy="0"/>
-        </a:xfrm>
-      </p:grpSpPr>
-      <p:sp>
-        <p:nvSpPr>
-          <p:cNvPr id="2" name="Titel 1">
-            <a:extLst>
-              <a:ext uri="{FF2B5EF4-FFF2-40B4-BE49-F238E27FC236}">
-                <a16:creationId xmlns:a16="http://schemas.microsoft.com/office/drawing/2014/main" id="{FF316955-F4F4-43C1-AE0A-BCA0BE03595A}"/>
-              </a:ext>
-            </a:extLst>
-          </p:cNvPr>
-          <p:cNvSpPr>
-            <a:spLocks noGrp="1"/>
-          </p:cNvSpPr>
-          <p:nvPr>
-            <p:ph type="title"/>
-          </p:nvPr>
-        </p:nvSpPr>
-        <p:spPr/>
-        <p:txBody>
-          <a:bodyPr/>
-          <a:lstStyle/>
-          <a:p>
-            <a:r>
-              <a:rPr lang="de-DE" dirty="0"/>
-              <a:t>Implementierung mit HPX</a:t>
-            </a:r>
-          </a:p>
-        </p:txBody>
-      </p:sp>
-      <p:sp>
-        <p:nvSpPr>
-          <p:cNvPr id="3" name="Inhaltsplatzhalter 2">
-            <a:extLst>
-              <a:ext uri="{FF2B5EF4-FFF2-40B4-BE49-F238E27FC236}">
-                <a16:creationId xmlns:a16="http://schemas.microsoft.com/office/drawing/2014/main" id="{82FF9B7C-4D55-4426-B60C-0CD1EB388AB5}"/>
-              </a:ext>
-            </a:extLst>
-          </p:cNvPr>
-          <p:cNvSpPr>
-            <a:spLocks noGrp="1"/>
-          </p:cNvSpPr>
-          <p:nvPr>
-            <p:ph idx="1"/>
-          </p:nvPr>
-        </p:nvSpPr>
-        <p:spPr/>
-        <p:txBody>
-          <a:bodyPr/>
-          <a:lstStyle/>
-          <a:p>
-            <a:r>
-              <a:rPr lang="de-DE" dirty="0" err="1"/>
-              <a:t>Hpx</a:t>
-            </a:r>
-            <a:r>
-              <a:rPr lang="de-DE" dirty="0"/>
-              <a:t>::</a:t>
-            </a:r>
-            <a:r>
-              <a:rPr lang="de-DE" dirty="0" err="1"/>
-              <a:t>init</a:t>
-            </a:r>
-            <a:r>
-              <a:rPr lang="de-DE" dirty="0"/>
-              <a:t> &amp; </a:t>
-            </a:r>
-            <a:r>
-              <a:rPr lang="de-DE" dirty="0" err="1"/>
-              <a:t>hpx</a:t>
-            </a:r>
-            <a:r>
-              <a:rPr lang="de-DE" dirty="0"/>
-              <a:t>::</a:t>
-            </a:r>
-            <a:r>
-              <a:rPr lang="de-DE" dirty="0" err="1"/>
-              <a:t>main</a:t>
-            </a:r>
-            <a:endParaRPr lang="de-DE" dirty="0"/>
-          </a:p>
-        </p:txBody>
-      </p:sp>
-      <p:sp>
-        <p:nvSpPr>
-          <p:cNvPr id="4" name="Fußzeilenplatzhalter 3">
-            <a:extLst>
-              <a:ext uri="{FF2B5EF4-FFF2-40B4-BE49-F238E27FC236}">
-                <a16:creationId xmlns:a16="http://schemas.microsoft.com/office/drawing/2014/main" id="{4367F7BC-56D9-4C92-A9B2-99BA8B70E846}"/>
-              </a:ext>
-            </a:extLst>
-          </p:cNvPr>
-          <p:cNvSpPr>
-            <a:spLocks noGrp="1"/>
-          </p:cNvSpPr>
-          <p:nvPr>
-            <p:ph type="ftr" sz="quarter" idx="3"/>
-          </p:nvPr>
-        </p:nvSpPr>
-        <p:spPr/>
-        <p:txBody>
-          <a:bodyPr/>
-          <a:lstStyle/>
-          <a:p>
-            <a:r>
-              <a:rPr lang="de-DE"/>
-              <a:t>Andrey Ruzhanskiy</a:t>
-            </a:r>
-            <a:endParaRPr lang="de-DE" dirty="0"/>
-          </a:p>
-        </p:txBody>
-      </p:sp>
-      <p:sp>
-        <p:nvSpPr>
-          <p:cNvPr id="5" name="Textfeld 4">
-            <a:extLst>
-              <a:ext uri="{FF2B5EF4-FFF2-40B4-BE49-F238E27FC236}">
-                <a16:creationId xmlns:a16="http://schemas.microsoft.com/office/drawing/2014/main" id="{1491A0C8-97E6-4A39-8A30-E5B5BE536787}"/>
-              </a:ext>
-            </a:extLst>
-          </p:cNvPr>
-          <p:cNvSpPr txBox="1"/>
-          <p:nvPr/>
-        </p:nvSpPr>
-        <p:spPr>
-          <a:xfrm>
-            <a:off x="8014570" y="106918"/>
-            <a:ext cx="672230" cy="369332"/>
-          </a:xfrm>
-          <a:prstGeom prst="rect">
-            <a:avLst/>
-          </a:prstGeom>
-          <a:noFill/>
-        </p:spPr>
-        <p:txBody>
-          <a:bodyPr wrap="square" rtlCol="0">
-            <a:spAutoFit/>
-          </a:bodyPr>
-          <a:lstStyle/>
-          <a:p>
-            <a:fld id="{E3C450BF-EACB-4BDE-AF0B-8B5969BCDFAB}" type="slidenum">
-              <a:rPr lang="de-DE" smtClean="0"/>
-              <a:t>12</a:t>
-            </a:fld>
-            <a:endParaRPr lang="de-DE" dirty="0"/>
-          </a:p>
-        </p:txBody>
-      </p:sp>
-    </p:spTree>
-    <p:extLst>
-      <p:ext uri="{BB962C8B-B14F-4D97-AF65-F5344CB8AC3E}">
-        <p14:creationId xmlns:p14="http://schemas.microsoft.com/office/powerpoint/2010/main" val="2991382698"/>
-      </p:ext>
-    </p:extLst>
-  </p:cSld>
-  <p:clrMapOvr>
-    <a:masterClrMapping/>
-  </p:clrMapOvr>
-</p:sld>
-</file>
-
-<file path=ppt/slides/slide13.xml><?xml version="1.0" encoding="utf-8"?>
-<p:sld xmlns:a="http://schemas.openxmlformats.org/drawingml/2006/main" xmlns:r="http://schemas.openxmlformats.org/officeDocument/2006/relationships" xmlns:p="http://schemas.openxmlformats.org/presentationml/2006/main">
-  <p:cSld>
-    <p:spTree>
-      <p:nvGrpSpPr>
-        <p:cNvPr id="1" name=""/>
-        <p:cNvGrpSpPr/>
-        <p:nvPr/>
-      </p:nvGrpSpPr>
-      <p:grpSpPr>
-        <a:xfrm>
-          <a:off x="0" y="0"/>
-          <a:ext cx="0" cy="0"/>
-          <a:chOff x="0" y="0"/>
-          <a:chExt cx="0" cy="0"/>
-        </a:xfrm>
-      </p:grpSpPr>
-      <p:sp>
-        <p:nvSpPr>
-          <p:cNvPr id="2" name="Titel 1">
-            <a:extLst>
-              <a:ext uri="{FF2B5EF4-FFF2-40B4-BE49-F238E27FC236}">
-                <a16:creationId xmlns:a16="http://schemas.microsoft.com/office/drawing/2014/main" id="{2FDB0A41-25DC-438E-8CDC-52C28DEB4186}"/>
-              </a:ext>
-            </a:extLst>
-          </p:cNvPr>
-          <p:cNvSpPr>
-            <a:spLocks noGrp="1"/>
-          </p:cNvSpPr>
-          <p:nvPr>
-            <p:ph type="title"/>
-          </p:nvPr>
-        </p:nvSpPr>
-        <p:spPr/>
-        <p:txBody>
-          <a:bodyPr/>
-          <a:lstStyle/>
-          <a:p>
-            <a:r>
-              <a:rPr lang="de-DE" dirty="0"/>
-              <a:t>Implementierung mit HPX </a:t>
-            </a:r>
-          </a:p>
-        </p:txBody>
-      </p:sp>
-      <p:sp>
-        <p:nvSpPr>
-          <p:cNvPr id="3" name="Inhaltsplatzhalter 2">
-            <a:extLst>
-              <a:ext uri="{FF2B5EF4-FFF2-40B4-BE49-F238E27FC236}">
-                <a16:creationId xmlns:a16="http://schemas.microsoft.com/office/drawing/2014/main" id="{989F1498-A869-49D6-8709-7996B9A19504}"/>
-              </a:ext>
-            </a:extLst>
-          </p:cNvPr>
-          <p:cNvSpPr>
-            <a:spLocks noGrp="1"/>
-          </p:cNvSpPr>
-          <p:nvPr>
-            <p:ph idx="1"/>
-          </p:nvPr>
-        </p:nvSpPr>
-        <p:spPr/>
-        <p:txBody>
-          <a:bodyPr/>
-          <a:lstStyle/>
-          <a:p>
-            <a:r>
-              <a:rPr lang="de-DE" dirty="0" err="1"/>
-              <a:t>For</a:t>
-            </a:r>
-            <a:r>
-              <a:rPr lang="de-DE" dirty="0"/>
-              <a:t>-Schleife parallelisiert</a:t>
-            </a:r>
-          </a:p>
-        </p:txBody>
-      </p:sp>
-      <p:sp>
-        <p:nvSpPr>
-          <p:cNvPr id="4" name="Fußzeilenplatzhalter 3">
-            <a:extLst>
-              <a:ext uri="{FF2B5EF4-FFF2-40B4-BE49-F238E27FC236}">
-                <a16:creationId xmlns:a16="http://schemas.microsoft.com/office/drawing/2014/main" id="{035CA193-71E9-4B1A-9E7C-6905ED17085F}"/>
-              </a:ext>
-            </a:extLst>
-          </p:cNvPr>
-          <p:cNvSpPr>
-            <a:spLocks noGrp="1"/>
-          </p:cNvSpPr>
-          <p:nvPr>
-            <p:ph type="ftr" sz="quarter" idx="3"/>
-          </p:nvPr>
-        </p:nvSpPr>
-        <p:spPr/>
-        <p:txBody>
-          <a:bodyPr/>
-          <a:lstStyle/>
-          <a:p>
-            <a:r>
-              <a:rPr lang="de-DE"/>
-              <a:t>Andrey Ruzhanskiy</a:t>
-            </a:r>
-            <a:endParaRPr lang="de-DE" dirty="0"/>
-          </a:p>
-        </p:txBody>
-      </p:sp>
-      <p:sp>
-        <p:nvSpPr>
-          <p:cNvPr id="5" name="Textfeld 4">
-            <a:extLst>
-              <a:ext uri="{FF2B5EF4-FFF2-40B4-BE49-F238E27FC236}">
-                <a16:creationId xmlns:a16="http://schemas.microsoft.com/office/drawing/2014/main" id="{BA7C98B5-A838-4754-8C9A-0DA678EE821B}"/>
-              </a:ext>
-            </a:extLst>
-          </p:cNvPr>
-          <p:cNvSpPr txBox="1"/>
-          <p:nvPr/>
-        </p:nvSpPr>
-        <p:spPr>
-          <a:xfrm>
-            <a:off x="8014570" y="106918"/>
-            <a:ext cx="672230" cy="369332"/>
-          </a:xfrm>
-          <a:prstGeom prst="rect">
-            <a:avLst/>
-          </a:prstGeom>
-          <a:noFill/>
-        </p:spPr>
-        <p:txBody>
-          <a:bodyPr wrap="square" rtlCol="0">
-            <a:spAutoFit/>
-          </a:bodyPr>
-          <a:lstStyle/>
-          <a:p>
-            <a:fld id="{E3C450BF-EACB-4BDE-AF0B-8B5969BCDFAB}" type="slidenum">
-              <a:rPr lang="de-DE" smtClean="0"/>
-              <a:t>13</a:t>
-            </a:fld>
-            <a:endParaRPr lang="de-DE" dirty="0"/>
-          </a:p>
-        </p:txBody>
-      </p:sp>
-    </p:spTree>
-    <p:extLst>
-      <p:ext uri="{BB962C8B-B14F-4D97-AF65-F5344CB8AC3E}">
-        <p14:creationId xmlns:p14="http://schemas.microsoft.com/office/powerpoint/2010/main" val="2443556933"/>
-      </p:ext>
-    </p:extLst>
-  </p:cSld>
-  <p:clrMapOvr>
-    <a:masterClrMapping/>
-  </p:clrMapOvr>
-</p:sld>
-</file>
-
-<file path=ppt/slides/slide14.xml><?xml version="1.0" encoding="utf-8"?>
+<file path=ppt/slides/slide15.xml><?xml version="1.0" encoding="utf-8"?>
 <p:sld xmlns:a="http://schemas.openxmlformats.org/drawingml/2006/main" xmlns:r="http://schemas.openxmlformats.org/officeDocument/2006/relationships" xmlns:p="http://schemas.openxmlformats.org/presentationml/2006/main">
   <p:cSld>
     <p:spTree>
@@ -7636,7 +8785,47 @@
           <a:p>
             <a:r>
               <a:rPr lang="de-DE" dirty="0"/>
-              <a:t>Datenstruktur</a:t>
+              <a:t>Datenstruktur (Views zeigen), Besonderheiten erklären</a:t>
+            </a:r>
+          </a:p>
+          <a:p>
+            <a:r>
+              <a:rPr lang="de-DE" dirty="0" err="1"/>
+              <a:t>Kokkos</a:t>
+            </a:r>
+            <a:r>
+              <a:rPr lang="de-DE" dirty="0"/>
+              <a:t>::</a:t>
+            </a:r>
+            <a:r>
+              <a:rPr lang="de-DE" dirty="0" err="1"/>
+              <a:t>initialize</a:t>
+            </a:r>
+            <a:r>
+              <a:rPr lang="de-DE" dirty="0"/>
+              <a:t>/</a:t>
+            </a:r>
+            <a:r>
+              <a:rPr lang="de-DE" dirty="0" err="1"/>
+              <a:t>finalize</a:t>
+            </a:r>
+            <a:r>
+              <a:rPr lang="de-DE" dirty="0"/>
+              <a:t> erklären, Parallelen zu HPX ziehen</a:t>
+            </a:r>
+          </a:p>
+          <a:p>
+            <a:r>
+              <a:rPr lang="de-DE" dirty="0"/>
+              <a:t>Bild von Parallelisierter </a:t>
+            </a:r>
+            <a:r>
+              <a:rPr lang="de-DE" dirty="0" err="1"/>
+              <a:t>For</a:t>
+            </a:r>
+            <a:r>
+              <a:rPr lang="de-DE" dirty="0"/>
+              <a:t>-Schleife zeigen</a:t>
             </a:r>
           </a:p>
         </p:txBody>
@@ -7700,7 +8889,7 @@
           <a:p>
             <a:fld id="{E3C450BF-EACB-4BDE-AF0B-8B5969BCDFAB}" type="slidenum">
               <a:rPr lang="de-DE" smtClean="0"/>
-              <a:t>14</a:t>
+              <a:t>15</a:t>
             </a:fld>
             <a:endParaRPr lang="de-DE" dirty="0"/>
           </a:p>
@@ -7719,348 +8908,7 @@
 </p:sld>
 </file>
 
-<file path=ppt/slides/slide15.xml><?xml version="1.0" encoding="utf-8"?>
-<p:sld xmlns:a="http://schemas.openxmlformats.org/drawingml/2006/main" xmlns:r="http://schemas.openxmlformats.org/officeDocument/2006/relationships" xmlns:p="http://schemas.openxmlformats.org/presentationml/2006/main">
-  <p:cSld>
-    <p:spTree>
-      <p:nvGrpSpPr>
-        <p:cNvPr id="1" name=""/>
-        <p:cNvGrpSpPr/>
-        <p:nvPr/>
-      </p:nvGrpSpPr>
-      <p:grpSpPr>
-        <a:xfrm>
-          <a:off x="0" y="0"/>
-          <a:ext cx="0" cy="0"/>
-          <a:chOff x="0" y="0"/>
-          <a:chExt cx="0" cy="0"/>
-        </a:xfrm>
-      </p:grpSpPr>
-      <p:sp>
-        <p:nvSpPr>
-          <p:cNvPr id="2" name="Titel 1">
-            <a:extLst>
-              <a:ext uri="{FF2B5EF4-FFF2-40B4-BE49-F238E27FC236}">
-                <a16:creationId xmlns:a16="http://schemas.microsoft.com/office/drawing/2014/main" id="{176B844F-1FFA-45DF-A53F-B70FFD2DD79A}"/>
-              </a:ext>
-            </a:extLst>
-          </p:cNvPr>
-          <p:cNvSpPr>
-            <a:spLocks noGrp="1"/>
-          </p:cNvSpPr>
-          <p:nvPr>
-            <p:ph type="title"/>
-          </p:nvPr>
-        </p:nvSpPr>
-        <p:spPr/>
-        <p:txBody>
-          <a:bodyPr/>
-          <a:lstStyle/>
-          <a:p>
-            <a:r>
-              <a:rPr lang="de-DE" dirty="0"/>
-              <a:t>Implementierung mit </a:t>
-            </a:r>
-            <a:r>
-              <a:rPr lang="de-DE" dirty="0" err="1"/>
-              <a:t>Kokkos</a:t>
-            </a:r>
-            <a:endParaRPr lang="de-DE" dirty="0"/>
-          </a:p>
-        </p:txBody>
-      </p:sp>
-      <p:sp>
-        <p:nvSpPr>
-          <p:cNvPr id="3" name="Inhaltsplatzhalter 2">
-            <a:extLst>
-              <a:ext uri="{FF2B5EF4-FFF2-40B4-BE49-F238E27FC236}">
-                <a16:creationId xmlns:a16="http://schemas.microsoft.com/office/drawing/2014/main" id="{C8B249C3-CE7E-415B-8723-B44BCAF3281E}"/>
-              </a:ext>
-            </a:extLst>
-          </p:cNvPr>
-          <p:cNvSpPr>
-            <a:spLocks noGrp="1"/>
-          </p:cNvSpPr>
-          <p:nvPr>
-            <p:ph idx="1"/>
-          </p:nvPr>
-        </p:nvSpPr>
-        <p:spPr/>
-        <p:txBody>
-          <a:bodyPr/>
-          <a:lstStyle/>
-          <a:p>
-            <a:r>
-              <a:rPr lang="de-DE" dirty="0" err="1"/>
-              <a:t>Kokkos</a:t>
-            </a:r>
-            <a:r>
-              <a:rPr lang="de-DE" dirty="0"/>
-              <a:t>::</a:t>
-            </a:r>
-            <a:r>
-              <a:rPr lang="de-DE" dirty="0" err="1"/>
-              <a:t>initialize</a:t>
-            </a:r>
-            <a:r>
-              <a:rPr lang="de-DE" dirty="0"/>
-              <a:t> </a:t>
-            </a:r>
-            <a:r>
-              <a:rPr lang="de-DE" dirty="0" err="1"/>
-              <a:t>Kokkos</a:t>
-            </a:r>
-            <a:r>
-              <a:rPr lang="de-DE" dirty="0"/>
-              <a:t>::</a:t>
-            </a:r>
-            <a:r>
-              <a:rPr lang="de-DE" dirty="0" err="1"/>
-              <a:t>finalize</a:t>
-            </a:r>
-            <a:endParaRPr lang="de-DE" dirty="0"/>
-          </a:p>
-        </p:txBody>
-      </p:sp>
-      <p:sp>
-        <p:nvSpPr>
-          <p:cNvPr id="4" name="Fußzeilenplatzhalter 3">
-            <a:extLst>
-              <a:ext uri="{FF2B5EF4-FFF2-40B4-BE49-F238E27FC236}">
-                <a16:creationId xmlns:a16="http://schemas.microsoft.com/office/drawing/2014/main" id="{6D37FD15-D3AD-4F1E-B1BA-A85DD985E438}"/>
-              </a:ext>
-            </a:extLst>
-          </p:cNvPr>
-          <p:cNvSpPr>
-            <a:spLocks noGrp="1"/>
-          </p:cNvSpPr>
-          <p:nvPr>
-            <p:ph type="ftr" sz="quarter" idx="3"/>
-          </p:nvPr>
-        </p:nvSpPr>
-        <p:spPr/>
-        <p:txBody>
-          <a:bodyPr/>
-          <a:lstStyle/>
-          <a:p>
-            <a:r>
-              <a:rPr lang="de-DE"/>
-              <a:t>Andrey Ruzhanskiy</a:t>
-            </a:r>
-            <a:endParaRPr lang="de-DE" dirty="0"/>
-          </a:p>
-        </p:txBody>
-      </p:sp>
-      <p:sp>
-        <p:nvSpPr>
-          <p:cNvPr id="5" name="Textfeld 4">
-            <a:extLst>
-              <a:ext uri="{FF2B5EF4-FFF2-40B4-BE49-F238E27FC236}">
-                <a16:creationId xmlns:a16="http://schemas.microsoft.com/office/drawing/2014/main" id="{9DA46357-2203-46A5-8AA5-508DB4A2F3AD}"/>
-              </a:ext>
-            </a:extLst>
-          </p:cNvPr>
-          <p:cNvSpPr txBox="1"/>
-          <p:nvPr/>
-        </p:nvSpPr>
-        <p:spPr>
-          <a:xfrm>
-            <a:off x="8014570" y="106918"/>
-            <a:ext cx="672230" cy="369332"/>
-          </a:xfrm>
-          <a:prstGeom prst="rect">
-            <a:avLst/>
-          </a:prstGeom>
-          <a:noFill/>
-        </p:spPr>
-        <p:txBody>
-          <a:bodyPr wrap="square" rtlCol="0">
-            <a:spAutoFit/>
-          </a:bodyPr>
-          <a:lstStyle/>
-          <a:p>
-            <a:fld id="{E3C450BF-EACB-4BDE-AF0B-8B5969BCDFAB}" type="slidenum">
-              <a:rPr lang="de-DE" smtClean="0"/>
-              <a:t>15</a:t>
-            </a:fld>
-            <a:endParaRPr lang="de-DE" dirty="0"/>
-          </a:p>
-        </p:txBody>
-      </p:sp>
-    </p:spTree>
-    <p:extLst>
-      <p:ext uri="{BB962C8B-B14F-4D97-AF65-F5344CB8AC3E}">
-        <p14:creationId xmlns:p14="http://schemas.microsoft.com/office/powerpoint/2010/main" val="2606193093"/>
-      </p:ext>
-    </p:extLst>
-  </p:cSld>
-  <p:clrMapOvr>
-    <a:masterClrMapping/>
-  </p:clrMapOvr>
-</p:sld>
-</file>
-
 <file path=ppt/slides/slide16.xml><?xml version="1.0" encoding="utf-8"?>
-<p:sld xmlns:a="http://schemas.openxmlformats.org/drawingml/2006/main" xmlns:r="http://schemas.openxmlformats.org/officeDocument/2006/relationships" xmlns:p="http://schemas.openxmlformats.org/presentationml/2006/main">
-  <p:cSld>
-    <p:spTree>
-      <p:nvGrpSpPr>
-        <p:cNvPr id="1" name=""/>
-        <p:cNvGrpSpPr/>
-        <p:nvPr/>
-      </p:nvGrpSpPr>
-      <p:grpSpPr>
-        <a:xfrm>
-          <a:off x="0" y="0"/>
-          <a:ext cx="0" cy="0"/>
-          <a:chOff x="0" y="0"/>
-          <a:chExt cx="0" cy="0"/>
-        </a:xfrm>
-      </p:grpSpPr>
-      <p:sp>
-        <p:nvSpPr>
-          <p:cNvPr id="2" name="Titel 1">
-            <a:extLst>
-              <a:ext uri="{FF2B5EF4-FFF2-40B4-BE49-F238E27FC236}">
-                <a16:creationId xmlns:a16="http://schemas.microsoft.com/office/drawing/2014/main" id="{D66731FE-1BC1-4B13-916A-53C8541CD7F0}"/>
-              </a:ext>
-            </a:extLst>
-          </p:cNvPr>
-          <p:cNvSpPr>
-            <a:spLocks noGrp="1"/>
-          </p:cNvSpPr>
-          <p:nvPr>
-            <p:ph type="title"/>
-          </p:nvPr>
-        </p:nvSpPr>
-        <p:spPr/>
-        <p:txBody>
-          <a:bodyPr/>
-          <a:lstStyle/>
-          <a:p>
-            <a:r>
-              <a:rPr lang="de-DE" dirty="0"/>
-              <a:t>Implementierung mit </a:t>
-            </a:r>
-            <a:r>
-              <a:rPr lang="de-DE" dirty="0" err="1"/>
-              <a:t>Kokkos</a:t>
-            </a:r>
-            <a:endParaRPr lang="de-DE" dirty="0"/>
-          </a:p>
-        </p:txBody>
-      </p:sp>
-      <p:sp>
-        <p:nvSpPr>
-          <p:cNvPr id="3" name="Inhaltsplatzhalter 2">
-            <a:extLst>
-              <a:ext uri="{FF2B5EF4-FFF2-40B4-BE49-F238E27FC236}">
-                <a16:creationId xmlns:a16="http://schemas.microsoft.com/office/drawing/2014/main" id="{AF10C68D-F054-4354-959F-3B85959EF4D4}"/>
-              </a:ext>
-            </a:extLst>
-          </p:cNvPr>
-          <p:cNvSpPr>
-            <a:spLocks noGrp="1"/>
-          </p:cNvSpPr>
-          <p:nvPr>
-            <p:ph idx="1"/>
-          </p:nvPr>
-        </p:nvSpPr>
-        <p:spPr/>
-        <p:txBody>
-          <a:bodyPr/>
-          <a:lstStyle/>
-          <a:p>
-            <a:r>
-              <a:rPr lang="de-DE" dirty="0" err="1"/>
-              <a:t>For</a:t>
-            </a:r>
-            <a:r>
-              <a:rPr lang="de-DE" dirty="0"/>
-              <a:t>-Schleife Parallelisiert</a:t>
-            </a:r>
-          </a:p>
-        </p:txBody>
-      </p:sp>
-      <p:sp>
-        <p:nvSpPr>
-          <p:cNvPr id="4" name="Fußzeilenplatzhalter 3">
-            <a:extLst>
-              <a:ext uri="{FF2B5EF4-FFF2-40B4-BE49-F238E27FC236}">
-                <a16:creationId xmlns:a16="http://schemas.microsoft.com/office/drawing/2014/main" id="{5CF42561-DCEC-4A58-8A2B-A1DDED81C2F2}"/>
-              </a:ext>
-            </a:extLst>
-          </p:cNvPr>
-          <p:cNvSpPr>
-            <a:spLocks noGrp="1"/>
-          </p:cNvSpPr>
-          <p:nvPr>
-            <p:ph type="ftr" sz="quarter" idx="3"/>
-          </p:nvPr>
-        </p:nvSpPr>
-        <p:spPr/>
-        <p:txBody>
-          <a:bodyPr/>
-          <a:lstStyle/>
-          <a:p>
-            <a:r>
-              <a:rPr lang="de-DE"/>
-              <a:t>Andrey Ruzhanskiy</a:t>
-            </a:r>
-            <a:endParaRPr lang="de-DE" dirty="0"/>
-          </a:p>
-        </p:txBody>
-      </p:sp>
-      <p:sp>
-        <p:nvSpPr>
-          <p:cNvPr id="5" name="Textfeld 4">
-            <a:extLst>
-              <a:ext uri="{FF2B5EF4-FFF2-40B4-BE49-F238E27FC236}">
-                <a16:creationId xmlns:a16="http://schemas.microsoft.com/office/drawing/2014/main" id="{2FA0DF51-9ED2-47C1-AB00-AF1EBDC54D76}"/>
-              </a:ext>
-            </a:extLst>
-          </p:cNvPr>
-          <p:cNvSpPr txBox="1"/>
-          <p:nvPr/>
-        </p:nvSpPr>
-        <p:spPr>
-          <a:xfrm>
-            <a:off x="8014570" y="106918"/>
-            <a:ext cx="672230" cy="369332"/>
-          </a:xfrm>
-          <a:prstGeom prst="rect">
-            <a:avLst/>
-          </a:prstGeom>
-          <a:noFill/>
-        </p:spPr>
-        <p:txBody>
-          <a:bodyPr wrap="square" rtlCol="0">
-            <a:spAutoFit/>
-          </a:bodyPr>
-          <a:lstStyle/>
-          <a:p>
-            <a:fld id="{E3C450BF-EACB-4BDE-AF0B-8B5969BCDFAB}" type="slidenum">
-              <a:rPr lang="de-DE" smtClean="0"/>
-              <a:t>16</a:t>
-            </a:fld>
-            <a:endParaRPr lang="de-DE" dirty="0"/>
-          </a:p>
-        </p:txBody>
-      </p:sp>
-    </p:spTree>
-    <p:extLst>
-      <p:ext uri="{BB962C8B-B14F-4D97-AF65-F5344CB8AC3E}">
-        <p14:creationId xmlns:p14="http://schemas.microsoft.com/office/powerpoint/2010/main" val="847484448"/>
-      </p:ext>
-    </p:extLst>
-  </p:cSld>
-  <p:clrMapOvr>
-    <a:masterClrMapping/>
-  </p:clrMapOvr>
-</p:sld>
-</file>
-
-<file path=ppt/slides/slide17.xml><?xml version="1.0" encoding="utf-8"?>
 <p:sld xmlns:a="http://schemas.openxmlformats.org/drawingml/2006/main" xmlns:r="http://schemas.openxmlformats.org/officeDocument/2006/relationships" xmlns:p="http://schemas.openxmlformats.org/presentationml/2006/main">
   <p:cSld>
     <p:spTree>
@@ -8147,7 +8995,7 @@
 </p:sld>
 </file>
 
-<file path=ppt/slides/slide18.xml><?xml version="1.0" encoding="utf-8"?>
+<file path=ppt/slides/slide17.xml><?xml version="1.0" encoding="utf-8"?>
 <p:sld xmlns:a="http://schemas.openxmlformats.org/drawingml/2006/main" xmlns:r="http://schemas.openxmlformats.org/officeDocument/2006/relationships" xmlns:p="http://schemas.openxmlformats.org/presentationml/2006/main">
   <p:cSld>
     <p:spTree>
@@ -8213,7 +9061,95 @@
           <a:bodyPr/>
           <a:lstStyle/>
           <a:p>
-            <a:endParaRPr lang="de-DE"/>
+            <a:r>
+              <a:rPr lang="de-DE" dirty="0"/>
+              <a:t>Folgendes sind persönliche Einschätzungen, da qualitative Messungen/Betrachtungen nach Mehr-Augen-Prinzip funktionieren und somit nicht möglich waren </a:t>
+            </a:r>
+          </a:p>
+          <a:p>
+            <a:r>
+              <a:rPr lang="de-DE" dirty="0"/>
+              <a:t>Allg. einfaches Aufsetzen, verweis auf Doku im </a:t>
+            </a:r>
+            <a:r>
+              <a:rPr lang="de-DE" dirty="0" err="1"/>
+              <a:t>Github</a:t>
+            </a:r>
+            <a:r>
+              <a:rPr lang="de-DE" dirty="0"/>
+              <a:t> </a:t>
+            </a:r>
+            <a:r>
+              <a:rPr lang="de-DE" dirty="0" err="1"/>
+              <a:t>Repo</a:t>
+            </a:r>
+            <a:endParaRPr lang="de-DE" dirty="0"/>
+          </a:p>
+          <a:p>
+            <a:r>
+              <a:rPr lang="de-DE" dirty="0"/>
+              <a:t>Doku hat allerdings kleine, aber einfach zu behebende Fehler (</a:t>
+            </a:r>
+            <a:r>
+              <a:rPr lang="de-DE" dirty="0" err="1"/>
+              <a:t>hwloc</a:t>
+            </a:r>
+            <a:r>
+              <a:rPr lang="de-DE" dirty="0"/>
+              <a:t> nicht als Pflicht aufgelistet, allerdings wirft </a:t>
+            </a:r>
+            <a:r>
+              <a:rPr lang="de-DE" dirty="0" err="1"/>
+              <a:t>make</a:t>
+            </a:r>
+            <a:r>
+              <a:rPr lang="de-DE" dirty="0"/>
+              <a:t> Fehler auf (Bild vom Fehler))</a:t>
+            </a:r>
+          </a:p>
+          <a:p>
+            <a:r>
+              <a:rPr lang="de-DE" dirty="0"/>
+              <a:t>Problematisch: Implementierung-&gt; Schwere Navigation/Repräsentation von Funktionalitäten, die man nutzen kann. Viel </a:t>
+            </a:r>
+            <a:r>
+              <a:rPr lang="de-DE" dirty="0" err="1"/>
+              <a:t>Trail&amp;Error</a:t>
+            </a:r>
+            <a:r>
+              <a:rPr lang="de-DE" dirty="0"/>
+              <a:t>, Beispiele kaum Dokumentiert (Lediglich Code-Snippets) Bilder von: 1. Riesiger </a:t>
+            </a:r>
+            <a:r>
+              <a:rPr lang="de-DE" dirty="0" err="1"/>
+              <a:t>html</a:t>
+            </a:r>
+            <a:r>
+              <a:rPr lang="de-DE" dirty="0"/>
+              <a:t> Seite 2. Code Snippet </a:t>
+            </a:r>
+          </a:p>
+          <a:p>
+            <a:r>
+              <a:rPr lang="de-DE" dirty="0"/>
+              <a:t>Kompilieren ohne Probleme mit </a:t>
+            </a:r>
+            <a:r>
+              <a:rPr lang="de-DE" dirty="0" err="1"/>
+              <a:t>cmake</a:t>
+            </a:r>
+            <a:r>
+              <a:rPr lang="de-DE" dirty="0"/>
+              <a:t> (einbinden von HPX mittels </a:t>
+            </a:r>
+            <a:r>
+              <a:rPr lang="de-DE" dirty="0" err="1"/>
+              <a:t>find_package</a:t>
+            </a:r>
+            <a:r>
+              <a:rPr lang="de-DE" dirty="0"/>
+              <a:t>(HPX))</a:t>
+            </a:r>
           </a:p>
         </p:txBody>
       </p:sp>
@@ -8276,7 +9212,7 @@
           <a:p>
             <a:fld id="{E3C450BF-EACB-4BDE-AF0B-8B5969BCDFAB}" type="slidenum">
               <a:rPr lang="de-DE" smtClean="0"/>
-              <a:t>18</a:t>
+              <a:t>17</a:t>
             </a:fld>
             <a:endParaRPr lang="de-DE" dirty="0"/>
           </a:p>
@@ -8295,7 +9231,7 @@
 </p:sld>
 </file>
 
-<file path=ppt/slides/slide19.xml><?xml version="1.0" encoding="utf-8"?>
+<file path=ppt/slides/slide18.xml><?xml version="1.0" encoding="utf-8"?>
 <p:sld xmlns:a="http://schemas.openxmlformats.org/drawingml/2006/main" xmlns:r="http://schemas.openxmlformats.org/officeDocument/2006/relationships" xmlns:p="http://schemas.openxmlformats.org/presentationml/2006/main">
   <p:cSld>
     <p:spTree>
@@ -8378,6 +9314,286 @@
     <p:extLst>
       <p:ext uri="{BB962C8B-B14F-4D97-AF65-F5344CB8AC3E}">
         <p14:creationId xmlns:p14="http://schemas.microsoft.com/office/powerpoint/2010/main" val="279564224"/>
+      </p:ext>
+    </p:extLst>
+  </p:cSld>
+  <p:clrMapOvr>
+    <a:masterClrMapping/>
+  </p:clrMapOvr>
+</p:sld>
+</file>
+
+<file path=ppt/slides/slide19.xml><?xml version="1.0" encoding="utf-8"?>
+<p:sld xmlns:a="http://schemas.openxmlformats.org/drawingml/2006/main" xmlns:r="http://schemas.openxmlformats.org/officeDocument/2006/relationships" xmlns:p="http://schemas.openxmlformats.org/presentationml/2006/main">
+  <p:cSld>
+    <p:spTree>
+      <p:nvGrpSpPr>
+        <p:cNvPr id="1" name=""/>
+        <p:cNvGrpSpPr/>
+        <p:nvPr/>
+      </p:nvGrpSpPr>
+      <p:grpSpPr>
+        <a:xfrm>
+          <a:off x="0" y="0"/>
+          <a:ext cx="0" cy="0"/>
+          <a:chOff x="0" y="0"/>
+          <a:chExt cx="0" cy="0"/>
+        </a:xfrm>
+      </p:grpSpPr>
+      <p:sp>
+        <p:nvSpPr>
+          <p:cNvPr id="2" name="Titel 1">
+            <a:extLst>
+              <a:ext uri="{FF2B5EF4-FFF2-40B4-BE49-F238E27FC236}">
+                <a16:creationId xmlns:a16="http://schemas.microsoft.com/office/drawing/2014/main" id="{202DE73F-74F5-4AF8-9022-4D5AD8C07A29}"/>
+              </a:ext>
+            </a:extLst>
+          </p:cNvPr>
+          <p:cNvSpPr>
+            <a:spLocks noGrp="1"/>
+          </p:cNvSpPr>
+          <p:nvPr>
+            <p:ph type="title"/>
+          </p:nvPr>
+        </p:nvSpPr>
+        <p:spPr/>
+        <p:txBody>
+          <a:bodyPr/>
+          <a:lstStyle/>
+          <a:p>
+            <a:r>
+              <a:rPr lang="de-DE" dirty="0"/>
+              <a:t>Erfahrungen mit </a:t>
+            </a:r>
+            <a:r>
+              <a:rPr lang="de-DE" dirty="0" err="1"/>
+              <a:t>Kokkos</a:t>
+            </a:r>
+            <a:endParaRPr lang="de-DE" dirty="0"/>
+          </a:p>
+        </p:txBody>
+      </p:sp>
+      <p:sp>
+        <p:nvSpPr>
+          <p:cNvPr id="3" name="Inhaltsplatzhalter 2">
+            <a:extLst>
+              <a:ext uri="{FF2B5EF4-FFF2-40B4-BE49-F238E27FC236}">
+                <a16:creationId xmlns:a16="http://schemas.microsoft.com/office/drawing/2014/main" id="{2807C3EC-7854-4C82-B10F-FE3D7180B17A}"/>
+              </a:ext>
+            </a:extLst>
+          </p:cNvPr>
+          <p:cNvSpPr>
+            <a:spLocks noGrp="1"/>
+          </p:cNvSpPr>
+          <p:nvPr>
+            <p:ph idx="1"/>
+          </p:nvPr>
+        </p:nvSpPr>
+        <p:spPr/>
+        <p:txBody>
+          <a:bodyPr/>
+          <a:lstStyle/>
+          <a:p>
+            <a:r>
+              <a:rPr lang="de-DE" dirty="0"/>
+              <a:t>Allg. einfaches Implementieren da </a:t>
+            </a:r>
+            <a:r>
+              <a:rPr lang="de-DE" dirty="0" err="1"/>
+              <a:t>kokkos</a:t>
+            </a:r>
+            <a:r>
+              <a:rPr lang="de-DE" dirty="0"/>
+              <a:t> umfangreiche Dokumentation zu mitgelieferten (!) Code Beispielen liefert. -&gt; Vielzahl von Funktionalitäten der Bibliothek damit abgebildet</a:t>
+            </a:r>
+          </a:p>
+          <a:p>
+            <a:r>
+              <a:rPr lang="de-DE" dirty="0"/>
+              <a:t>Bild: 1. Code Beispiel 2. Präsentation aus dem </a:t>
+            </a:r>
+            <a:r>
+              <a:rPr lang="de-DE" dirty="0" err="1"/>
+              <a:t>tutorials-Repo</a:t>
+            </a:r>
+            <a:endParaRPr lang="de-DE" dirty="0"/>
+          </a:p>
+          <a:p>
+            <a:r>
+              <a:rPr lang="de-DE" dirty="0"/>
+              <a:t>Problematisch: Aufsetzen der Bibliothek-&gt;  </a:t>
+            </a:r>
+            <a:r>
+              <a:rPr lang="de-DE" dirty="0" err="1"/>
+              <a:t>generierung</a:t>
+            </a:r>
+            <a:r>
+              <a:rPr lang="de-DE" dirty="0"/>
+              <a:t> durch .</a:t>
+            </a:r>
+            <a:r>
+              <a:rPr lang="de-DE" dirty="0" err="1"/>
+              <a:t>bash</a:t>
+            </a:r>
+            <a:r>
+              <a:rPr lang="de-DE" dirty="0"/>
+              <a:t> </a:t>
+            </a:r>
+            <a:r>
+              <a:rPr lang="de-DE" dirty="0" err="1"/>
+              <a:t>datei</a:t>
+            </a:r>
+            <a:r>
+              <a:rPr lang="de-DE" dirty="0"/>
+              <a:t>, allerdings </a:t>
+            </a:r>
+            <a:r>
+              <a:rPr lang="de-DE" dirty="0" err="1"/>
+              <a:t>vielzahl</a:t>
+            </a:r>
+            <a:r>
+              <a:rPr lang="de-DE" dirty="0"/>
+              <a:t> von Flags möglich, die in Doku nicht erwähnt werden.</a:t>
+            </a:r>
+          </a:p>
+          <a:p>
+            <a:r>
+              <a:rPr lang="de-DE" dirty="0"/>
+              <a:t>Kompilieren erzeugt viele Probleme: </a:t>
+            </a:r>
+            <a:r>
+              <a:rPr lang="de-DE" dirty="0" err="1"/>
+              <a:t>Verweiß</a:t>
+            </a:r>
+            <a:r>
+              <a:rPr lang="de-DE" dirty="0"/>
+              <a:t> auf große, von </a:t>
+            </a:r>
+            <a:r>
+              <a:rPr lang="de-DE" dirty="0" err="1"/>
+              <a:t>Kokkos</a:t>
+            </a:r>
+            <a:r>
+              <a:rPr lang="de-DE" dirty="0"/>
+              <a:t> mitgelieferte </a:t>
+            </a:r>
+            <a:r>
+              <a:rPr lang="de-DE" dirty="0" err="1"/>
+              <a:t>Makefile</a:t>
+            </a:r>
+            <a:r>
+              <a:rPr lang="de-DE" dirty="0"/>
+              <a:t> nötig, dadurch schwieriges Debugging. Wie man diese einbinden soll, ist nicht erklärt</a:t>
+            </a:r>
+            <a:r>
+              <a:rPr lang="de-DE" dirty="0">
+                <a:sym typeface="Wingdings" panose="05000000000000000000" pitchFamily="2" charset="2"/>
+              </a:rPr>
+              <a:t> Trial and </a:t>
+            </a:r>
+            <a:r>
+              <a:rPr lang="de-DE" dirty="0" err="1">
+                <a:sym typeface="Wingdings" panose="05000000000000000000" pitchFamily="2" charset="2"/>
+              </a:rPr>
+              <a:t>error</a:t>
+            </a:r>
+            <a:r>
+              <a:rPr lang="de-DE" dirty="0">
+                <a:sym typeface="Wingdings" panose="05000000000000000000" pitchFamily="2" charset="2"/>
+              </a:rPr>
+              <a:t>, schlussendlich </a:t>
+            </a:r>
+            <a:r>
+              <a:rPr lang="de-DE" dirty="0" err="1">
+                <a:sym typeface="Wingdings" panose="05000000000000000000" pitchFamily="2" charset="2"/>
+              </a:rPr>
+              <a:t>Makefiles</a:t>
+            </a:r>
+            <a:r>
+              <a:rPr lang="de-DE" dirty="0">
+                <a:sym typeface="Wingdings" panose="05000000000000000000" pitchFamily="2" charset="2"/>
+              </a:rPr>
+              <a:t> von den Codebeispielen genommen und angepasst</a:t>
+            </a:r>
+            <a:endParaRPr lang="de-DE" dirty="0"/>
+          </a:p>
+          <a:p>
+            <a:endParaRPr lang="de-DE" dirty="0"/>
+          </a:p>
+          <a:p>
+            <a:endParaRPr lang="de-DE" dirty="0"/>
+          </a:p>
+        </p:txBody>
+      </p:sp>
+      <p:sp>
+        <p:nvSpPr>
+          <p:cNvPr id="4" name="Fußzeilenplatzhalter 3">
+            <a:extLst>
+              <a:ext uri="{FF2B5EF4-FFF2-40B4-BE49-F238E27FC236}">
+                <a16:creationId xmlns:a16="http://schemas.microsoft.com/office/drawing/2014/main" id="{471D4F1F-20A9-49B8-A995-7595AD846E24}"/>
+              </a:ext>
+            </a:extLst>
+          </p:cNvPr>
+          <p:cNvSpPr>
+            <a:spLocks noGrp="1"/>
+          </p:cNvSpPr>
+          <p:nvPr>
+            <p:ph type="ftr" sz="quarter" idx="3"/>
+          </p:nvPr>
+        </p:nvSpPr>
+        <p:spPr/>
+        <p:txBody>
+          <a:bodyPr/>
+          <a:lstStyle/>
+          <a:p>
+            <a:r>
+              <a:rPr lang="de-DE"/>
+              <a:t>Andrey Ruzhanskiy</a:t>
+            </a:r>
+            <a:endParaRPr lang="de-DE" dirty="0"/>
+          </a:p>
+        </p:txBody>
+      </p:sp>
+      <p:sp>
+        <p:nvSpPr>
+          <p:cNvPr id="5" name="Textfeld 4">
+            <a:extLst>
+              <a:ext uri="{FF2B5EF4-FFF2-40B4-BE49-F238E27FC236}">
+                <a16:creationId xmlns:a16="http://schemas.microsoft.com/office/drawing/2014/main" id="{3706F2AA-8A9F-4AF2-9495-A5ED04540083}"/>
+              </a:ext>
+            </a:extLst>
+          </p:cNvPr>
+          <p:cNvSpPr txBox="1"/>
+          <p:nvPr/>
+        </p:nvSpPr>
+        <p:spPr>
+          <a:xfrm>
+            <a:off x="8014570" y="106918"/>
+            <a:ext cx="672230" cy="369332"/>
+          </a:xfrm>
+          <a:prstGeom prst="rect">
+            <a:avLst/>
+          </a:prstGeom>
+          <a:noFill/>
+        </p:spPr>
+        <p:txBody>
+          <a:bodyPr wrap="square" rtlCol="0">
+            <a:spAutoFit/>
+          </a:bodyPr>
+          <a:lstStyle/>
+          <a:p>
+            <a:fld id="{E3C450BF-EACB-4BDE-AF0B-8B5969BCDFAB}" type="slidenum">
+              <a:rPr lang="de-DE" smtClean="0"/>
+              <a:t>19</a:t>
+            </a:fld>
+            <a:endParaRPr lang="de-DE" dirty="0"/>
+          </a:p>
+        </p:txBody>
+      </p:sp>
+    </p:spTree>
+    <p:extLst>
+      <p:ext uri="{BB962C8B-B14F-4D97-AF65-F5344CB8AC3E}">
+        <p14:creationId xmlns:p14="http://schemas.microsoft.com/office/powerpoint/2010/main" val="3178489546"/>
       </p:ext>
     </p:extLst>
   </p:cSld>
@@ -8633,159 +9849,6 @@
       </p:grpSpPr>
       <p:sp>
         <p:nvSpPr>
-          <p:cNvPr id="2" name="Titel 1">
-            <a:extLst>
-              <a:ext uri="{FF2B5EF4-FFF2-40B4-BE49-F238E27FC236}">
-                <a16:creationId xmlns:a16="http://schemas.microsoft.com/office/drawing/2014/main" id="{202DE73F-74F5-4AF8-9022-4D5AD8C07A29}"/>
-              </a:ext>
-            </a:extLst>
-          </p:cNvPr>
-          <p:cNvSpPr>
-            <a:spLocks noGrp="1"/>
-          </p:cNvSpPr>
-          <p:nvPr>
-            <p:ph type="title"/>
-          </p:nvPr>
-        </p:nvSpPr>
-        <p:spPr/>
-        <p:txBody>
-          <a:bodyPr/>
-          <a:lstStyle/>
-          <a:p>
-            <a:r>
-              <a:rPr lang="de-DE" dirty="0"/>
-              <a:t>Erfahrungen mit </a:t>
-            </a:r>
-            <a:r>
-              <a:rPr lang="de-DE" dirty="0" err="1"/>
-              <a:t>Kokkos</a:t>
-            </a:r>
-            <a:endParaRPr lang="de-DE" dirty="0"/>
-          </a:p>
-        </p:txBody>
-      </p:sp>
-      <p:sp>
-        <p:nvSpPr>
-          <p:cNvPr id="3" name="Inhaltsplatzhalter 2">
-            <a:extLst>
-              <a:ext uri="{FF2B5EF4-FFF2-40B4-BE49-F238E27FC236}">
-                <a16:creationId xmlns:a16="http://schemas.microsoft.com/office/drawing/2014/main" id="{2807C3EC-7854-4C82-B10F-FE3D7180B17A}"/>
-              </a:ext>
-            </a:extLst>
-          </p:cNvPr>
-          <p:cNvSpPr>
-            <a:spLocks noGrp="1"/>
-          </p:cNvSpPr>
-          <p:nvPr>
-            <p:ph idx="1"/>
-          </p:nvPr>
-        </p:nvSpPr>
-        <p:spPr/>
-        <p:txBody>
-          <a:bodyPr/>
-          <a:lstStyle/>
-          <a:p>
-            <a:endParaRPr lang="de-DE"/>
-          </a:p>
-        </p:txBody>
-      </p:sp>
-      <p:sp>
-        <p:nvSpPr>
-          <p:cNvPr id="4" name="Fußzeilenplatzhalter 3">
-            <a:extLst>
-              <a:ext uri="{FF2B5EF4-FFF2-40B4-BE49-F238E27FC236}">
-                <a16:creationId xmlns:a16="http://schemas.microsoft.com/office/drawing/2014/main" id="{471D4F1F-20A9-49B8-A995-7595AD846E24}"/>
-              </a:ext>
-            </a:extLst>
-          </p:cNvPr>
-          <p:cNvSpPr>
-            <a:spLocks noGrp="1"/>
-          </p:cNvSpPr>
-          <p:nvPr>
-            <p:ph type="ftr" sz="quarter" idx="3"/>
-          </p:nvPr>
-        </p:nvSpPr>
-        <p:spPr/>
-        <p:txBody>
-          <a:bodyPr/>
-          <a:lstStyle/>
-          <a:p>
-            <a:r>
-              <a:rPr lang="de-DE"/>
-              <a:t>Andrey Ruzhanskiy</a:t>
-            </a:r>
-            <a:endParaRPr lang="de-DE" dirty="0"/>
-          </a:p>
-        </p:txBody>
-      </p:sp>
-      <p:sp>
-        <p:nvSpPr>
-          <p:cNvPr id="5" name="Textfeld 4">
-            <a:extLst>
-              <a:ext uri="{FF2B5EF4-FFF2-40B4-BE49-F238E27FC236}">
-                <a16:creationId xmlns:a16="http://schemas.microsoft.com/office/drawing/2014/main" id="{3706F2AA-8A9F-4AF2-9495-A5ED04540083}"/>
-              </a:ext>
-            </a:extLst>
-          </p:cNvPr>
-          <p:cNvSpPr txBox="1"/>
-          <p:nvPr/>
-        </p:nvSpPr>
-        <p:spPr>
-          <a:xfrm>
-            <a:off x="8014570" y="106918"/>
-            <a:ext cx="672230" cy="369332"/>
-          </a:xfrm>
-          <a:prstGeom prst="rect">
-            <a:avLst/>
-          </a:prstGeom>
-          <a:noFill/>
-        </p:spPr>
-        <p:txBody>
-          <a:bodyPr wrap="square" rtlCol="0">
-            <a:spAutoFit/>
-          </a:bodyPr>
-          <a:lstStyle/>
-          <a:p>
-            <a:fld id="{E3C450BF-EACB-4BDE-AF0B-8B5969BCDFAB}" type="slidenum">
-              <a:rPr lang="de-DE" smtClean="0"/>
-              <a:t>20</a:t>
-            </a:fld>
-            <a:endParaRPr lang="de-DE" dirty="0"/>
-          </a:p>
-        </p:txBody>
-      </p:sp>
-    </p:spTree>
-    <p:extLst>
-      <p:ext uri="{BB962C8B-B14F-4D97-AF65-F5344CB8AC3E}">
-        <p14:creationId xmlns:p14="http://schemas.microsoft.com/office/powerpoint/2010/main" val="3178489546"/>
-      </p:ext>
-    </p:extLst>
-  </p:cSld>
-  <p:clrMapOvr>
-    <a:masterClrMapping/>
-  </p:clrMapOvr>
-</p:sld>
-</file>
-
-<file path=ppt/slides/slide21.xml><?xml version="1.0" encoding="utf-8"?>
-<p:sld xmlns:a="http://schemas.openxmlformats.org/drawingml/2006/main" xmlns:r="http://schemas.openxmlformats.org/officeDocument/2006/relationships" xmlns:p="http://schemas.openxmlformats.org/presentationml/2006/main">
-  <p:cSld>
-    <p:spTree>
-      <p:nvGrpSpPr>
-        <p:cNvPr id="1" name=""/>
-        <p:cNvGrpSpPr/>
-        <p:nvPr/>
-      </p:nvGrpSpPr>
-      <p:grpSpPr>
-        <a:xfrm>
-          <a:off x="0" y="0"/>
-          <a:ext cx="0" cy="0"/>
-          <a:chOff x="0" y="0"/>
-          <a:chExt cx="0" cy="0"/>
-        </a:xfrm>
-      </p:grpSpPr>
-      <p:sp>
-        <p:nvSpPr>
           <p:cNvPr id="2" name="Fußzeilenplatzhalter 1">
             <a:extLst>
               <a:ext uri="{FF2B5EF4-FFF2-40B4-BE49-F238E27FC236}">
@@ -8854,7 +9917,7 @@
 </p:sld>
 </file>
 
-<file path=ppt/slides/slide22.xml><?xml version="1.0" encoding="utf-8"?>
+<file path=ppt/slides/slide21.xml><?xml version="1.0" encoding="utf-8"?>
 <p:sld xmlns:a="http://schemas.openxmlformats.org/drawingml/2006/main" xmlns:r="http://schemas.openxmlformats.org/officeDocument/2006/relationships" xmlns:p="http://schemas.openxmlformats.org/presentationml/2006/main">
   <p:cSld>
     <p:spTree>
@@ -8920,7 +9983,59 @@
           <a:bodyPr/>
           <a:lstStyle/>
           <a:p>
-            <a:endParaRPr lang="de-DE"/>
+            <a:r>
+              <a:rPr lang="de-DE" dirty="0"/>
+              <a:t>HPX einfach aufzusetzen, Implementation schwieriger: -&gt; 3 Stunden Tutorials im Internet bei Workshops erwähnen</a:t>
+            </a:r>
+          </a:p>
+          <a:p>
+            <a:r>
+              <a:rPr lang="de-DE" dirty="0" err="1"/>
+              <a:t>Kokkos</a:t>
+            </a:r>
+            <a:r>
+              <a:rPr lang="de-DE" dirty="0"/>
+              <a:t> einfach Code zu produzieren, Installation schwierig</a:t>
+            </a:r>
+          </a:p>
+          <a:p>
+            <a:r>
+              <a:rPr lang="de-DE" dirty="0"/>
+              <a:t>Wünschenswert Kombination aus beiden</a:t>
+            </a:r>
+          </a:p>
+          <a:p>
+            <a:r>
+              <a:rPr lang="de-DE" dirty="0"/>
+              <a:t>Tendenz schwanke innerhalb der Ausarbeitung</a:t>
+            </a:r>
+          </a:p>
+          <a:p>
+            <a:r>
+              <a:rPr lang="de-DE" dirty="0"/>
+              <a:t>		- Hardware-Ausfall </a:t>
+            </a:r>
+            <a:r>
+              <a:rPr lang="de-DE" dirty="0">
+                <a:sym typeface="Wingdings" panose="05000000000000000000" pitchFamily="2" charset="2"/>
+              </a:rPr>
+              <a:t> Tendenz zu HPX</a:t>
+            </a:r>
+          </a:p>
+          <a:p>
+            <a:r>
+              <a:rPr lang="de-DE" dirty="0">
+                <a:sym typeface="Wingdings" panose="05000000000000000000" pitchFamily="2" charset="2"/>
+              </a:rPr>
+              <a:t>	- Anfängliche Implementierungsphase --&gt; Tendenz zu </a:t>
+            </a:r>
+            <a:r>
+              <a:rPr lang="de-DE" dirty="0" err="1">
+                <a:sym typeface="Wingdings" panose="05000000000000000000" pitchFamily="2" charset="2"/>
+              </a:rPr>
+              <a:t>Kokkos</a:t>
+            </a:r>
+            <a:endParaRPr lang="de-DE" dirty="0"/>
           </a:p>
         </p:txBody>
       </p:sp>
@@ -8983,7 +10098,7 @@
           <a:p>
             <a:fld id="{E3C450BF-EACB-4BDE-AF0B-8B5969BCDFAB}" type="slidenum">
               <a:rPr lang="de-DE" smtClean="0"/>
-              <a:t>22</a:t>
+              <a:t>21</a:t>
             </a:fld>
             <a:endParaRPr lang="de-DE" dirty="0"/>
           </a:p>
@@ -9002,7 +10117,7 @@
 </p:sld>
 </file>
 
-<file path=ppt/slides/slide23.xml><?xml version="1.0" encoding="utf-8"?>
+<file path=ppt/slides/slide22.xml><?xml version="1.0" encoding="utf-8"?>
 <p:sld xmlns:a="http://schemas.openxmlformats.org/drawingml/2006/main" xmlns:r="http://schemas.openxmlformats.org/officeDocument/2006/relationships" xmlns:p="http://schemas.openxmlformats.org/presentationml/2006/main">
   <p:cSld>
     <p:spTree>
@@ -9089,7 +10204,7 @@
 </p:sld>
 </file>
 
-<file path=ppt/slides/slide24.xml><?xml version="1.0" encoding="utf-8"?>
+<file path=ppt/slides/slide23.xml><?xml version="1.0" encoding="utf-8"?>
 <p:sld xmlns:a="http://schemas.openxmlformats.org/drawingml/2006/main" xmlns:r="http://schemas.openxmlformats.org/officeDocument/2006/relationships" xmlns:p="http://schemas.openxmlformats.org/presentationml/2006/main">
   <p:cSld>
     <p:spTree>
@@ -9162,9 +10277,28 @@
           </a:p>
           <a:p>
             <a:r>
-              <a:rPr lang="de-DE" dirty="0"/>
+              <a:rPr lang="de-DE" dirty="0">
+                <a:hlinkClick r:id="rId2"/>
+              </a:rPr>
               <a:t>https://de.wikipedia.org/wiki/Boost_(C%2B%2B-Bibliothek)#Lizenzbedingungen</a:t>
             </a:r>
+            <a:endParaRPr lang="de-DE" dirty="0"/>
+          </a:p>
+          <a:p>
+            <a:r>
+              <a:rPr lang="de-DE" dirty="0">
+                <a:hlinkClick r:id="rId3"/>
+              </a:rPr>
+              <a:t>https://github.com/kokkos/kokkos/wiki/ProgrammingModel</a:t>
+            </a:r>
+            <a:endParaRPr lang="de-DE" dirty="0"/>
+          </a:p>
+          <a:p>
+            <a:r>
+              <a:rPr lang="de-DE"/>
+              <a:t>https://www.uni-muenster.de/imperia/md/content/physik_tp/lectures/ws2016-2017/num_methods_i/heat.pdf</a:t>
+            </a:r>
+            <a:endParaRPr lang="de-DE" dirty="0"/>
           </a:p>
         </p:txBody>
       </p:sp>
@@ -9227,7 +10361,7 @@
           <a:p>
             <a:fld id="{E3C450BF-EACB-4BDE-AF0B-8B5969BCDFAB}" type="slidenum">
               <a:rPr lang="de-DE" smtClean="0"/>
-              <a:t>24</a:t>
+              <a:t>23</a:t>
             </a:fld>
             <a:endParaRPr lang="de-DE" dirty="0"/>
           </a:p>
@@ -9431,29 +10565,16 @@
             </a:pPr>
             <a:r>
               <a:rPr lang="de-DE" dirty="0"/>
-              <a:t>General </a:t>
+              <a:t>General Purpose C++ </a:t>
             </a:r>
             <a:r>
               <a:rPr lang="de-DE" dirty="0" err="1"/>
-              <a:t>purpose</a:t>
-            </a:r>
-            <a:r>
-              <a:rPr lang="de-DE" dirty="0"/>
-              <a:t> C++ </a:t>
-            </a:r>
-            <a:r>
-              <a:rPr lang="de-DE" dirty="0" err="1"/>
-              <a:t>runtime</a:t>
-            </a:r>
-            <a:r>
-              <a:rPr lang="de-DE" dirty="0"/>
-              <a:t> </a:t>
-            </a:r>
-            <a:r>
-              <a:rPr lang="de-DE" dirty="0" err="1"/>
-              <a:t>system</a:t>
-            </a:r>
-            <a:endParaRPr lang="de-DE" dirty="0"/>
+              <a:t>Runtime</a:t>
+            </a:r>
+            <a:r>
+              <a:rPr lang="de-DE" dirty="0"/>
+              <a:t> System</a:t>
+            </a:r>
           </a:p>
           <a:p>
             <a:pPr>
@@ -9502,7 +10623,7 @@
             </a:pPr>
             <a:r>
               <a:rPr lang="de-DE" dirty="0"/>
-              <a:t>C++11 konform</a:t>
+              <a:t>C++11 konforme API</a:t>
             </a:r>
           </a:p>
           <a:p>
@@ -9790,6 +10911,298 @@
           </a:p>
         </p:txBody>
       </p:sp>
+      <p:cxnSp>
+        <p:nvCxnSpPr>
+          <p:cNvPr id="17" name="Gerade Verbindung mit Pfeil 16">
+            <a:extLst>
+              <a:ext uri="{FF2B5EF4-FFF2-40B4-BE49-F238E27FC236}">
+                <a16:creationId xmlns:a16="http://schemas.microsoft.com/office/drawing/2014/main" id="{29A63B2E-05AF-43DE-8B1F-12B41CAC4401}"/>
+              </a:ext>
+            </a:extLst>
+          </p:cNvPr>
+          <p:cNvCxnSpPr>
+            <a:cxnSpLocks/>
+          </p:cNvCxnSpPr>
+          <p:nvPr/>
+        </p:nvCxnSpPr>
+        <p:spPr bwMode="auto">
+          <a:xfrm>
+            <a:off x="3028949" y="1964267"/>
+            <a:ext cx="2556000" cy="0"/>
+          </a:xfrm>
+          <a:prstGeom prst="straightConnector1">
+            <a:avLst/>
+          </a:prstGeom>
+          <a:ln w="9525" cap="flat" cmpd="sng" algn="ctr">
+            <a:solidFill>
+              <a:srgbClr val="0070C0"/>
+            </a:solidFill>
+            <a:prstDash val="solid"/>
+            <a:round/>
+            <a:headEnd type="triangle" w="lg" len="lg"/>
+            <a:tailEnd type="triangle" w="lg" len="med"/>
+          </a:ln>
+        </p:spPr>
+        <p:style>
+          <a:lnRef idx="0">
+            <a:scrgbClr r="0" g="0" b="0"/>
+          </a:lnRef>
+          <a:fillRef idx="0">
+            <a:scrgbClr r="0" g="0" b="0"/>
+          </a:fillRef>
+          <a:effectRef idx="0">
+            <a:scrgbClr r="0" g="0" b="0"/>
+          </a:effectRef>
+          <a:fontRef idx="minor">
+            <a:schemeClr val="tx1"/>
+          </a:fontRef>
+        </p:style>
+      </p:cxnSp>
+      <p:cxnSp>
+        <p:nvCxnSpPr>
+          <p:cNvPr id="21" name="Gerade Verbindung mit Pfeil 20">
+            <a:extLst>
+              <a:ext uri="{FF2B5EF4-FFF2-40B4-BE49-F238E27FC236}">
+                <a16:creationId xmlns:a16="http://schemas.microsoft.com/office/drawing/2014/main" id="{23BCFDD2-41C2-4FE4-8DBA-C70329870A42}"/>
+              </a:ext>
+            </a:extLst>
+          </p:cNvPr>
+          <p:cNvCxnSpPr>
+            <a:cxnSpLocks/>
+          </p:cNvCxnSpPr>
+          <p:nvPr/>
+        </p:nvCxnSpPr>
+        <p:spPr bwMode="auto">
+          <a:xfrm>
+            <a:off x="6604000" y="2610909"/>
+            <a:ext cx="0" cy="1292819"/>
+          </a:xfrm>
+          <a:prstGeom prst="straightConnector1">
+            <a:avLst/>
+          </a:prstGeom>
+          <a:noFill/>
+          <a:ln w="9525" cap="flat" cmpd="sng" algn="ctr">
+            <a:solidFill>
+              <a:srgbClr val="0070C0"/>
+            </a:solidFill>
+            <a:prstDash val="solid"/>
+            <a:round/>
+            <a:headEnd type="triangle" w="lg" len="med"/>
+            <a:tailEnd type="triangle" w="lg" len="med"/>
+          </a:ln>
+          <a:effectLst/>
+        </p:spPr>
+      </p:cxnSp>
+      <p:cxnSp>
+        <p:nvCxnSpPr>
+          <p:cNvPr id="25" name="Gerade Verbindung mit Pfeil 24">
+            <a:extLst>
+              <a:ext uri="{FF2B5EF4-FFF2-40B4-BE49-F238E27FC236}">
+                <a16:creationId xmlns:a16="http://schemas.microsoft.com/office/drawing/2014/main" id="{BF9C2212-8FAE-494F-9AF8-0BDC00CEDEA2}"/>
+              </a:ext>
+            </a:extLst>
+          </p:cNvPr>
+          <p:cNvCxnSpPr>
+            <a:cxnSpLocks/>
+          </p:cNvCxnSpPr>
+          <p:nvPr/>
+        </p:nvCxnSpPr>
+        <p:spPr bwMode="auto">
+          <a:xfrm>
+            <a:off x="3028950" y="4487333"/>
+            <a:ext cx="2555999" cy="0"/>
+          </a:xfrm>
+          <a:prstGeom prst="straightConnector1">
+            <a:avLst/>
+          </a:prstGeom>
+          <a:noFill/>
+          <a:ln w="9525" cap="flat" cmpd="sng" algn="ctr">
+            <a:solidFill>
+              <a:srgbClr val="0070C0"/>
+            </a:solidFill>
+            <a:prstDash val="solid"/>
+            <a:round/>
+            <a:headEnd type="triangle" w="lg" len="med"/>
+            <a:tailEnd type="triangle" w="lg" len="med"/>
+          </a:ln>
+          <a:effectLst/>
+        </p:spPr>
+      </p:cxnSp>
+      <p:cxnSp>
+        <p:nvCxnSpPr>
+          <p:cNvPr id="28" name="Gerade Verbindung mit Pfeil 27">
+            <a:extLst>
+              <a:ext uri="{FF2B5EF4-FFF2-40B4-BE49-F238E27FC236}">
+                <a16:creationId xmlns:a16="http://schemas.microsoft.com/office/drawing/2014/main" id="{7058304D-4C77-4118-A154-366604437A43}"/>
+              </a:ext>
+            </a:extLst>
+          </p:cNvPr>
+          <p:cNvCxnSpPr>
+            <a:cxnSpLocks/>
+          </p:cNvCxnSpPr>
+          <p:nvPr/>
+        </p:nvCxnSpPr>
+        <p:spPr bwMode="auto">
+          <a:xfrm>
+            <a:off x="1981200" y="2607733"/>
+            <a:ext cx="0" cy="1289912"/>
+          </a:xfrm>
+          <a:prstGeom prst="straightConnector1">
+            <a:avLst/>
+          </a:prstGeom>
+          <a:noFill/>
+          <a:ln w="9525" cap="flat" cmpd="sng" algn="ctr">
+            <a:solidFill>
+              <a:srgbClr val="0070C0"/>
+            </a:solidFill>
+            <a:prstDash val="solid"/>
+            <a:round/>
+            <a:headEnd type="triangle" w="lg" len="med"/>
+            <a:tailEnd type="triangle" w="lg" len="med"/>
+          </a:ln>
+          <a:effectLst/>
+        </p:spPr>
+      </p:cxnSp>
+      <p:cxnSp>
+        <p:nvCxnSpPr>
+          <p:cNvPr id="31" name="Gerade Verbindung mit Pfeil 30">
+            <a:extLst>
+              <a:ext uri="{FF2B5EF4-FFF2-40B4-BE49-F238E27FC236}">
+                <a16:creationId xmlns:a16="http://schemas.microsoft.com/office/drawing/2014/main" id="{9F0E6580-1CA6-4AE6-A02A-0ED12DD7FB05}"/>
+              </a:ext>
+            </a:extLst>
+          </p:cNvPr>
+          <p:cNvCxnSpPr>
+            <a:cxnSpLocks/>
+          </p:cNvCxnSpPr>
+          <p:nvPr/>
+        </p:nvCxnSpPr>
+        <p:spPr bwMode="auto">
+          <a:xfrm flipH="1">
+            <a:off x="4367983" y="2160689"/>
+            <a:ext cx="1216966" cy="496815"/>
+          </a:xfrm>
+          <a:prstGeom prst="straightConnector1">
+            <a:avLst/>
+          </a:prstGeom>
+          <a:noFill/>
+          <a:ln w="9525" cap="flat" cmpd="sng" algn="ctr">
+            <a:solidFill>
+              <a:srgbClr val="0070C0"/>
+            </a:solidFill>
+            <a:prstDash val="sysDash"/>
+            <a:round/>
+            <a:headEnd type="triangle" w="lg" len="med"/>
+            <a:tailEnd type="triangle" w="lg" len="med"/>
+          </a:ln>
+          <a:effectLst/>
+        </p:spPr>
+      </p:cxnSp>
+      <p:cxnSp>
+        <p:nvCxnSpPr>
+          <p:cNvPr id="36" name="Gerade Verbindung mit Pfeil 35">
+            <a:extLst>
+              <a:ext uri="{FF2B5EF4-FFF2-40B4-BE49-F238E27FC236}">
+                <a16:creationId xmlns:a16="http://schemas.microsoft.com/office/drawing/2014/main" id="{0850EDE4-737A-4C44-9EB3-2D8BC1966971}"/>
+              </a:ext>
+            </a:extLst>
+          </p:cNvPr>
+          <p:cNvCxnSpPr>
+            <a:cxnSpLocks/>
+          </p:cNvCxnSpPr>
+          <p:nvPr/>
+        </p:nvCxnSpPr>
+        <p:spPr bwMode="auto">
+          <a:xfrm>
+            <a:off x="3028949" y="2160689"/>
+            <a:ext cx="1368044" cy="496815"/>
+          </a:xfrm>
+          <a:prstGeom prst="straightConnector1">
+            <a:avLst/>
+          </a:prstGeom>
+          <a:noFill/>
+          <a:ln w="9525" cap="flat" cmpd="sng" algn="ctr">
+            <a:solidFill>
+              <a:srgbClr val="0070C0"/>
+            </a:solidFill>
+            <a:prstDash val="sysDash"/>
+            <a:round/>
+            <a:headEnd type="triangle" w="lg" len="med"/>
+            <a:tailEnd type="triangle" w="lg" len="med"/>
+          </a:ln>
+          <a:effectLst/>
+        </p:spPr>
+      </p:cxnSp>
+      <p:cxnSp>
+        <p:nvCxnSpPr>
+          <p:cNvPr id="50" name="Gerade Verbindung mit Pfeil 49">
+            <a:extLst>
+              <a:ext uri="{FF2B5EF4-FFF2-40B4-BE49-F238E27FC236}">
+                <a16:creationId xmlns:a16="http://schemas.microsoft.com/office/drawing/2014/main" id="{C0B5DBCE-7D32-437C-B1D5-5D8B3ABCF491}"/>
+              </a:ext>
+            </a:extLst>
+          </p:cNvPr>
+          <p:cNvCxnSpPr>
+            <a:cxnSpLocks/>
+          </p:cNvCxnSpPr>
+          <p:nvPr/>
+        </p:nvCxnSpPr>
+        <p:spPr bwMode="auto">
+          <a:xfrm flipH="1">
+            <a:off x="3028949" y="3903728"/>
+            <a:ext cx="1278000" cy="425081"/>
+          </a:xfrm>
+          <a:prstGeom prst="straightConnector1">
+            <a:avLst/>
+          </a:prstGeom>
+          <a:noFill/>
+          <a:ln w="9525" cap="flat" cmpd="sng" algn="ctr">
+            <a:solidFill>
+              <a:srgbClr val="0070C0"/>
+            </a:solidFill>
+            <a:prstDash val="sysDash"/>
+            <a:round/>
+            <a:headEnd type="triangle" w="lg" len="med"/>
+            <a:tailEnd type="triangle" w="lg" len="med"/>
+          </a:ln>
+          <a:effectLst/>
+        </p:spPr>
+      </p:cxnSp>
+      <p:cxnSp>
+        <p:nvCxnSpPr>
+          <p:cNvPr id="53" name="Gerade Verbindung mit Pfeil 52">
+            <a:extLst>
+              <a:ext uri="{FF2B5EF4-FFF2-40B4-BE49-F238E27FC236}">
+                <a16:creationId xmlns:a16="http://schemas.microsoft.com/office/drawing/2014/main" id="{D4B2001C-32E3-4B3E-884A-C1065166C2F5}"/>
+              </a:ext>
+            </a:extLst>
+          </p:cNvPr>
+          <p:cNvCxnSpPr>
+            <a:cxnSpLocks/>
+          </p:cNvCxnSpPr>
+          <p:nvPr/>
+        </p:nvCxnSpPr>
+        <p:spPr bwMode="auto">
+          <a:xfrm>
+            <a:off x="4322006" y="3903728"/>
+            <a:ext cx="1262943" cy="425081"/>
+          </a:xfrm>
+          <a:prstGeom prst="straightConnector1">
+            <a:avLst/>
+          </a:prstGeom>
+          <a:noFill/>
+          <a:ln w="9525" cap="flat" cmpd="sng" algn="ctr">
+            <a:solidFill>
+              <a:srgbClr val="0070C0"/>
+            </a:solidFill>
+            <a:prstDash val="sysDash"/>
+            <a:round/>
+            <a:headEnd type="triangle" w="lg" len="med"/>
+            <a:tailEnd type="triangle" w="lg" len="med"/>
+          </a:ln>
+          <a:effectLst/>
+        </p:spPr>
+      </p:cxnSp>
       <p:grpSp>
         <p:nvGrpSpPr>
           <p:cNvPr id="10" name="Gruppieren 9">
@@ -10501,298 +11914,6 @@
           </p:txBody>
         </p:sp>
       </p:grpSp>
-      <p:cxnSp>
-        <p:nvCxnSpPr>
-          <p:cNvPr id="17" name="Gerade Verbindung mit Pfeil 16">
-            <a:extLst>
-              <a:ext uri="{FF2B5EF4-FFF2-40B4-BE49-F238E27FC236}">
-                <a16:creationId xmlns:a16="http://schemas.microsoft.com/office/drawing/2014/main" id="{29A63B2E-05AF-43DE-8B1F-12B41CAC4401}"/>
-              </a:ext>
-            </a:extLst>
-          </p:cNvPr>
-          <p:cNvCxnSpPr>
-            <a:cxnSpLocks/>
-          </p:cNvCxnSpPr>
-          <p:nvPr/>
-        </p:nvCxnSpPr>
-        <p:spPr bwMode="auto">
-          <a:xfrm>
-            <a:off x="3028949" y="1964267"/>
-            <a:ext cx="2556000" cy="0"/>
-          </a:xfrm>
-          <a:prstGeom prst="straightConnector1">
-            <a:avLst/>
-          </a:prstGeom>
-          <a:ln w="9525" cap="flat" cmpd="sng" algn="ctr">
-            <a:solidFill>
-              <a:srgbClr val="0070C0"/>
-            </a:solidFill>
-            <a:prstDash val="solid"/>
-            <a:round/>
-            <a:headEnd type="triangle" w="lg" len="lg"/>
-            <a:tailEnd type="triangle" w="lg" len="med"/>
-          </a:ln>
-        </p:spPr>
-        <p:style>
-          <a:lnRef idx="0">
-            <a:scrgbClr r="0" g="0" b="0"/>
-          </a:lnRef>
-          <a:fillRef idx="0">
-            <a:scrgbClr r="0" g="0" b="0"/>
-          </a:fillRef>
-          <a:effectRef idx="0">
-            <a:scrgbClr r="0" g="0" b="0"/>
-          </a:effectRef>
-          <a:fontRef idx="minor">
-            <a:schemeClr val="tx1"/>
-          </a:fontRef>
-        </p:style>
-      </p:cxnSp>
-      <p:cxnSp>
-        <p:nvCxnSpPr>
-          <p:cNvPr id="21" name="Gerade Verbindung mit Pfeil 20">
-            <a:extLst>
-              <a:ext uri="{FF2B5EF4-FFF2-40B4-BE49-F238E27FC236}">
-                <a16:creationId xmlns:a16="http://schemas.microsoft.com/office/drawing/2014/main" id="{23BCFDD2-41C2-4FE4-8DBA-C70329870A42}"/>
-              </a:ext>
-            </a:extLst>
-          </p:cNvPr>
-          <p:cNvCxnSpPr>
-            <a:cxnSpLocks/>
-          </p:cNvCxnSpPr>
-          <p:nvPr/>
-        </p:nvCxnSpPr>
-        <p:spPr bwMode="auto">
-          <a:xfrm>
-            <a:off x="6604000" y="2610909"/>
-            <a:ext cx="0" cy="1292819"/>
-          </a:xfrm>
-          <a:prstGeom prst="straightConnector1">
-            <a:avLst/>
-          </a:prstGeom>
-          <a:noFill/>
-          <a:ln w="9525" cap="flat" cmpd="sng" algn="ctr">
-            <a:solidFill>
-              <a:srgbClr val="0070C0"/>
-            </a:solidFill>
-            <a:prstDash val="solid"/>
-            <a:round/>
-            <a:headEnd type="triangle" w="lg" len="med"/>
-            <a:tailEnd type="triangle" w="lg" len="med"/>
-          </a:ln>
-          <a:effectLst/>
-        </p:spPr>
-      </p:cxnSp>
-      <p:cxnSp>
-        <p:nvCxnSpPr>
-          <p:cNvPr id="25" name="Gerade Verbindung mit Pfeil 24">
-            <a:extLst>
-              <a:ext uri="{FF2B5EF4-FFF2-40B4-BE49-F238E27FC236}">
-                <a16:creationId xmlns:a16="http://schemas.microsoft.com/office/drawing/2014/main" id="{BF9C2212-8FAE-494F-9AF8-0BDC00CEDEA2}"/>
-              </a:ext>
-            </a:extLst>
-          </p:cNvPr>
-          <p:cNvCxnSpPr>
-            <a:cxnSpLocks/>
-          </p:cNvCxnSpPr>
-          <p:nvPr/>
-        </p:nvCxnSpPr>
-        <p:spPr bwMode="auto">
-          <a:xfrm>
-            <a:off x="3028950" y="4487333"/>
-            <a:ext cx="2555999" cy="0"/>
-          </a:xfrm>
-          <a:prstGeom prst="straightConnector1">
-            <a:avLst/>
-          </a:prstGeom>
-          <a:noFill/>
-          <a:ln w="9525" cap="flat" cmpd="sng" algn="ctr">
-            <a:solidFill>
-              <a:srgbClr val="0070C0"/>
-            </a:solidFill>
-            <a:prstDash val="solid"/>
-            <a:round/>
-            <a:headEnd type="triangle" w="lg" len="med"/>
-            <a:tailEnd type="triangle" w="lg" len="med"/>
-          </a:ln>
-          <a:effectLst/>
-        </p:spPr>
-      </p:cxnSp>
-      <p:cxnSp>
-        <p:nvCxnSpPr>
-          <p:cNvPr id="28" name="Gerade Verbindung mit Pfeil 27">
-            <a:extLst>
-              <a:ext uri="{FF2B5EF4-FFF2-40B4-BE49-F238E27FC236}">
-                <a16:creationId xmlns:a16="http://schemas.microsoft.com/office/drawing/2014/main" id="{7058304D-4C77-4118-A154-366604437A43}"/>
-              </a:ext>
-            </a:extLst>
-          </p:cNvPr>
-          <p:cNvCxnSpPr>
-            <a:cxnSpLocks/>
-          </p:cNvCxnSpPr>
-          <p:nvPr/>
-        </p:nvCxnSpPr>
-        <p:spPr bwMode="auto">
-          <a:xfrm>
-            <a:off x="1981200" y="2607733"/>
-            <a:ext cx="0" cy="1289912"/>
-          </a:xfrm>
-          <a:prstGeom prst="straightConnector1">
-            <a:avLst/>
-          </a:prstGeom>
-          <a:noFill/>
-          <a:ln w="9525" cap="flat" cmpd="sng" algn="ctr">
-            <a:solidFill>
-              <a:srgbClr val="0070C0"/>
-            </a:solidFill>
-            <a:prstDash val="solid"/>
-            <a:round/>
-            <a:headEnd type="triangle" w="lg" len="med"/>
-            <a:tailEnd type="triangle" w="lg" len="med"/>
-          </a:ln>
-          <a:effectLst/>
-        </p:spPr>
-      </p:cxnSp>
-      <p:cxnSp>
-        <p:nvCxnSpPr>
-          <p:cNvPr id="31" name="Gerade Verbindung mit Pfeil 30">
-            <a:extLst>
-              <a:ext uri="{FF2B5EF4-FFF2-40B4-BE49-F238E27FC236}">
-                <a16:creationId xmlns:a16="http://schemas.microsoft.com/office/drawing/2014/main" id="{9F0E6580-1CA6-4AE6-A02A-0ED12DD7FB05}"/>
-              </a:ext>
-            </a:extLst>
-          </p:cNvPr>
-          <p:cNvCxnSpPr>
-            <a:cxnSpLocks/>
-          </p:cNvCxnSpPr>
-          <p:nvPr/>
-        </p:nvCxnSpPr>
-        <p:spPr bwMode="auto">
-          <a:xfrm flipH="1">
-            <a:off x="4367983" y="2160689"/>
-            <a:ext cx="1216966" cy="496815"/>
-          </a:xfrm>
-          <a:prstGeom prst="straightConnector1">
-            <a:avLst/>
-          </a:prstGeom>
-          <a:noFill/>
-          <a:ln w="9525" cap="flat" cmpd="sng" algn="ctr">
-            <a:solidFill>
-              <a:srgbClr val="0070C0"/>
-            </a:solidFill>
-            <a:prstDash val="sysDash"/>
-            <a:round/>
-            <a:headEnd type="triangle" w="lg" len="med"/>
-            <a:tailEnd type="triangle" w="lg" len="med"/>
-          </a:ln>
-          <a:effectLst/>
-        </p:spPr>
-      </p:cxnSp>
-      <p:cxnSp>
-        <p:nvCxnSpPr>
-          <p:cNvPr id="36" name="Gerade Verbindung mit Pfeil 35">
-            <a:extLst>
-              <a:ext uri="{FF2B5EF4-FFF2-40B4-BE49-F238E27FC236}">
-                <a16:creationId xmlns:a16="http://schemas.microsoft.com/office/drawing/2014/main" id="{0850EDE4-737A-4C44-9EB3-2D8BC1966971}"/>
-              </a:ext>
-            </a:extLst>
-          </p:cNvPr>
-          <p:cNvCxnSpPr>
-            <a:cxnSpLocks/>
-          </p:cNvCxnSpPr>
-          <p:nvPr/>
-        </p:nvCxnSpPr>
-        <p:spPr bwMode="auto">
-          <a:xfrm>
-            <a:off x="3028949" y="2160689"/>
-            <a:ext cx="1368044" cy="496815"/>
-          </a:xfrm>
-          <a:prstGeom prst="straightConnector1">
-            <a:avLst/>
-          </a:prstGeom>
-          <a:noFill/>
-          <a:ln w="9525" cap="flat" cmpd="sng" algn="ctr">
-            <a:solidFill>
-              <a:srgbClr val="0070C0"/>
-            </a:solidFill>
-            <a:prstDash val="sysDash"/>
-            <a:round/>
-            <a:headEnd type="triangle" w="lg" len="med"/>
-            <a:tailEnd type="triangle" w="lg" len="med"/>
-          </a:ln>
-          <a:effectLst/>
-        </p:spPr>
-      </p:cxnSp>
-      <p:cxnSp>
-        <p:nvCxnSpPr>
-          <p:cNvPr id="50" name="Gerade Verbindung mit Pfeil 49">
-            <a:extLst>
-              <a:ext uri="{FF2B5EF4-FFF2-40B4-BE49-F238E27FC236}">
-                <a16:creationId xmlns:a16="http://schemas.microsoft.com/office/drawing/2014/main" id="{C0B5DBCE-7D32-437C-B1D5-5D8B3ABCF491}"/>
-              </a:ext>
-            </a:extLst>
-          </p:cNvPr>
-          <p:cNvCxnSpPr>
-            <a:cxnSpLocks/>
-          </p:cNvCxnSpPr>
-          <p:nvPr/>
-        </p:nvCxnSpPr>
-        <p:spPr bwMode="auto">
-          <a:xfrm flipH="1">
-            <a:off x="3028949" y="3903728"/>
-            <a:ext cx="1278000" cy="425081"/>
-          </a:xfrm>
-          <a:prstGeom prst="straightConnector1">
-            <a:avLst/>
-          </a:prstGeom>
-          <a:noFill/>
-          <a:ln w="9525" cap="flat" cmpd="sng" algn="ctr">
-            <a:solidFill>
-              <a:srgbClr val="0070C0"/>
-            </a:solidFill>
-            <a:prstDash val="sysDash"/>
-            <a:round/>
-            <a:headEnd type="triangle" w="lg" len="med"/>
-            <a:tailEnd type="triangle" w="lg" len="med"/>
-          </a:ln>
-          <a:effectLst/>
-        </p:spPr>
-      </p:cxnSp>
-      <p:cxnSp>
-        <p:nvCxnSpPr>
-          <p:cNvPr id="53" name="Gerade Verbindung mit Pfeil 52">
-            <a:extLst>
-              <a:ext uri="{FF2B5EF4-FFF2-40B4-BE49-F238E27FC236}">
-                <a16:creationId xmlns:a16="http://schemas.microsoft.com/office/drawing/2014/main" id="{D4B2001C-32E3-4B3E-884A-C1065166C2F5}"/>
-              </a:ext>
-            </a:extLst>
-          </p:cNvPr>
-          <p:cNvCxnSpPr>
-            <a:cxnSpLocks/>
-          </p:cNvCxnSpPr>
-          <p:nvPr/>
-        </p:nvCxnSpPr>
-        <p:spPr bwMode="auto">
-          <a:xfrm>
-            <a:off x="4322006" y="3903728"/>
-            <a:ext cx="1262943" cy="425081"/>
-          </a:xfrm>
-          <a:prstGeom prst="straightConnector1">
-            <a:avLst/>
-          </a:prstGeom>
-          <a:noFill/>
-          <a:ln w="9525" cap="flat" cmpd="sng" algn="ctr">
-            <a:solidFill>
-              <a:srgbClr val="0070C0"/>
-            </a:solidFill>
-            <a:prstDash val="sysDash"/>
-            <a:round/>
-            <a:headEnd type="triangle" w="lg" len="med"/>
-            <a:tailEnd type="triangle" w="lg" len="med"/>
-          </a:ln>
-          <a:effectLst/>
-        </p:spPr>
-      </p:cxnSp>
     </p:spTree>
     <p:extLst>
       <p:ext uri="{BB962C8B-B14F-4D97-AF65-F5344CB8AC3E}">
@@ -10900,6 +12021,44 @@
             </a:pPr>
             <a:r>
               <a:rPr lang="de-DE" dirty="0"/>
+              <a:t>C++ Bibliothek</a:t>
+            </a:r>
+          </a:p>
+          <a:p>
+            <a:pPr>
+              <a:buFont typeface="Arial" panose="020B0604020202020204" pitchFamily="34" charset="0"/>
+              <a:buChar char="•"/>
+            </a:pPr>
+            <a:r>
+              <a:rPr lang="de-DE" dirty="0"/>
+              <a:t>Minimierung von Architekturspezifischen Implementierungsdetails</a:t>
+            </a:r>
+          </a:p>
+          <a:p>
+            <a:pPr>
+              <a:buFont typeface="Arial" panose="020B0604020202020204" pitchFamily="34" charset="0"/>
+              <a:buChar char="•"/>
+            </a:pPr>
+            <a:r>
+              <a:rPr lang="de-DE" dirty="0"/>
+              <a:t>Multicore-Architekturen mit NUMA, </a:t>
+            </a:r>
+            <a:r>
+              <a:rPr lang="de-DE" dirty="0" err="1"/>
+              <a:t>NVidia</a:t>
+            </a:r>
+            <a:r>
+              <a:rPr lang="de-DE" dirty="0"/>
+              <a:t> GPU, Xeon Phi</a:t>
+            </a:r>
+          </a:p>
+          <a:p>
+            <a:pPr>
+              <a:buFont typeface="Arial" panose="020B0604020202020204" pitchFamily="34" charset="0"/>
+              <a:buChar char="•"/>
+            </a:pPr>
+            <a:r>
+              <a:rPr lang="de-DE" dirty="0"/>
               <a:t>Zentrale Abstraktionen:</a:t>
             </a:r>
           </a:p>
@@ -10984,24 +12143,6 @@
               <a:t>Traits</a:t>
             </a:r>
             <a:endParaRPr lang="de-DE" dirty="0"/>
-          </a:p>
-          <a:p>
-            <a:pPr>
-              <a:buFont typeface="Arial" panose="020B0604020202020204" pitchFamily="34" charset="0"/>
-              <a:buChar char="•"/>
-            </a:pPr>
-            <a:r>
-              <a:rPr lang="de-DE" dirty="0"/>
-              <a:t>Multicore-Architekturen mit NUMA, </a:t>
-            </a:r>
-            <a:r>
-              <a:rPr lang="de-DE" dirty="0" err="1"/>
-              <a:t>Nvidia</a:t>
-            </a:r>
-            <a:r>
-              <a:rPr lang="de-DE" dirty="0"/>
-              <a:t> GPU und Intel Phi</a:t>
-            </a:r>
           </a:p>
           <a:p>
             <a:pPr marL="0" indent="0"/>
@@ -11084,6 +12225,357 @@
   <p:clrMapOvr>
     <a:masterClrMapping/>
   </p:clrMapOvr>
+  <p:timing>
+    <p:tnLst>
+      <p:par>
+        <p:cTn id="1" dur="indefinite" restart="never" nodeType="tmRoot">
+          <p:childTnLst>
+            <p:seq concurrent="1" nextAc="seek">
+              <p:cTn id="2" dur="indefinite" nodeType="mainSeq">
+                <p:childTnLst>
+                  <p:par>
+                    <p:cTn id="3" fill="hold">
+                      <p:stCondLst>
+                        <p:cond delay="indefinite"/>
+                      </p:stCondLst>
+                      <p:childTnLst>
+                        <p:par>
+                          <p:cTn id="4" fill="hold">
+                            <p:stCondLst>
+                              <p:cond delay="0"/>
+                            </p:stCondLst>
+                            <p:childTnLst>
+                              <p:par>
+                                <p:cTn id="5" presetID="10" presetClass="entr" presetSubtype="0" fill="hold" nodeType="clickEffect">
+                                  <p:stCondLst>
+                                    <p:cond delay="0"/>
+                                  </p:stCondLst>
+                                  <p:childTnLst>
+                                    <p:set>
+                                      <p:cBhvr>
+                                        <p:cTn id="6" dur="1" fill="hold">
+                                          <p:stCondLst>
+                                            <p:cond delay="0"/>
+                                          </p:stCondLst>
+                                        </p:cTn>
+                                        <p:tgtEl>
+                                          <p:spTgt spid="3">
+                                            <p:txEl>
+                                              <p:pRg st="6" end="6"/>
+                                            </p:txEl>
+                                          </p:spTgt>
+                                        </p:tgtEl>
+                                        <p:attrNameLst>
+                                          <p:attrName>style.visibility</p:attrName>
+                                        </p:attrNameLst>
+                                      </p:cBhvr>
+                                      <p:to>
+                                        <p:strVal val="visible"/>
+                                      </p:to>
+                                    </p:set>
+                                    <p:animEffect transition="in" filter="fade">
+                                      <p:cBhvr>
+                                        <p:cTn id="7" dur="500"/>
+                                        <p:tgtEl>
+                                          <p:spTgt spid="3">
+                                            <p:txEl>
+                                              <p:pRg st="6" end="6"/>
+                                            </p:txEl>
+                                          </p:spTgt>
+                                        </p:tgtEl>
+                                      </p:cBhvr>
+                                    </p:animEffect>
+                                  </p:childTnLst>
+                                </p:cTn>
+                              </p:par>
+                            </p:childTnLst>
+                          </p:cTn>
+                        </p:par>
+                        <p:par>
+                          <p:cTn id="8" fill="hold">
+                            <p:stCondLst>
+                              <p:cond delay="500"/>
+                            </p:stCondLst>
+                            <p:childTnLst>
+                              <p:par>
+                                <p:cTn id="9" presetID="10" presetClass="entr" presetSubtype="0" fill="hold" nodeType="afterEffect">
+                                  <p:stCondLst>
+                                    <p:cond delay="0"/>
+                                  </p:stCondLst>
+                                  <p:childTnLst>
+                                    <p:set>
+                                      <p:cBhvr>
+                                        <p:cTn id="10" dur="1" fill="hold">
+                                          <p:stCondLst>
+                                            <p:cond delay="0"/>
+                                          </p:stCondLst>
+                                        </p:cTn>
+                                        <p:tgtEl>
+                                          <p:spTgt spid="3">
+                                            <p:txEl>
+                                              <p:pRg st="7" end="7"/>
+                                            </p:txEl>
+                                          </p:spTgt>
+                                        </p:tgtEl>
+                                        <p:attrNameLst>
+                                          <p:attrName>style.visibility</p:attrName>
+                                        </p:attrNameLst>
+                                      </p:cBhvr>
+                                      <p:to>
+                                        <p:strVal val="visible"/>
+                                      </p:to>
+                                    </p:set>
+                                    <p:animEffect transition="in" filter="fade">
+                                      <p:cBhvr>
+                                        <p:cTn id="11" dur="500"/>
+                                        <p:tgtEl>
+                                          <p:spTgt spid="3">
+                                            <p:txEl>
+                                              <p:pRg st="7" end="7"/>
+                                            </p:txEl>
+                                          </p:spTgt>
+                                        </p:tgtEl>
+                                      </p:cBhvr>
+                                    </p:animEffect>
+                                  </p:childTnLst>
+                                </p:cTn>
+                              </p:par>
+                            </p:childTnLst>
+                          </p:cTn>
+                        </p:par>
+                        <p:par>
+                          <p:cTn id="12" fill="hold">
+                            <p:stCondLst>
+                              <p:cond delay="1000"/>
+                            </p:stCondLst>
+                            <p:childTnLst>
+                              <p:par>
+                                <p:cTn id="13" presetID="10" presetClass="entr" presetSubtype="0" fill="hold" nodeType="afterEffect">
+                                  <p:stCondLst>
+                                    <p:cond delay="0"/>
+                                  </p:stCondLst>
+                                  <p:childTnLst>
+                                    <p:set>
+                                      <p:cBhvr>
+                                        <p:cTn id="14" dur="1" fill="hold">
+                                          <p:stCondLst>
+                                            <p:cond delay="0"/>
+                                          </p:stCondLst>
+                                        </p:cTn>
+                                        <p:tgtEl>
+                                          <p:spTgt spid="3">
+                                            <p:txEl>
+                                              <p:pRg st="8" end="8"/>
+                                            </p:txEl>
+                                          </p:spTgt>
+                                        </p:tgtEl>
+                                        <p:attrNameLst>
+                                          <p:attrName>style.visibility</p:attrName>
+                                        </p:attrNameLst>
+                                      </p:cBhvr>
+                                      <p:to>
+                                        <p:strVal val="visible"/>
+                                      </p:to>
+                                    </p:set>
+                                    <p:animEffect transition="in" filter="fade">
+                                      <p:cBhvr>
+                                        <p:cTn id="15" dur="500"/>
+                                        <p:tgtEl>
+                                          <p:spTgt spid="3">
+                                            <p:txEl>
+                                              <p:pRg st="8" end="8"/>
+                                            </p:txEl>
+                                          </p:spTgt>
+                                        </p:tgtEl>
+                                      </p:cBhvr>
+                                    </p:animEffect>
+                                  </p:childTnLst>
+                                </p:cTn>
+                              </p:par>
+                            </p:childTnLst>
+                          </p:cTn>
+                        </p:par>
+                        <p:par>
+                          <p:cTn id="16" fill="hold">
+                            <p:stCondLst>
+                              <p:cond delay="1500"/>
+                            </p:stCondLst>
+                            <p:childTnLst>
+                              <p:par>
+                                <p:cTn id="17" presetID="10" presetClass="entr" presetSubtype="0" fill="hold" nodeType="afterEffect">
+                                  <p:stCondLst>
+                                    <p:cond delay="0"/>
+                                  </p:stCondLst>
+                                  <p:childTnLst>
+                                    <p:set>
+                                      <p:cBhvr>
+                                        <p:cTn id="18" dur="1" fill="hold">
+                                          <p:stCondLst>
+                                            <p:cond delay="0"/>
+                                          </p:stCondLst>
+                                        </p:cTn>
+                                        <p:tgtEl>
+                                          <p:spTgt spid="3">
+                                            <p:txEl>
+                                              <p:pRg st="9" end="9"/>
+                                            </p:txEl>
+                                          </p:spTgt>
+                                        </p:tgtEl>
+                                        <p:attrNameLst>
+                                          <p:attrName>style.visibility</p:attrName>
+                                        </p:attrNameLst>
+                                      </p:cBhvr>
+                                      <p:to>
+                                        <p:strVal val="visible"/>
+                                      </p:to>
+                                    </p:set>
+                                    <p:animEffect transition="in" filter="fade">
+                                      <p:cBhvr>
+                                        <p:cTn id="19" dur="500"/>
+                                        <p:tgtEl>
+                                          <p:spTgt spid="3">
+                                            <p:txEl>
+                                              <p:pRg st="9" end="9"/>
+                                            </p:txEl>
+                                          </p:spTgt>
+                                        </p:tgtEl>
+                                      </p:cBhvr>
+                                    </p:animEffect>
+                                  </p:childTnLst>
+                                </p:cTn>
+                              </p:par>
+                            </p:childTnLst>
+                          </p:cTn>
+                        </p:par>
+                        <p:par>
+                          <p:cTn id="20" fill="hold">
+                            <p:stCondLst>
+                              <p:cond delay="2000"/>
+                            </p:stCondLst>
+                            <p:childTnLst>
+                              <p:par>
+                                <p:cTn id="21" presetID="10" presetClass="entr" presetSubtype="0" fill="hold" nodeType="afterEffect">
+                                  <p:stCondLst>
+                                    <p:cond delay="0"/>
+                                  </p:stCondLst>
+                                  <p:childTnLst>
+                                    <p:set>
+                                      <p:cBhvr>
+                                        <p:cTn id="22" dur="1" fill="hold">
+                                          <p:stCondLst>
+                                            <p:cond delay="0"/>
+                                          </p:stCondLst>
+                                        </p:cTn>
+                                        <p:tgtEl>
+                                          <p:spTgt spid="3">
+                                            <p:txEl>
+                                              <p:pRg st="10" end="10"/>
+                                            </p:txEl>
+                                          </p:spTgt>
+                                        </p:tgtEl>
+                                        <p:attrNameLst>
+                                          <p:attrName>style.visibility</p:attrName>
+                                        </p:attrNameLst>
+                                      </p:cBhvr>
+                                      <p:to>
+                                        <p:strVal val="visible"/>
+                                      </p:to>
+                                    </p:set>
+                                    <p:animEffect transition="in" filter="fade">
+                                      <p:cBhvr>
+                                        <p:cTn id="23" dur="500"/>
+                                        <p:tgtEl>
+                                          <p:spTgt spid="3">
+                                            <p:txEl>
+                                              <p:pRg st="10" end="10"/>
+                                            </p:txEl>
+                                          </p:spTgt>
+                                        </p:tgtEl>
+                                      </p:cBhvr>
+                                    </p:animEffect>
+                                  </p:childTnLst>
+                                </p:cTn>
+                              </p:par>
+                            </p:childTnLst>
+                          </p:cTn>
+                        </p:par>
+                        <p:par>
+                          <p:cTn id="24" fill="hold">
+                            <p:stCondLst>
+                              <p:cond delay="2500"/>
+                            </p:stCondLst>
+                            <p:childTnLst>
+                              <p:par>
+                                <p:cTn id="25" presetID="10" presetClass="entr" presetSubtype="0" fill="hold" nodeType="afterEffect">
+                                  <p:stCondLst>
+                                    <p:cond delay="0"/>
+                                  </p:stCondLst>
+                                  <p:childTnLst>
+                                    <p:set>
+                                      <p:cBhvr>
+                                        <p:cTn id="26" dur="1" fill="hold">
+                                          <p:stCondLst>
+                                            <p:cond delay="0"/>
+                                          </p:stCondLst>
+                                        </p:cTn>
+                                        <p:tgtEl>
+                                          <p:spTgt spid="3">
+                                            <p:txEl>
+                                              <p:pRg st="11" end="11"/>
+                                            </p:txEl>
+                                          </p:spTgt>
+                                        </p:tgtEl>
+                                        <p:attrNameLst>
+                                          <p:attrName>style.visibility</p:attrName>
+                                        </p:attrNameLst>
+                                      </p:cBhvr>
+                                      <p:to>
+                                        <p:strVal val="visible"/>
+                                      </p:to>
+                                    </p:set>
+                                    <p:animEffect transition="in" filter="fade">
+                                      <p:cBhvr>
+                                        <p:cTn id="27" dur="500"/>
+                                        <p:tgtEl>
+                                          <p:spTgt spid="3">
+                                            <p:txEl>
+                                              <p:pRg st="11" end="11"/>
+                                            </p:txEl>
+                                          </p:spTgt>
+                                        </p:tgtEl>
+                                      </p:cBhvr>
+                                    </p:animEffect>
+                                  </p:childTnLst>
+                                </p:cTn>
+                              </p:par>
+                            </p:childTnLst>
+                          </p:cTn>
+                        </p:par>
+                      </p:childTnLst>
+                    </p:cTn>
+                  </p:par>
+                </p:childTnLst>
+              </p:cTn>
+              <p:prevCondLst>
+                <p:cond evt="onPrev" delay="0">
+                  <p:tgtEl>
+                    <p:sldTgt/>
+                  </p:tgtEl>
+                </p:cond>
+              </p:prevCondLst>
+              <p:nextCondLst>
+                <p:cond evt="onNext" delay="0">
+                  <p:tgtEl>
+                    <p:sldTgt/>
+                  </p:tgtEl>
+                </p:cond>
+              </p:nextCondLst>
+            </p:seq>
+          </p:childTnLst>
+        </p:cTn>
+      </p:par>
+    </p:tnLst>
+  </p:timing>
 </p:sld>
 </file>
 
@@ -11243,7 +12735,103 @@
           <a:bodyPr/>
           <a:lstStyle/>
           <a:p>
-            <a:endParaRPr lang="de-DE"/>
+            <a:pPr>
+              <a:buFont typeface="Arial" panose="020B0604020202020204" pitchFamily="34" charset="0"/>
+              <a:buChar char="•"/>
+            </a:pPr>
+            <a:r>
+              <a:rPr lang="de-DE" dirty="0"/>
+              <a:t>Partielle, parabolische Differentialgleichung</a:t>
+            </a:r>
+          </a:p>
+          <a:p>
+            <a:pPr>
+              <a:buFont typeface="Arial" panose="020B0604020202020204" pitchFamily="34" charset="0"/>
+              <a:buChar char="•"/>
+            </a:pPr>
+            <a:r>
+              <a:rPr lang="de-DE" dirty="0"/>
+              <a:t>zeitliche &amp; räumliche Änderung der Temperatur</a:t>
+            </a:r>
+          </a:p>
+          <a:p>
+            <a:pPr>
+              <a:buFont typeface="Arial" panose="020B0604020202020204" pitchFamily="34" charset="0"/>
+              <a:buChar char="•"/>
+            </a:pPr>
+            <a:r>
+              <a:rPr lang="de-DE" dirty="0"/>
+              <a:t>Formel für eine Dimension:</a:t>
+            </a:r>
+          </a:p>
+          <a:p>
+            <a:pPr marL="0" indent="0"/>
+            <a:endParaRPr lang="de-DE" dirty="0"/>
+          </a:p>
+          <a:p>
+            <a:pPr>
+              <a:buFont typeface="Arial" panose="020B0604020202020204" pitchFamily="34" charset="0"/>
+              <a:buChar char="•"/>
+            </a:pPr>
+            <a:r>
+              <a:rPr lang="de-DE" dirty="0"/>
+              <a:t>FTCS Annäherung:</a:t>
+            </a:r>
+          </a:p>
+          <a:p>
+            <a:pPr>
+              <a:buFont typeface="Arial" panose="020B0604020202020204" pitchFamily="34" charset="0"/>
+              <a:buChar char="•"/>
+            </a:pPr>
+            <a:endParaRPr lang="de-DE" dirty="0"/>
+          </a:p>
+          <a:p>
+            <a:pPr>
+              <a:buFont typeface="Arial" panose="020B0604020202020204" pitchFamily="34" charset="0"/>
+              <a:buChar char="•"/>
+            </a:pPr>
+            <a:r>
+              <a:rPr lang="de-DE" dirty="0"/>
+              <a:t>Formel für zwei Dimensionen:</a:t>
+            </a:r>
+          </a:p>
+          <a:p>
+            <a:pPr>
+              <a:buFont typeface="Arial" panose="020B0604020202020204" pitchFamily="34" charset="0"/>
+              <a:buChar char="•"/>
+            </a:pPr>
+            <a:endParaRPr lang="de-DE" dirty="0"/>
+          </a:p>
+          <a:p>
+            <a:pPr>
+              <a:buFont typeface="Arial" panose="020B0604020202020204" pitchFamily="34" charset="0"/>
+              <a:buChar char="•"/>
+            </a:pPr>
+            <a:r>
+              <a:rPr lang="de-DE" dirty="0"/>
+              <a:t>FTCS Annäherung</a:t>
+            </a:r>
+          </a:p>
+          <a:p>
+            <a:pPr>
+              <a:buFont typeface="Arial" panose="020B0604020202020204" pitchFamily="34" charset="0"/>
+              <a:buChar char="•"/>
+            </a:pPr>
+            <a:endParaRPr lang="de-DE" dirty="0"/>
+          </a:p>
+          <a:p>
+            <a:pPr>
+              <a:buFont typeface="Arial" panose="020B0604020202020204" pitchFamily="34" charset="0"/>
+              <a:buChar char="•"/>
+            </a:pPr>
+            <a:endParaRPr lang="de-DE" dirty="0"/>
+          </a:p>
+          <a:p>
+            <a:pPr>
+              <a:buFont typeface="Arial" panose="020B0604020202020204" pitchFamily="34" charset="0"/>
+              <a:buChar char="•"/>
+            </a:pPr>
+            <a:endParaRPr lang="de-DE" dirty="0"/>
           </a:p>
         </p:txBody>
       </p:sp>
@@ -11312,10 +12900,146 @@
           </a:p>
         </p:txBody>
       </p:sp>
+      <p:pic>
+        <p:nvPicPr>
+          <p:cNvPr id="29" name="Grafik 28">
+            <a:extLst>
+              <a:ext uri="{FF2B5EF4-FFF2-40B4-BE49-F238E27FC236}">
+                <a16:creationId xmlns:a16="http://schemas.microsoft.com/office/drawing/2014/main" id="{53458778-44B1-4940-AA94-B0F9223400B2}"/>
+              </a:ext>
+            </a:extLst>
+          </p:cNvPr>
+          <p:cNvPicPr>
+            <a:picLocks noChangeAspect="1"/>
+          </p:cNvPicPr>
+          <p:nvPr>
+            <p:custDataLst>
+              <p:tags r:id="rId1"/>
+            </p:custDataLst>
+          </p:nvPr>
+        </p:nvPicPr>
+        <p:blipFill>
+          <a:blip r:embed="rId7"/>
+          <a:stretch>
+            <a:fillRect/>
+          </a:stretch>
+        </p:blipFill>
+        <p:spPr>
+          <a:xfrm>
+            <a:off x="806199" y="4552339"/>
+            <a:ext cx="7186536" cy="431705"/>
+          </a:xfrm>
+          <a:prstGeom prst="rect">
+            <a:avLst/>
+          </a:prstGeom>
+        </p:spPr>
+      </p:pic>
+      <p:pic>
+        <p:nvPicPr>
+          <p:cNvPr id="27" name="Grafik 26">
+            <a:extLst>
+              <a:ext uri="{FF2B5EF4-FFF2-40B4-BE49-F238E27FC236}">
+                <a16:creationId xmlns:a16="http://schemas.microsoft.com/office/drawing/2014/main" id="{F4B31A9D-3592-498F-B9BD-79DC649B3372}"/>
+              </a:ext>
+            </a:extLst>
+          </p:cNvPr>
+          <p:cNvPicPr>
+            <a:picLocks noChangeAspect="1"/>
+          </p:cNvPicPr>
+          <p:nvPr>
+            <p:custDataLst>
+              <p:tags r:id="rId2"/>
+            </p:custDataLst>
+          </p:nvPr>
+        </p:nvPicPr>
+        <p:blipFill>
+          <a:blip r:embed="rId8"/>
+          <a:stretch>
+            <a:fillRect/>
+          </a:stretch>
+        </p:blipFill>
+        <p:spPr>
+          <a:xfrm>
+            <a:off x="2260613" y="2854184"/>
+            <a:ext cx="4393572" cy="283396"/>
+          </a:xfrm>
+          <a:prstGeom prst="rect">
+            <a:avLst/>
+          </a:prstGeom>
+        </p:spPr>
+      </p:pic>
+      <p:pic>
+        <p:nvPicPr>
+          <p:cNvPr id="21" name="Grafik 20">
+            <a:extLst>
+              <a:ext uri="{FF2B5EF4-FFF2-40B4-BE49-F238E27FC236}">
+                <a16:creationId xmlns:a16="http://schemas.microsoft.com/office/drawing/2014/main" id="{BEB35FD2-7687-4F17-A12C-01CB35F4FDDD}"/>
+              </a:ext>
+            </a:extLst>
+          </p:cNvPr>
+          <p:cNvPicPr>
+            <a:picLocks noChangeAspect="1"/>
+          </p:cNvPicPr>
+          <p:nvPr>
+            <p:custDataLst>
+              <p:tags r:id="rId3"/>
+            </p:custDataLst>
+          </p:nvPr>
+        </p:nvPicPr>
+        <p:blipFill>
+          <a:blip r:embed="rId9"/>
+          <a:stretch>
+            <a:fillRect/>
+          </a:stretch>
+        </p:blipFill>
+        <p:spPr>
+          <a:xfrm>
+            <a:off x="4389345" y="2027514"/>
+            <a:ext cx="1840598" cy="339264"/>
+          </a:xfrm>
+          <a:prstGeom prst="rect">
+            <a:avLst/>
+          </a:prstGeom>
+        </p:spPr>
+      </p:pic>
+      <p:pic>
+        <p:nvPicPr>
+          <p:cNvPr id="25" name="Grafik 24">
+            <a:extLst>
+              <a:ext uri="{FF2B5EF4-FFF2-40B4-BE49-F238E27FC236}">
+                <a16:creationId xmlns:a16="http://schemas.microsoft.com/office/drawing/2014/main" id="{A348CC02-51FA-44EF-869D-FA0E880DF6D1}"/>
+              </a:ext>
+            </a:extLst>
+          </p:cNvPr>
+          <p:cNvPicPr>
+            <a:picLocks noChangeAspect="1"/>
+          </p:cNvPicPr>
+          <p:nvPr>
+            <p:custDataLst>
+              <p:tags r:id="rId4"/>
+            </p:custDataLst>
+          </p:nvPr>
+        </p:nvPicPr>
+        <p:blipFill>
+          <a:blip r:embed="rId10"/>
+          <a:stretch>
+            <a:fillRect/>
+          </a:stretch>
+        </p:blipFill>
+        <p:spPr>
+          <a:xfrm>
+            <a:off x="4389345" y="3686506"/>
+            <a:ext cx="1890694" cy="346886"/>
+          </a:xfrm>
+          <a:prstGeom prst="rect">
+            <a:avLst/>
+          </a:prstGeom>
+        </p:spPr>
+      </p:pic>
     </p:spTree>
     <p:extLst>
       <p:ext uri="{BB962C8B-B14F-4D97-AF65-F5344CB8AC3E}">
-        <p14:creationId xmlns:p14="http://schemas.microsoft.com/office/powerpoint/2010/main" val="2393818834"/>
+        <p14:creationId xmlns:p14="http://schemas.microsoft.com/office/powerpoint/2010/main" val="2568877461"/>
       </p:ext>
     </p:extLst>
   </p:cSld>
@@ -11344,10 +13068,80 @@
       </p:grpSpPr>
       <p:sp>
         <p:nvSpPr>
-          <p:cNvPr id="2" name="Fußzeilenplatzhalter 1">
+          <p:cNvPr id="2" name="Titel 1">
             <a:extLst>
               <a:ext uri="{FF2B5EF4-FFF2-40B4-BE49-F238E27FC236}">
-                <a16:creationId xmlns:a16="http://schemas.microsoft.com/office/drawing/2014/main" id="{9159C207-6902-4ACF-9B6D-090ECBD09960}"/>
+                <a16:creationId xmlns:a16="http://schemas.microsoft.com/office/drawing/2014/main" id="{7973ADB4-7B60-4BA0-92F1-4A1D43355EFC}"/>
+              </a:ext>
+            </a:extLst>
+          </p:cNvPr>
+          <p:cNvSpPr>
+            <a:spLocks noGrp="1"/>
+          </p:cNvSpPr>
+          <p:nvPr>
+            <p:ph type="title"/>
+          </p:nvPr>
+        </p:nvSpPr>
+        <p:spPr/>
+        <p:txBody>
+          <a:bodyPr/>
+          <a:lstStyle/>
+          <a:p>
+            <a:r>
+              <a:rPr lang="de-DE" dirty="0"/>
+              <a:t>Anwendungsbeispiel Wärmeleitgleichung</a:t>
+            </a:r>
+          </a:p>
+        </p:txBody>
+      </p:sp>
+      <p:sp>
+        <p:nvSpPr>
+          <p:cNvPr id="3" name="Inhaltsplatzhalter 2">
+            <a:extLst>
+              <a:ext uri="{FF2B5EF4-FFF2-40B4-BE49-F238E27FC236}">
+                <a16:creationId xmlns:a16="http://schemas.microsoft.com/office/drawing/2014/main" id="{8837375F-C335-4E31-B852-9A9B1CC54A2A}"/>
+              </a:ext>
+            </a:extLst>
+          </p:cNvPr>
+          <p:cNvSpPr>
+            <a:spLocks noGrp="1"/>
+          </p:cNvSpPr>
+          <p:nvPr>
+            <p:ph idx="1"/>
+          </p:nvPr>
+        </p:nvSpPr>
+        <p:spPr/>
+        <p:txBody>
+          <a:bodyPr/>
+          <a:lstStyle/>
+          <a:p>
+            <a:pPr>
+              <a:buFont typeface="Arial" panose="020B0604020202020204" pitchFamily="34" charset="0"/>
+              <a:buChar char="•"/>
+            </a:pPr>
+            <a:r>
+              <a:rPr lang="de-DE" dirty="0"/>
+              <a:t>Partielle, parabolische Differentialgleichung</a:t>
+            </a:r>
+          </a:p>
+          <a:p>
+            <a:pPr>
+              <a:buFont typeface="Arial" panose="020B0604020202020204" pitchFamily="34" charset="0"/>
+              <a:buChar char="•"/>
+            </a:pPr>
+            <a:r>
+              <a:rPr lang="de-DE" dirty="0"/>
+              <a:t>zeitliche &amp; räumliche Änderung der Temperatur</a:t>
+            </a:r>
+          </a:p>
+        </p:txBody>
+      </p:sp>
+      <p:sp>
+        <p:nvSpPr>
+          <p:cNvPr id="4" name="Fußzeilenplatzhalter 3">
+            <a:extLst>
+              <a:ext uri="{FF2B5EF4-FFF2-40B4-BE49-F238E27FC236}">
+                <a16:creationId xmlns:a16="http://schemas.microsoft.com/office/drawing/2014/main" id="{2FD9181A-A864-419E-A314-8488B8E3E4F4}"/>
               </a:ext>
             </a:extLst>
           </p:cNvPr>
@@ -11373,36 +13167,36 @@
       </p:sp>
       <p:sp>
         <p:nvSpPr>
-          <p:cNvPr id="3" name="Textplatzhalter 2">
+          <p:cNvPr id="5" name="Textfeld 4">
             <a:extLst>
               <a:ext uri="{FF2B5EF4-FFF2-40B4-BE49-F238E27FC236}">
-                <a16:creationId xmlns:a16="http://schemas.microsoft.com/office/drawing/2014/main" id="{BCB299B6-8D63-49C1-AC1F-067AAD5BEDC4}"/>
+                <a16:creationId xmlns:a16="http://schemas.microsoft.com/office/drawing/2014/main" id="{7ABF9066-F194-408F-9795-E4094D0EB3BE}"/>
               </a:ext>
             </a:extLst>
           </p:cNvPr>
-          <p:cNvSpPr>
-            <a:spLocks noGrp="1"/>
-          </p:cNvSpPr>
-          <p:nvPr>
-            <p:ph type="body" sz="quarter" idx="10"/>
-          </p:nvPr>
+          <p:cNvSpPr txBox="1"/>
+          <p:nvPr/>
         </p:nvSpPr>
-        <p:spPr/>
+        <p:spPr>
+          <a:xfrm>
+            <a:off x="8014570" y="106918"/>
+            <a:ext cx="672230" cy="369332"/>
+          </a:xfrm>
+          <a:prstGeom prst="rect">
+            <a:avLst/>
+          </a:prstGeom>
+          <a:noFill/>
+        </p:spPr>
         <p:txBody>
-          <a:bodyPr/>
+          <a:bodyPr wrap="square" rtlCol="0">
+            <a:spAutoFit/>
+          </a:bodyPr>
           <a:lstStyle/>
           <a:p>
-            <a:r>
-              <a:rPr lang="de-DE" dirty="0"/>
-              <a:t>Implementierung mit HPX &amp; </a:t>
-            </a:r>
-            <a:r>
-              <a:rPr lang="de-DE" dirty="0" err="1"/>
-              <a:t>Kokkos</a:t>
-            </a:r>
-            <a:endParaRPr lang="de-DE" dirty="0"/>
-          </a:p>
-          <a:p>
+            <a:fld id="{E3C450BF-EACB-4BDE-AF0B-8B5969BCDFAB}" type="slidenum">
+              <a:rPr lang="de-DE" smtClean="0"/>
+              <a:t>9</a:t>
+            </a:fld>
             <a:endParaRPr lang="de-DE" dirty="0"/>
           </a:p>
         </p:txBody>
@@ -11410,7 +13204,7 @@
     </p:spTree>
     <p:extLst>
       <p:ext uri="{BB962C8B-B14F-4D97-AF65-F5344CB8AC3E}">
-        <p14:creationId xmlns:p14="http://schemas.microsoft.com/office/powerpoint/2010/main" val="2212007349"/>
+        <p14:creationId xmlns:p14="http://schemas.microsoft.com/office/powerpoint/2010/main" val="2393818834"/>
       </p:ext>
     </p:extLst>
   </p:cSld>
@@ -11418,6 +13212,82 @@
     <a:masterClrMapping/>
   </p:clrMapOvr>
 </p:sld>
+</file>
+
+<file path=ppt/tags/tag1.xml><?xml version="1.0" encoding="utf-8"?>
+<p:tagLst xmlns:a="http://schemas.openxmlformats.org/drawingml/2006/main" xmlns:r="http://schemas.openxmlformats.org/officeDocument/2006/relationships" xmlns:p="http://schemas.openxmlformats.org/presentationml/2006/main">
+  <p:tag name="OUTPUTDPI" val="1200"/>
+  <p:tag name="ORIGINALHEIGHT" val="201,7248"/>
+  <p:tag name="ORIGINALWIDTH" val="3496,813"/>
+  <p:tag name="LATEXADDIN" val="\documentclass{article}&#10;\usepackage{amsmath}&#10;\pagestyle{empty}&#10;\begin{document}&#10;&#10;$ \phi^{m+1}_{i,j} = \phi^{m}_{i,j}+D*dt*(\frac{\phi^{m}_{i-1,j}+\phi^{m}_{i+1,j}-2*\phi^{m}_{i,j}}{dx*dx}+\frac{\phi^{m}_{i,j-1}+\phi^{m}_{i,j+1}-2*\phi^{m}_{i,j}}{dy*dy}) $&#10;&#10;&#10;\end{document}"/>
+  <p:tag name="IGUANATEXSIZE" val="20"/>
+  <p:tag name="IGUANATEXCURSOR" val="118"/>
+  <p:tag name="TRANSPARENCY" val="Wahr"/>
+  <p:tag name="FILENAME" val=""/>
+  <p:tag name="LATEXENGINEID" val="0"/>
+  <p:tag name="TEMPFOLDER" val="C:\Users\Andrey\Desktop\Quellen HS\Hauptseminar\"/>
+  <p:tag name="LATEXFORMHEIGHT" val="312"/>
+  <p:tag name="LATEXFORMWIDTH" val="384"/>
+  <p:tag name="LATEXFORMWRAP" val="Wahr"/>
+  <p:tag name="BITMAPVECTOR" val="0"/>
+</p:tagLst>
+</file>
+
+<file path=ppt/tags/tag2.xml><?xml version="1.0" encoding="utf-8"?>
+<p:tagLst xmlns:a="http://schemas.openxmlformats.org/drawingml/2006/main" xmlns:r="http://schemas.openxmlformats.org/officeDocument/2006/relationships" xmlns:p="http://schemas.openxmlformats.org/presentationml/2006/main">
+  <p:tag name="OUTPUTDPI" val="1200"/>
+  <p:tag name="ORIGINALHEIGHT" val="154,4807"/>
+  <p:tag name="ORIGINALWIDTH" val="2401,95"/>
+  <p:tag name="LATEXADDIN" val="\documentclass{article}&#10;\usepackage{amsmath}&#10;\pagestyle{empty}&#10;\begin{document}&#10;&#10;$ \phi^{m+1}_{i} = \phi^{m}_i+D\frac{dt}{dx*dx}(\phi^{m}_{i+1}-2*\phi^{m}_i+\phi^{m}_{i-1}) $&#10;&#10;\end{document}"/>
+  <p:tag name="IGUANATEXSIZE" val="18"/>
+  <p:tag name="IGUANATEXCURSOR" val="118"/>
+  <p:tag name="TRANSPARENCY" val="Wahr"/>
+  <p:tag name="FILENAME" val=""/>
+  <p:tag name="LATEXENGINEID" val="0"/>
+  <p:tag name="TEMPFOLDER" val="C:\Users\Andrey\Desktop\Quellen HS\Hauptseminar\"/>
+  <p:tag name="LATEXFORMHEIGHT" val="312"/>
+  <p:tag name="LATEXFORMWIDTH" val="384"/>
+  <p:tag name="LATEXFORMWRAP" val="Wahr"/>
+  <p:tag name="BITMAPVECTOR" val="0"/>
+</p:tagLst>
+</file>
+
+<file path=ppt/tags/tag3.xml><?xml version="1.0" encoding="utf-8"?>
+<p:tagLst xmlns:a="http://schemas.openxmlformats.org/drawingml/2006/main" xmlns:r="http://schemas.openxmlformats.org/officeDocument/2006/relationships" xmlns:p="http://schemas.openxmlformats.org/presentationml/2006/main">
+  <p:tag name="OUTPUTDPI" val="1200"/>
+  <p:tag name="ORIGINALHEIGHT" val="184,4769"/>
+  <p:tag name="ORIGINALWIDTH" val="1001,875"/>
+  <p:tag name="LATEXADDIN" val="\documentclass{article}&#10;\usepackage{amsmath}&#10;\pagestyle{empty}&#10;\begin{document}&#10;&#10;$  \frac{\partial u (x,t)}{\partial t} = D\frac{\partial ^2 u(x,z)}{\partial x^2} $&#10;&#10;&#10;\end{document}"/>
+  <p:tag name="IGUANATEXSIZE" val="18"/>
+  <p:tag name="IGUANATEXCURSOR" val="161"/>
+  <p:tag name="TRANSPARENCY" val="Wahr"/>
+  <p:tag name="FILENAME" val=""/>
+  <p:tag name="LATEXENGINEID" val="0"/>
+  <p:tag name="TEMPFOLDER" val="C:\Users\Andrey\Desktop\Quellen HS\Hauptseminar\"/>
+  <p:tag name="LATEXFORMHEIGHT" val="312"/>
+  <p:tag name="LATEXFORMWIDTH" val="384"/>
+  <p:tag name="LATEXFORMWRAP" val="Wahr"/>
+  <p:tag name="BITMAPVECTOR" val="0"/>
+</p:tagLst>
+</file>
+
+<file path=ppt/tags/tag4.xml><?xml version="1.0" encoding="utf-8"?>
+<p:tagLst xmlns:a="http://schemas.openxmlformats.org/drawingml/2006/main" xmlns:r="http://schemas.openxmlformats.org/officeDocument/2006/relationships" xmlns:p="http://schemas.openxmlformats.org/presentationml/2006/main">
+  <p:tag name="OUTPUTDPI" val="1200"/>
+  <p:tag name="ORIGINALHEIGHT" val="188,9764"/>
+  <p:tag name="ORIGINALWIDTH" val="1033,371"/>
+  <p:tag name="LATEXADDIN" val="\documentclass{article}&#10;\usepackage{amsmath}&#10;\pagestyle{empty}&#10;\begin{document}&#10;$  \frac{\partial u }{\partial t} = D(\frac{\partial ^2 u}{\partial x^2} + \frac{\partial ^2 u}{\partial y^2}) $&#10;&#10;&#10;&#10;&#10;\end{document}"/>
+  <p:tag name="IGUANATEXSIZE" val="18"/>
+  <p:tag name="IGUANATEXCURSOR" val="162"/>
+  <p:tag name="TRANSPARENCY" val="Wahr"/>
+  <p:tag name="FILENAME" val=""/>
+  <p:tag name="LATEXENGINEID" val="0"/>
+  <p:tag name="TEMPFOLDER" val="C:\Users\Andrey\Desktop\Quellen HS\Hauptseminar\"/>
+  <p:tag name="LATEXFORMHEIGHT" val="321"/>
+  <p:tag name="LATEXFORMWIDTH" val="384"/>
+  <p:tag name="LATEXFORMWRAP" val="Wahr"/>
+  <p:tag name="BITMAPVECTOR" val="0"/>
+</p:tagLst>
 </file>
 
 <file path=ppt/theme/theme1.xml><?xml version="1.0" encoding="utf-8"?>

--- a/Hauptseminar HPC.pptx
+++ b/Hauptseminar HPC.pptx
@@ -2314,7 +2314,7 @@
           </a:ln>
           <a:extLst>
             <a:ext uri="{909E8E84-426E-40dd-AFC4-6F175D3DCCD1}">
-              <a14:hiddenFill xmlns="" xmlns:a14="http://schemas.microsoft.com/office/drawing/2010/main">
+              <a14:hiddenFill xmlns:a14="http://schemas.microsoft.com/office/drawing/2010/main" xmlns="">
                 <a:noFill/>
               </a14:hiddenFill>
             </a:ext>
@@ -2355,7 +2355,7 @@
           </a:ln>
           <a:extLst>
             <a:ext uri="{909E8E84-426E-40dd-AFC4-6F175D3DCCD1}">
-              <a14:hiddenFill xmlns="" xmlns:a14="http://schemas.microsoft.com/office/drawing/2010/main">
+              <a14:hiddenFill xmlns:a14="http://schemas.microsoft.com/office/drawing/2010/main" xmlns="">
                 <a:noFill/>
               </a14:hiddenFill>
             </a:ext>
@@ -2404,14 +2404,14 @@
           </a:ln>
           <a:extLst>
             <a:ext uri="{909E8E84-426E-40dd-AFC4-6F175D3DCCD1}">
-              <a14:hiddenFill xmlns="" xmlns:a14="http://schemas.microsoft.com/office/drawing/2010/main">
+              <a14:hiddenFill xmlns:a14="http://schemas.microsoft.com/office/drawing/2010/main" xmlns="">
                 <a:solidFill>
                   <a:srgbClr val="FFFFFF"/>
                 </a:solidFill>
               </a14:hiddenFill>
             </a:ext>
             <a:ext uri="{91240B29-F687-4f45-9708-019B960494DF}">
-              <a14:hiddenLine xmlns="" xmlns:a14="http://schemas.microsoft.com/office/drawing/2010/main" w="9525">
+              <a14:hiddenLine xmlns:a14="http://schemas.microsoft.com/office/drawing/2010/main" xmlns="" w="9525">
                 <a:solidFill>
                   <a:srgbClr val="000000"/>
                 </a:solidFill>
@@ -2445,14 +2445,14 @@
           </a:ln>
           <a:extLst>
             <a:ext uri="{909E8E84-426E-40dd-AFC4-6F175D3DCCD1}">
-              <a14:hiddenFill xmlns="" xmlns:a14="http://schemas.microsoft.com/office/drawing/2010/main">
+              <a14:hiddenFill xmlns:a14="http://schemas.microsoft.com/office/drawing/2010/main" xmlns="">
                 <a:solidFill>
                   <a:srgbClr val="FFFFFF"/>
                 </a:solidFill>
               </a14:hiddenFill>
             </a:ext>
             <a:ext uri="{91240B29-F687-4f45-9708-019B960494DF}">
-              <a14:hiddenLine xmlns="" xmlns:a14="http://schemas.microsoft.com/office/drawing/2010/main" w="9525">
+              <a14:hiddenLine xmlns:a14="http://schemas.microsoft.com/office/drawing/2010/main" xmlns="" w="9525">
                 <a:solidFill>
                   <a:srgbClr val="000000"/>
                 </a:solidFill>
@@ -3803,7 +3803,7 @@
           </a:ln>
           <a:extLst>
             <a:ext uri="{909E8E84-426E-40dd-AFC4-6F175D3DCCD1}">
-              <a14:hiddenFill xmlns="" xmlns:a14="http://schemas.microsoft.com/office/drawing/2010/main">
+              <a14:hiddenFill xmlns:a14="http://schemas.microsoft.com/office/drawing/2010/main" xmlns="">
                 <a:noFill/>
               </a14:hiddenFill>
             </a:ext>
@@ -3844,7 +3844,7 @@
           </a:ln>
           <a:extLst>
             <a:ext uri="{909E8E84-426E-40dd-AFC4-6F175D3DCCD1}">
-              <a14:hiddenFill xmlns="" xmlns:a14="http://schemas.microsoft.com/office/drawing/2010/main">
+              <a14:hiddenFill xmlns:a14="http://schemas.microsoft.com/office/drawing/2010/main" xmlns="">
                 <a:noFill/>
               </a14:hiddenFill>
             </a:ext>
@@ -3893,14 +3893,14 @@
           </a:ln>
           <a:extLst>
             <a:ext uri="{909E8E84-426E-40dd-AFC4-6F175D3DCCD1}">
-              <a14:hiddenFill xmlns="" xmlns:a14="http://schemas.microsoft.com/office/drawing/2010/main">
+              <a14:hiddenFill xmlns:a14="http://schemas.microsoft.com/office/drawing/2010/main" xmlns="">
                 <a:solidFill>
                   <a:srgbClr val="FFFFFF"/>
                 </a:solidFill>
               </a14:hiddenFill>
             </a:ext>
             <a:ext uri="{91240B29-F687-4f45-9708-019B960494DF}">
-              <a14:hiddenLine xmlns="" xmlns:a14="http://schemas.microsoft.com/office/drawing/2010/main" w="9525">
+              <a14:hiddenLine xmlns:a14="http://schemas.microsoft.com/office/drawing/2010/main" xmlns="" w="9525">
                 <a:solidFill>
                   <a:srgbClr val="000000"/>
                 </a:solidFill>
@@ -3934,14 +3934,14 @@
           </a:ln>
           <a:extLst>
             <a:ext uri="{909E8E84-426E-40dd-AFC4-6F175D3DCCD1}">
-              <a14:hiddenFill xmlns="" xmlns:a14="http://schemas.microsoft.com/office/drawing/2010/main">
+              <a14:hiddenFill xmlns:a14="http://schemas.microsoft.com/office/drawing/2010/main" xmlns="">
                 <a:solidFill>
                   <a:srgbClr val="FFFFFF"/>
                 </a:solidFill>
               </a14:hiddenFill>
             </a:ext>
             <a:ext uri="{91240B29-F687-4f45-9708-019B960494DF}">
-              <a14:hiddenLine xmlns="" xmlns:a14="http://schemas.microsoft.com/office/drawing/2010/main" w="9525">
+              <a14:hiddenLine xmlns:a14="http://schemas.microsoft.com/office/drawing/2010/main" xmlns="" w="9525">
                 <a:solidFill>
                   <a:srgbClr val="000000"/>
                 </a:solidFill>
@@ -4975,7 +4975,7 @@
           </a:ln>
           <a:extLst>
             <a:ext uri="{909E8E84-426E-40dd-AFC4-6F175D3DCCD1}">
-              <a14:hiddenFill xmlns="" xmlns:a14="http://schemas.microsoft.com/office/drawing/2010/main">
+              <a14:hiddenFill xmlns:a14="http://schemas.microsoft.com/office/drawing/2010/main" xmlns="">
                 <a:noFill/>
               </a14:hiddenFill>
             </a:ext>
@@ -5020,7 +5020,7 @@
           </a:ln>
           <a:extLst>
             <a:ext uri="{909E8E84-426E-40dd-AFC4-6F175D3DCCD1}">
-              <a14:hiddenFill xmlns="" xmlns:a14="http://schemas.microsoft.com/office/drawing/2010/main">
+              <a14:hiddenFill xmlns:a14="http://schemas.microsoft.com/office/drawing/2010/main" xmlns="">
                 <a:noFill/>
               </a14:hiddenFill>
             </a:ext>
@@ -5069,14 +5069,14 @@
           </a:ln>
           <a:extLst>
             <a:ext uri="{909E8E84-426E-40dd-AFC4-6F175D3DCCD1}">
-              <a14:hiddenFill xmlns="" xmlns:a14="http://schemas.microsoft.com/office/drawing/2010/main">
+              <a14:hiddenFill xmlns:a14="http://schemas.microsoft.com/office/drawing/2010/main" xmlns="">
                 <a:solidFill>
                   <a:srgbClr val="FFFFFF"/>
                 </a:solidFill>
               </a14:hiddenFill>
             </a:ext>
             <a:ext uri="{91240B29-F687-4f45-9708-019B960494DF}">
-              <a14:hiddenLine xmlns="" xmlns:a14="http://schemas.microsoft.com/office/drawing/2010/main" w="9525">
+              <a14:hiddenLine xmlns:a14="http://schemas.microsoft.com/office/drawing/2010/main" xmlns="" w="9525">
                 <a:solidFill>
                   <a:srgbClr val="000000"/>
                 </a:solidFill>
@@ -5110,14 +5110,14 @@
           </a:ln>
           <a:extLst>
             <a:ext uri="{909E8E84-426E-40dd-AFC4-6F175D3DCCD1}">
-              <a14:hiddenFill xmlns="" xmlns:a14="http://schemas.microsoft.com/office/drawing/2010/main">
+              <a14:hiddenFill xmlns:a14="http://schemas.microsoft.com/office/drawing/2010/main" xmlns="">
                 <a:solidFill>
                   <a:srgbClr val="FFFFFF"/>
                 </a:solidFill>
               </a14:hiddenFill>
             </a:ext>
             <a:ext uri="{91240B29-F687-4f45-9708-019B960494DF}">
-              <a14:hiddenLine xmlns="" xmlns:a14="http://schemas.microsoft.com/office/drawing/2010/main" w="9525">
+              <a14:hiddenLine xmlns:a14="http://schemas.microsoft.com/office/drawing/2010/main" xmlns="" w="9525">
                 <a:solidFill>
                   <a:srgbClr val="000000"/>
                 </a:solidFill>
@@ -5735,17 +5735,17 @@
           </a:ln>
           <a:extLst>
             <a:ext uri="{FAA26D3D-D897-4be2-8F04-BA451C77F1D7}">
-              <ma14:placeholderFlag xmlns="" xmlns:ma14="http://schemas.microsoft.com/office/mac/drawingml/2011/main" val="1"/>
+              <ma14:placeholderFlag xmlns:ma14="http://schemas.microsoft.com/office/mac/drawingml/2011/main" xmlns="" val="1"/>
             </a:ext>
             <a:ext uri="{909E8E84-426E-40dd-AFC4-6F175D3DCCD1}">
-              <a14:hiddenFill xmlns="" xmlns:a14="http://schemas.microsoft.com/office/drawing/2010/main">
+              <a14:hiddenFill xmlns:a14="http://schemas.microsoft.com/office/drawing/2010/main" xmlns="">
                 <a:solidFill>
                   <a:srgbClr val="FFFFFF"/>
                 </a:solidFill>
               </a14:hiddenFill>
             </a:ext>
             <a:ext uri="{91240B29-F687-4f45-9708-019B960494DF}">
-              <a14:hiddenLine xmlns="" xmlns:a14="http://schemas.microsoft.com/office/drawing/2010/main" w="9525">
+              <a14:hiddenLine xmlns:a14="http://schemas.microsoft.com/office/drawing/2010/main" xmlns="" w="9525">
                 <a:solidFill>
                   <a:srgbClr val="000000"/>
                 </a:solidFill>
@@ -5866,17 +5866,17 @@
           </a:ln>
           <a:extLst>
             <a:ext uri="{FAA26D3D-D897-4be2-8F04-BA451C77F1D7}">
-              <ma14:placeholderFlag xmlns="" xmlns:ma14="http://schemas.microsoft.com/office/mac/drawingml/2011/main" val="1"/>
+              <ma14:placeholderFlag xmlns:ma14="http://schemas.microsoft.com/office/mac/drawingml/2011/main" xmlns="" val="1"/>
             </a:ext>
             <a:ext uri="{909E8E84-426E-40dd-AFC4-6F175D3DCCD1}">
-              <a14:hiddenFill xmlns="" xmlns:a14="http://schemas.microsoft.com/office/drawing/2010/main">
+              <a14:hiddenFill xmlns:a14="http://schemas.microsoft.com/office/drawing/2010/main" xmlns="">
                 <a:solidFill>
                   <a:srgbClr val="FFFFFF"/>
                 </a:solidFill>
               </a14:hiddenFill>
             </a:ext>
             <a:ext uri="{91240B29-F687-4f45-9708-019B960494DF}">
-              <a14:hiddenLine xmlns="" xmlns:a14="http://schemas.microsoft.com/office/drawing/2010/main" w="9525">
+              <a14:hiddenLine xmlns:a14="http://schemas.microsoft.com/office/drawing/2010/main" xmlns="" w="9525">
                 <a:solidFill>
                   <a:srgbClr val="000000"/>
                 </a:solidFill>
@@ -6424,14 +6424,14 @@
           </a:ln>
           <a:extLst>
             <a:ext uri="{909E8E84-426E-40dd-AFC4-6F175D3DCCD1}">
-              <a14:hiddenFill xmlns="" xmlns:a14="http://schemas.microsoft.com/office/drawing/2010/main">
+              <a14:hiddenFill xmlns:a14="http://schemas.microsoft.com/office/drawing/2010/main" xmlns="">
                 <a:solidFill>
                   <a:srgbClr val="FFFFFF"/>
                 </a:solidFill>
               </a14:hiddenFill>
             </a:ext>
             <a:ext uri="{91240B29-F687-4f45-9708-019B960494DF}">
-              <a14:hiddenLine xmlns="" xmlns:a14="http://schemas.microsoft.com/office/drawing/2010/main" w="9525">
+              <a14:hiddenLine xmlns:a14="http://schemas.microsoft.com/office/drawing/2010/main" xmlns="" w="9525">
                 <a:solidFill>
                   <a:srgbClr val="000000"/>
                 </a:solidFill>
@@ -6478,14 +6478,14 @@
           </a:ln>
           <a:extLst>
             <a:ext uri="{909E8E84-426E-40dd-AFC4-6F175D3DCCD1}">
-              <a14:hiddenFill xmlns="" xmlns:a14="http://schemas.microsoft.com/office/drawing/2010/main">
+              <a14:hiddenFill xmlns:a14="http://schemas.microsoft.com/office/drawing/2010/main" xmlns="">
                 <a:solidFill>
                   <a:srgbClr val="FFFFFF"/>
                 </a:solidFill>
               </a14:hiddenFill>
             </a:ext>
             <a:ext uri="{91240B29-F687-4f45-9708-019B960494DF}">
-              <a14:hiddenLine xmlns="" xmlns:a14="http://schemas.microsoft.com/office/drawing/2010/main" w="9525">
+              <a14:hiddenLine xmlns:a14="http://schemas.microsoft.com/office/drawing/2010/main" xmlns="" w="9525">
                 <a:solidFill>
                   <a:srgbClr val="000000"/>
                 </a:solidFill>
@@ -6521,17 +6521,17 @@
           </a:ln>
           <a:extLst>
             <a:ext uri="{FAA26D3D-D897-4be2-8F04-BA451C77F1D7}">
-              <ma14:placeholderFlag xmlns="" xmlns:ma14="http://schemas.microsoft.com/office/mac/drawingml/2011/main" val="1"/>
+              <ma14:placeholderFlag xmlns:ma14="http://schemas.microsoft.com/office/mac/drawingml/2011/main" xmlns="" val="1"/>
             </a:ext>
             <a:ext uri="{909E8E84-426E-40dd-AFC4-6F175D3DCCD1}">
-              <a14:hiddenFill xmlns="" xmlns:a14="http://schemas.microsoft.com/office/drawing/2010/main">
+              <a14:hiddenFill xmlns:a14="http://schemas.microsoft.com/office/drawing/2010/main" xmlns="">
                 <a:solidFill>
                   <a:srgbClr val="FFFFFF"/>
                 </a:solidFill>
               </a14:hiddenFill>
             </a:ext>
             <a:ext uri="{91240B29-F687-4f45-9708-019B960494DF}">
-              <a14:hiddenLine xmlns="" xmlns:a14="http://schemas.microsoft.com/office/drawing/2010/main" w="9525">
+              <a14:hiddenLine xmlns:a14="http://schemas.microsoft.com/office/drawing/2010/main" xmlns="" w="9525">
                 <a:solidFill>
                   <a:srgbClr val="000000"/>
                 </a:solidFill>
@@ -6652,17 +6652,17 @@
           </a:ln>
           <a:extLst>
             <a:ext uri="{FAA26D3D-D897-4be2-8F04-BA451C77F1D7}">
-              <ma14:placeholderFlag xmlns="" xmlns:ma14="http://schemas.microsoft.com/office/mac/drawingml/2011/main" val="1"/>
+              <ma14:placeholderFlag xmlns:ma14="http://schemas.microsoft.com/office/mac/drawingml/2011/main" xmlns="" val="1"/>
             </a:ext>
             <a:ext uri="{909E8E84-426E-40dd-AFC4-6F175D3DCCD1}">
-              <a14:hiddenFill xmlns="" xmlns:a14="http://schemas.microsoft.com/office/drawing/2010/main">
+              <a14:hiddenFill xmlns:a14="http://schemas.microsoft.com/office/drawing/2010/main" xmlns="">
                 <a:solidFill>
                   <a:srgbClr val="FFFFFF"/>
                 </a:solidFill>
               </a14:hiddenFill>
             </a:ext>
             <a:ext uri="{91240B29-F687-4f45-9708-019B960494DF}">
-              <a14:hiddenLine xmlns="" xmlns:a14="http://schemas.microsoft.com/office/drawing/2010/main" w="9525">
+              <a14:hiddenLine xmlns:a14="http://schemas.microsoft.com/office/drawing/2010/main" xmlns="" w="9525">
                 <a:solidFill>
                   <a:srgbClr val="000000"/>
                 </a:solidFill>
@@ -7210,14 +7210,14 @@
           </a:ln>
           <a:extLst>
             <a:ext uri="{909E8E84-426E-40dd-AFC4-6F175D3DCCD1}">
-              <a14:hiddenFill xmlns="" xmlns:a14="http://schemas.microsoft.com/office/drawing/2010/main">
+              <a14:hiddenFill xmlns:a14="http://schemas.microsoft.com/office/drawing/2010/main" xmlns="">
                 <a:solidFill>
                   <a:srgbClr val="FFFFFF"/>
                 </a:solidFill>
               </a14:hiddenFill>
             </a:ext>
             <a:ext uri="{91240B29-F687-4f45-9708-019B960494DF}">
-              <a14:hiddenLine xmlns="" xmlns:a14="http://schemas.microsoft.com/office/drawing/2010/main" w="9525">
+              <a14:hiddenLine xmlns:a14="http://schemas.microsoft.com/office/drawing/2010/main" xmlns="" w="9525">
                 <a:solidFill>
                   <a:srgbClr val="000000"/>
                 </a:solidFill>
@@ -7253,17 +7253,17 @@
           </a:ln>
           <a:extLst>
             <a:ext uri="{FAA26D3D-D897-4be2-8F04-BA451C77F1D7}">
-              <ma14:placeholderFlag xmlns="" xmlns:ma14="http://schemas.microsoft.com/office/mac/drawingml/2011/main" val="1"/>
+              <ma14:placeholderFlag xmlns:ma14="http://schemas.microsoft.com/office/mac/drawingml/2011/main" xmlns="" val="1"/>
             </a:ext>
             <a:ext uri="{909E8E84-426E-40dd-AFC4-6F175D3DCCD1}">
-              <a14:hiddenFill xmlns="" xmlns:a14="http://schemas.microsoft.com/office/drawing/2010/main">
+              <a14:hiddenFill xmlns:a14="http://schemas.microsoft.com/office/drawing/2010/main" xmlns="">
                 <a:solidFill>
                   <a:srgbClr val="FFFFFF"/>
                 </a:solidFill>
               </a14:hiddenFill>
             </a:ext>
             <a:ext uri="{91240B29-F687-4f45-9708-019B960494DF}">
-              <a14:hiddenLine xmlns="" xmlns:a14="http://schemas.microsoft.com/office/drawing/2010/main" w="9525">
+              <a14:hiddenLine xmlns:a14="http://schemas.microsoft.com/office/drawing/2010/main" xmlns="" w="9525">
                 <a:solidFill>
                   <a:srgbClr val="000000"/>
                 </a:solidFill>
@@ -7384,17 +7384,17 @@
           </a:ln>
           <a:extLst>
             <a:ext uri="{FAA26D3D-D897-4be2-8F04-BA451C77F1D7}">
-              <ma14:placeholderFlag xmlns="" xmlns:ma14="http://schemas.microsoft.com/office/mac/drawingml/2011/main" val="1"/>
+              <ma14:placeholderFlag xmlns:ma14="http://schemas.microsoft.com/office/mac/drawingml/2011/main" xmlns="" val="1"/>
             </a:ext>
             <a:ext uri="{909E8E84-426E-40dd-AFC4-6F175D3DCCD1}">
-              <a14:hiddenFill xmlns="" xmlns:a14="http://schemas.microsoft.com/office/drawing/2010/main">
+              <a14:hiddenFill xmlns:a14="http://schemas.microsoft.com/office/drawing/2010/main" xmlns="">
                 <a:solidFill>
                   <a:srgbClr val="FFFFFF"/>
                 </a:solidFill>
               </a14:hiddenFill>
             </a:ext>
             <a:ext uri="{91240B29-F687-4f45-9708-019B960494DF}">
-              <a14:hiddenLine xmlns="" xmlns:a14="http://schemas.microsoft.com/office/drawing/2010/main" w="9525">
+              <a14:hiddenLine xmlns:a14="http://schemas.microsoft.com/office/drawing/2010/main" xmlns="" w="9525">
                 <a:solidFill>
                   <a:srgbClr val="000000"/>
                 </a:solidFill>
@@ -8274,35 +8274,6 @@
           </a:p>
         </p:txBody>
       </p:sp>
-      <p:pic>
-        <p:nvPicPr>
-          <p:cNvPr id="10" name="Inhaltsplatzhalter 9">
-            <a:extLst>
-              <a:ext uri="{FF2B5EF4-FFF2-40B4-BE49-F238E27FC236}">
-                <a16:creationId xmlns:a16="http://schemas.microsoft.com/office/drawing/2014/main" id="{7A5549B0-75F7-43A0-8BFB-AE40E3538142}"/>
-              </a:ext>
-            </a:extLst>
-          </p:cNvPr>
-          <p:cNvPicPr>
-            <a:picLocks noGrp="1" noChangeAspect="1"/>
-          </p:cNvPicPr>
-          <p:nvPr>
-            <p:ph idx="1"/>
-          </p:nvPr>
-        </p:nvPicPr>
-        <p:blipFill>
-          <a:blip r:embed="rId2"/>
-          <a:stretch>
-            <a:fillRect/>
-          </a:stretch>
-        </p:blipFill>
-        <p:spPr>
-          <a:xfrm>
-            <a:off x="323850" y="765175"/>
-            <a:ext cx="7690720" cy="5256213"/>
-          </a:xfrm>
-        </p:spPr>
-      </p:pic>
       <p:sp>
         <p:nvSpPr>
           <p:cNvPr id="4" name="Fußzeilenplatzhalter 3">
@@ -8368,6 +8339,35 @@
           </a:p>
         </p:txBody>
       </p:sp>
+      <p:pic>
+        <p:nvPicPr>
+          <p:cNvPr id="8" name="Inhaltsplatzhalter 7">
+            <a:extLst>
+              <a:ext uri="{FF2B5EF4-FFF2-40B4-BE49-F238E27FC236}">
+                <a16:creationId xmlns:a16="http://schemas.microsoft.com/office/drawing/2014/main" id="{4A291F52-A5E9-4CA4-8427-6371DCB6B110}"/>
+              </a:ext>
+            </a:extLst>
+          </p:cNvPr>
+          <p:cNvPicPr>
+            <a:picLocks noGrp="1" noChangeAspect="1"/>
+          </p:cNvPicPr>
+          <p:nvPr>
+            <p:ph idx="1"/>
+          </p:nvPr>
+        </p:nvPicPr>
+        <p:blipFill>
+          <a:blip r:embed="rId2"/>
+          <a:stretch>
+            <a:fillRect/>
+          </a:stretch>
+        </p:blipFill>
+        <p:spPr>
+          <a:xfrm>
+            <a:off x="329188" y="508555"/>
+            <a:ext cx="8021497" cy="5256213"/>
+          </a:xfrm>
+        </p:spPr>
+      </p:pic>
     </p:spTree>
     <p:extLst>
       <p:ext uri="{BB962C8B-B14F-4D97-AF65-F5344CB8AC3E}">
@@ -8426,35 +8426,6 @@
           </a:p>
         </p:txBody>
       </p:sp>
-      <p:pic>
-        <p:nvPicPr>
-          <p:cNvPr id="8" name="Inhaltsplatzhalter 7">
-            <a:extLst>
-              <a:ext uri="{FF2B5EF4-FFF2-40B4-BE49-F238E27FC236}">
-                <a16:creationId xmlns:a16="http://schemas.microsoft.com/office/drawing/2014/main" id="{730E3A38-929E-4E74-88EC-EFA00A07AB49}"/>
-              </a:ext>
-            </a:extLst>
-          </p:cNvPr>
-          <p:cNvPicPr>
-            <a:picLocks noGrp="1" noChangeAspect="1"/>
-          </p:cNvPicPr>
-          <p:nvPr>
-            <p:ph idx="1"/>
-          </p:nvPr>
-        </p:nvPicPr>
-        <p:blipFill>
-          <a:blip r:embed="rId2"/>
-          <a:stretch>
-            <a:fillRect/>
-          </a:stretch>
-        </p:blipFill>
-        <p:spPr>
-          <a:xfrm>
-            <a:off x="323851" y="744266"/>
-            <a:ext cx="7690720" cy="1842684"/>
-          </a:xfrm>
-        </p:spPr>
-      </p:pic>
       <p:sp>
         <p:nvSpPr>
           <p:cNvPr id="4" name="Fußzeilenplatzhalter 3">
@@ -8516,6 +8487,66 @@
               <a:rPr lang="de-DE" smtClean="0"/>
               <a:t>13</a:t>
             </a:fld>
+            <a:endParaRPr lang="de-DE" dirty="0"/>
+          </a:p>
+        </p:txBody>
+      </p:sp>
+      <p:pic>
+        <p:nvPicPr>
+          <p:cNvPr id="11" name="Grafik 10">
+            <a:extLst>
+              <a:ext uri="{FF2B5EF4-FFF2-40B4-BE49-F238E27FC236}">
+                <a16:creationId xmlns:a16="http://schemas.microsoft.com/office/drawing/2014/main" id="{0E6A4444-9A9F-4FAC-9776-4FB78FD5E43E}"/>
+              </a:ext>
+            </a:extLst>
+          </p:cNvPr>
+          <p:cNvPicPr>
+            <a:picLocks noChangeAspect="1"/>
+          </p:cNvPicPr>
+          <p:nvPr/>
+        </p:nvPicPr>
+        <p:blipFill>
+          <a:blip r:embed="rId2"/>
+          <a:stretch>
+            <a:fillRect/>
+          </a:stretch>
+        </p:blipFill>
+        <p:spPr>
+          <a:xfrm>
+            <a:off x="323850" y="508555"/>
+            <a:ext cx="8021497" cy="4199726"/>
+          </a:xfrm>
+          <a:prstGeom prst="rect">
+            <a:avLst/>
+          </a:prstGeom>
+        </p:spPr>
+      </p:pic>
+      <p:sp>
+        <p:nvSpPr>
+          <p:cNvPr id="13" name="Inhaltsplatzhalter 12">
+            <a:extLst>
+              <a:ext uri="{FF2B5EF4-FFF2-40B4-BE49-F238E27FC236}">
+                <a16:creationId xmlns:a16="http://schemas.microsoft.com/office/drawing/2014/main" id="{727949CB-387B-442C-9776-4C998F3FC7E6}"/>
+              </a:ext>
+            </a:extLst>
+          </p:cNvPr>
+          <p:cNvSpPr>
+            <a:spLocks noGrp="1"/>
+          </p:cNvSpPr>
+          <p:nvPr>
+            <p:ph idx="1"/>
+          </p:nvPr>
+        </p:nvSpPr>
+        <p:spPr>
+          <a:xfrm>
+            <a:off x="396081" y="5904335"/>
+            <a:ext cx="8351838" cy="5256213"/>
+          </a:xfrm>
+        </p:spPr>
+        <p:txBody>
+          <a:bodyPr/>
+          <a:lstStyle/>
+          <a:p>
             <a:endParaRPr lang="de-DE" dirty="0"/>
           </a:p>
         </p:txBody>
@@ -12291,21 +12322,30 @@
                             </p:childTnLst>
                           </p:cTn>
                         </p:par>
+                      </p:childTnLst>
+                    </p:cTn>
+                  </p:par>
+                  <p:par>
+                    <p:cTn id="8" fill="hold">
+                      <p:stCondLst>
+                        <p:cond delay="indefinite"/>
+                      </p:stCondLst>
+                      <p:childTnLst>
                         <p:par>
-                          <p:cTn id="8" fill="hold">
+                          <p:cTn id="9" fill="hold">
                             <p:stCondLst>
-                              <p:cond delay="500"/>
+                              <p:cond delay="0"/>
                             </p:stCondLst>
                             <p:childTnLst>
                               <p:par>
-                                <p:cTn id="9" presetID="10" presetClass="entr" presetSubtype="0" fill="hold" nodeType="afterEffect">
+                                <p:cTn id="10" presetID="10" presetClass="entr" presetSubtype="0" fill="hold" nodeType="clickEffect">
                                   <p:stCondLst>
                                     <p:cond delay="0"/>
                                   </p:stCondLst>
                                   <p:childTnLst>
                                     <p:set>
                                       <p:cBhvr>
-                                        <p:cTn id="10" dur="1" fill="hold">
+                                        <p:cTn id="11" dur="1" fill="hold">
                                           <p:stCondLst>
                                             <p:cond delay="0"/>
                                           </p:stCondLst>
@@ -12327,7 +12367,7 @@
                                     </p:set>
                                     <p:animEffect transition="in" filter="fade">
                                       <p:cBhvr>
-                                        <p:cTn id="11" dur="500"/>
+                                        <p:cTn id="12" dur="500"/>
                                         <p:tgtEl>
                                           <p:spTgt spid="3">
                                             <p:txEl>
@@ -12343,21 +12383,30 @@
                             </p:childTnLst>
                           </p:cTn>
                         </p:par>
+                      </p:childTnLst>
+                    </p:cTn>
+                  </p:par>
+                  <p:par>
+                    <p:cTn id="13" fill="hold">
+                      <p:stCondLst>
+                        <p:cond delay="indefinite"/>
+                      </p:stCondLst>
+                      <p:childTnLst>
                         <p:par>
-                          <p:cTn id="12" fill="hold">
+                          <p:cTn id="14" fill="hold">
                             <p:stCondLst>
-                              <p:cond delay="1000"/>
+                              <p:cond delay="0"/>
                             </p:stCondLst>
                             <p:childTnLst>
                               <p:par>
-                                <p:cTn id="13" presetID="10" presetClass="entr" presetSubtype="0" fill="hold" nodeType="afterEffect">
+                                <p:cTn id="15" presetID="10" presetClass="entr" presetSubtype="0" fill="hold" nodeType="clickEffect">
                                   <p:stCondLst>
                                     <p:cond delay="0"/>
                                   </p:stCondLst>
                                   <p:childTnLst>
                                     <p:set>
                                       <p:cBhvr>
-                                        <p:cTn id="14" dur="1" fill="hold">
+                                        <p:cTn id="16" dur="1" fill="hold">
                                           <p:stCondLst>
                                             <p:cond delay="0"/>
                                           </p:stCondLst>
@@ -12379,7 +12428,7 @@
                                     </p:set>
                                     <p:animEffect transition="in" filter="fade">
                                       <p:cBhvr>
-                                        <p:cTn id="15" dur="500"/>
+                                        <p:cTn id="17" dur="500"/>
                                         <p:tgtEl>
                                           <p:spTgt spid="3">
                                             <p:txEl>
@@ -12395,21 +12444,30 @@
                             </p:childTnLst>
                           </p:cTn>
                         </p:par>
+                      </p:childTnLst>
+                    </p:cTn>
+                  </p:par>
+                  <p:par>
+                    <p:cTn id="18" fill="hold">
+                      <p:stCondLst>
+                        <p:cond delay="indefinite"/>
+                      </p:stCondLst>
+                      <p:childTnLst>
                         <p:par>
-                          <p:cTn id="16" fill="hold">
+                          <p:cTn id="19" fill="hold">
                             <p:stCondLst>
-                              <p:cond delay="1500"/>
+                              <p:cond delay="0"/>
                             </p:stCondLst>
                             <p:childTnLst>
                               <p:par>
-                                <p:cTn id="17" presetID="10" presetClass="entr" presetSubtype="0" fill="hold" nodeType="afterEffect">
+                                <p:cTn id="20" presetID="10" presetClass="entr" presetSubtype="0" fill="hold" nodeType="clickEffect">
                                   <p:stCondLst>
                                     <p:cond delay="0"/>
                                   </p:stCondLst>
                                   <p:childTnLst>
                                     <p:set>
                                       <p:cBhvr>
-                                        <p:cTn id="18" dur="1" fill="hold">
+                                        <p:cTn id="21" dur="1" fill="hold">
                                           <p:stCondLst>
                                             <p:cond delay="0"/>
                                           </p:stCondLst>
@@ -12431,7 +12489,7 @@
                                     </p:set>
                                     <p:animEffect transition="in" filter="fade">
                                       <p:cBhvr>
-                                        <p:cTn id="19" dur="500"/>
+                                        <p:cTn id="22" dur="500"/>
                                         <p:tgtEl>
                                           <p:spTgt spid="3">
                                             <p:txEl>
@@ -12447,21 +12505,30 @@
                             </p:childTnLst>
                           </p:cTn>
                         </p:par>
+                      </p:childTnLst>
+                    </p:cTn>
+                  </p:par>
+                  <p:par>
+                    <p:cTn id="23" fill="hold">
+                      <p:stCondLst>
+                        <p:cond delay="indefinite"/>
+                      </p:stCondLst>
+                      <p:childTnLst>
                         <p:par>
-                          <p:cTn id="20" fill="hold">
+                          <p:cTn id="24" fill="hold">
                             <p:stCondLst>
-                              <p:cond delay="2000"/>
+                              <p:cond delay="0"/>
                             </p:stCondLst>
                             <p:childTnLst>
                               <p:par>
-                                <p:cTn id="21" presetID="10" presetClass="entr" presetSubtype="0" fill="hold" nodeType="afterEffect">
+                                <p:cTn id="25" presetID="10" presetClass="entr" presetSubtype="0" fill="hold" nodeType="clickEffect">
                                   <p:stCondLst>
                                     <p:cond delay="0"/>
                                   </p:stCondLst>
                                   <p:childTnLst>
                                     <p:set>
                                       <p:cBhvr>
-                                        <p:cTn id="22" dur="1" fill="hold">
+                                        <p:cTn id="26" dur="1" fill="hold">
                                           <p:stCondLst>
                                             <p:cond delay="0"/>
                                           </p:stCondLst>
@@ -12483,7 +12550,7 @@
                                     </p:set>
                                     <p:animEffect transition="in" filter="fade">
                                       <p:cBhvr>
-                                        <p:cTn id="23" dur="500"/>
+                                        <p:cTn id="27" dur="500"/>
                                         <p:tgtEl>
                                           <p:spTgt spid="3">
                                             <p:txEl>
@@ -12499,21 +12566,30 @@
                             </p:childTnLst>
                           </p:cTn>
                         </p:par>
+                      </p:childTnLst>
+                    </p:cTn>
+                  </p:par>
+                  <p:par>
+                    <p:cTn id="28" fill="hold">
+                      <p:stCondLst>
+                        <p:cond delay="indefinite"/>
+                      </p:stCondLst>
+                      <p:childTnLst>
                         <p:par>
-                          <p:cTn id="24" fill="hold">
+                          <p:cTn id="29" fill="hold">
                             <p:stCondLst>
-                              <p:cond delay="2500"/>
+                              <p:cond delay="0"/>
                             </p:stCondLst>
                             <p:childTnLst>
                               <p:par>
-                                <p:cTn id="25" presetID="10" presetClass="entr" presetSubtype="0" fill="hold" nodeType="afterEffect">
+                                <p:cTn id="30" presetID="10" presetClass="entr" presetSubtype="0" fill="hold" nodeType="clickEffect">
                                   <p:stCondLst>
                                     <p:cond delay="0"/>
                                   </p:stCondLst>
                                   <p:childTnLst>
                                     <p:set>
                                       <p:cBhvr>
-                                        <p:cTn id="26" dur="1" fill="hold">
+                                        <p:cTn id="31" dur="1" fill="hold">
                                           <p:stCondLst>
                                             <p:cond delay="0"/>
                                           </p:stCondLst>
@@ -12535,7 +12611,7 @@
                                     </p:set>
                                     <p:animEffect transition="in" filter="fade">
                                       <p:cBhvr>
-                                        <p:cTn id="27" dur="500"/>
+                                        <p:cTn id="32" dur="500"/>
                                         <p:tgtEl>
                                           <p:spTgt spid="3">
                                             <p:txEl>
@@ -12902,10 +12978,10 @@
       </p:sp>
       <p:pic>
         <p:nvPicPr>
-          <p:cNvPr id="29" name="Grafik 28">
+          <p:cNvPr id="7" name="Grafik 6">
             <a:extLst>
               <a:ext uri="{FF2B5EF4-FFF2-40B4-BE49-F238E27FC236}">
-                <a16:creationId xmlns:a16="http://schemas.microsoft.com/office/drawing/2014/main" id="{53458778-44B1-4940-AA94-B0F9223400B2}"/>
+                <a16:creationId xmlns:a16="http://schemas.microsoft.com/office/drawing/2014/main" id="{3359BC26-08A8-4F78-96E3-5573DCB356D2}"/>
               </a:ext>
             </a:extLst>
           </p:cNvPr>
@@ -12927,7 +13003,7 @@
         <p:spPr>
           <a:xfrm>
             <a:off x="806199" y="4552339"/>
-            <a:ext cx="7186536" cy="431705"/>
+            <a:ext cx="7109588" cy="433262"/>
           </a:xfrm>
           <a:prstGeom prst="rect">
             <a:avLst/>
@@ -12936,10 +13012,10 @@
       </p:pic>
       <p:pic>
         <p:nvPicPr>
-          <p:cNvPr id="27" name="Grafik 26">
+          <p:cNvPr id="9" name="Grafik 8">
             <a:extLst>
               <a:ext uri="{FF2B5EF4-FFF2-40B4-BE49-F238E27FC236}">
-                <a16:creationId xmlns:a16="http://schemas.microsoft.com/office/drawing/2014/main" id="{F4B31A9D-3592-498F-B9BD-79DC649B3372}"/>
+                <a16:creationId xmlns:a16="http://schemas.microsoft.com/office/drawing/2014/main" id="{2E8BBDCA-457F-4D34-81D2-8A647A33D53C}"/>
               </a:ext>
             </a:extLst>
           </p:cNvPr>
@@ -12961,7 +13037,7 @@
         <p:spPr>
           <a:xfrm>
             <a:off x="2260613" y="2854184"/>
-            <a:ext cx="4393572" cy="283396"/>
+            <a:ext cx="4325325" cy="284281"/>
           </a:xfrm>
           <a:prstGeom prst="rect">
             <a:avLst/>
@@ -13119,20 +13195,7 @@
               <a:buFont typeface="Arial" panose="020B0604020202020204" pitchFamily="34" charset="0"/>
               <a:buChar char="•"/>
             </a:pPr>
-            <a:r>
-              <a:rPr lang="de-DE" dirty="0"/>
-              <a:t>Partielle, parabolische Differentialgleichung</a:t>
-            </a:r>
-          </a:p>
-          <a:p>
-            <a:pPr>
-              <a:buFont typeface="Arial" panose="020B0604020202020204" pitchFamily="34" charset="0"/>
-              <a:buChar char="•"/>
-            </a:pPr>
-            <a:r>
-              <a:rPr lang="de-DE" dirty="0"/>
-              <a:t>zeitliche &amp; räumliche Änderung der Temperatur</a:t>
-            </a:r>
+            <a:endParaRPr lang="de-DE" dirty="0"/>
           </a:p>
         </p:txBody>
       </p:sp>
@@ -13218,8 +13281,8 @@
 <p:tagLst xmlns:a="http://schemas.openxmlformats.org/drawingml/2006/main" xmlns:r="http://schemas.openxmlformats.org/officeDocument/2006/relationships" xmlns:p="http://schemas.openxmlformats.org/presentationml/2006/main">
   <p:tag name="OUTPUTDPI" val="1200"/>
   <p:tag name="ORIGINALHEIGHT" val="201,7248"/>
-  <p:tag name="ORIGINALWIDTH" val="3496,813"/>
-  <p:tag name="LATEXADDIN" val="\documentclass{article}&#10;\usepackage{amsmath}&#10;\pagestyle{empty}&#10;\begin{document}&#10;&#10;$ \phi^{m+1}_{i,j} = \phi^{m}_{i,j}+D*dt*(\frac{\phi^{m}_{i-1,j}+\phi^{m}_{i+1,j}-2*\phi^{m}_{i,j}}{dx*dx}+\frac{\phi^{m}_{i,j-1}+\phi^{m}_{i,j+1}-2*\phi^{m}_{i,j}}{dy*dy}) $&#10;&#10;&#10;\end{document}"/>
+  <p:tag name="ORIGINALWIDTH" val="3458,568"/>
+  <p:tag name="LATEXADDIN" val="\documentclass{article}&#10;\usepackage{amsmath}&#10;\pagestyle{empty}&#10;\begin{document}&#10;&#10;$ \phi^{m+1}_{i,j} = \phi^{m}_{i,j}+k*dt*(\frac{\phi^{m}_{i-1,j}+\phi^{m}_{i+1,j}-2*\phi^{m}_{i,j}}{dx*dx}+\frac{\phi^{m}_{i,j-1}+\phi^{m}_{i,j+1}-2*\phi^{m}_{i,j}}{dy*dy}) $&#10;&#10;&#10;\end{document}"/>
   <p:tag name="IGUANATEXSIZE" val="20"/>
   <p:tag name="IGUANATEXCURSOR" val="118"/>
   <p:tag name="TRANSPARENCY" val="Wahr"/>
@@ -13237,10 +13300,10 @@
 <p:tagLst xmlns:a="http://schemas.openxmlformats.org/drawingml/2006/main" xmlns:r="http://schemas.openxmlformats.org/officeDocument/2006/relationships" xmlns:p="http://schemas.openxmlformats.org/presentationml/2006/main">
   <p:tag name="OUTPUTDPI" val="1200"/>
   <p:tag name="ORIGINALHEIGHT" val="154,4807"/>
-  <p:tag name="ORIGINALWIDTH" val="2401,95"/>
-  <p:tag name="LATEXADDIN" val="\documentclass{article}&#10;\usepackage{amsmath}&#10;\pagestyle{empty}&#10;\begin{document}&#10;&#10;$ \phi^{m+1}_{i} = \phi^{m}_i+D\frac{dt}{dx*dx}(\phi^{m}_{i+1}-2*\phi^{m}_i+\phi^{m}_{i-1}) $&#10;&#10;\end{document}"/>
+  <p:tag name="ORIGINALWIDTH" val="2363,705"/>
+  <p:tag name="LATEXADDIN" val="\documentclass{article}&#10;\usepackage{amsmath}&#10;\pagestyle{empty}&#10;\begin{document}&#10;&#10;$ \phi^{m+1}_{i} = \phi^{m}_i+k\frac{dt}{dx*dx}(\phi^{m}_{i+1}-2*\phi^{m}_i+\phi^{m}_{i-1}) $&#10;&#10;\end{document}"/>
   <p:tag name="IGUANATEXSIZE" val="18"/>
-  <p:tag name="IGUANATEXCURSOR" val="118"/>
+  <p:tag name="IGUANATEXCURSOR" val="112"/>
   <p:tag name="TRANSPARENCY" val="Wahr"/>
   <p:tag name="FILENAME" val=""/>
   <p:tag name="LATEXENGINEID" val="0"/>
